--- a/info/개인 프로젝트_조립 PC 견적 추천_3주차.pptx
+++ b/info/개인 프로젝트_조립 PC 견적 추천_3주차.pptx
@@ -2,20 +2,27 @@
 <file path=ppt/presentation.xml><?xml version="1.0" encoding="utf-8"?>
 <p:presentation xmlns:a="http://schemas.openxmlformats.org/drawingml/2006/main" xmlns:r="http://schemas.openxmlformats.org/officeDocument/2006/relationships" xmlns:p="http://schemas.openxmlformats.org/presentationml/2006/main" xmlns:p14="http://schemas.microsoft.com/office/powerpoint/2010/main" saveSubsetFonts="1">
   <p:sldMasterIdLst>
-    <p:sldMasterId id="2147483840" r:id="rId24"/>
-    <p:sldMasterId id="2147483841" r:id="rId26"/>
+    <p:sldMasterId id="2147483867" r:id="rId35"/>
+    <p:sldMasterId id="2147483868" r:id="rId37"/>
+    <p:sldMasterId id="2147483869" r:id="rId39"/>
   </p:sldMasterIdLst>
   <p:sldIdLst>
-    <p:sldId id="256" r:id="rId28"/>
-    <p:sldId id="257" r:id="rId29"/>
-    <p:sldId id="258" r:id="rId30"/>
-    <p:sldId id="259" r:id="rId31"/>
-    <p:sldId id="260" r:id="rId32"/>
-    <p:sldId id="262" r:id="rId33"/>
-    <p:sldId id="261" r:id="rId34"/>
-    <p:sldId id="264" r:id="rId35"/>
-    <p:sldId id="266" r:id="rId36"/>
-    <p:sldId id="265" r:id="rId37"/>
+    <p:sldId id="256" r:id="rId41"/>
+    <p:sldId id="257" r:id="rId42"/>
+    <p:sldId id="258" r:id="rId43"/>
+    <p:sldId id="259" r:id="rId44"/>
+    <p:sldId id="260" r:id="rId45"/>
+    <p:sldId id="262" r:id="rId46"/>
+    <p:sldId id="261" r:id="rId47"/>
+    <p:sldId id="264" r:id="rId48"/>
+    <p:sldId id="266" r:id="rId49"/>
+    <p:sldId id="270" r:id="rId50"/>
+    <p:sldId id="271" r:id="rId51"/>
+    <p:sldId id="272" r:id="rId52"/>
+    <p:sldId id="265" r:id="rId53"/>
+    <p:sldId id="267" r:id="rId54"/>
+    <p:sldId id="268" r:id="rId55"/>
+    <p:sldId id="269" r:id="rId56"/>
   </p:sldIdLst>
   <p:sldSz cx="12192000" cy="6858000"/>
   <p:notesSz cx="6858000" cy="9144000"/>
@@ -5573,6 +5580,2546 @@
 </p:sldLayout>
 </file>
 
+<file path=ppt/slideLayouts/slideLayout23.xml><?xml version="1.0" encoding="utf-8"?>
+<p:sldLayout xmlns:a="http://schemas.openxmlformats.org/drawingml/2006/main" xmlns:r="http://schemas.openxmlformats.org/officeDocument/2006/relationships" xmlns:p="http://schemas.openxmlformats.org/presentationml/2006/main" showMasterSp="0" type="title">
+  <p:cSld name="제목 슬라이드">
+    <p:spTree>
+      <p:nvGrpSpPr>
+        <p:cNvPr id="1" name=""/>
+        <p:cNvGrpSpPr/>
+        <p:nvPr/>
+      </p:nvGrpSpPr>
+      <p:grpSpPr>
+        <a:xfrm>
+          <a:off x="0" y="0"/>
+          <a:ext cx="0" cy="0"/>
+          <a:chOff x="0" y="0"/>
+          <a:chExt cx="0" cy="0"/>
+        </a:xfrm>
+      </p:grpSpPr>
+      <p:pic>
+        <p:nvPicPr>
+          <p:cNvPr id="7" name="그림 6" descr="C:/Users/Yeom Seoung Yun/AppData/Roaming/PolarisOffice/ETemp/5292_7955504/fImage1399323441.png"/>
+          <p:cNvPicPr>
+            <a:picLocks noChangeAspect="1"/>
+          </p:cNvPicPr>
+          <p:nvPr/>
+        </p:nvPicPr>
+        <p:blipFill rotWithShape="1">
+          <a:blip r:embed="rId2">
+            <a:extLst>
+              <a:ext uri="{28A0092B-C50C-407E-A947-70E740481C1C}">
+                <a14:useLocalDpi xmlns:a14="http://schemas.microsoft.com/office/drawing/2010/main" val="0"/>
+              </a:ext>
+            </a:extLst>
+          </a:blip>
+          <a:srcRect/>
+          <a:stretch>
+            <a:fillRect/>
+          </a:stretch>
+        </p:blipFill>
+        <p:spPr>
+          <a:xfrm rot="0">
+            <a:off x="0" y="0"/>
+            <a:ext cx="12193270" cy="6859270"/>
+          </a:xfrm>
+          <a:prstGeom prst="rect"/>
+          <a:noFill/>
+        </p:spPr>
+      </p:pic>
+      <p:sp>
+        <p:nvSpPr>
+          <p:cNvPr id="2" name="텍스트 개체 틀 1"/>
+          <p:cNvSpPr txBox="1">
+            <a:spLocks/>
+          </p:cNvSpPr>
+          <p:nvPr>
+            <p:ph type="ctrTitle"/>
+          </p:nvPr>
+        </p:nvSpPr>
+        <p:spPr>
+          <a:xfrm rot="0">
+            <a:off x="914400" y="1381760"/>
+            <a:ext cx="10364470" cy="2388870"/>
+          </a:xfrm>
+          <a:prstGeom prst="rect"/>
+        </p:spPr>
+        <p:txBody>
+          <a:bodyPr wrap="square" lIns="91440" tIns="45720" rIns="91440" bIns="45720" vert="horz" anchor="b">
+            <a:normAutofit fontScale="100000" lnSpcReduction="0"/>
+          </a:bodyPr>
+          <a:lstStyle/>
+          <a:p>
+            <a:pPr marL="0" indent="0" algn="ctr" fontAlgn="auto" defTabSz="914400" eaLnBrk="0">
+              <a:lnSpc>
+                <a:spcPct val="90000"/>
+              </a:lnSpc>
+              <a:spcBef>
+                <a:spcPts val="0"/>
+              </a:spcBef>
+              <a:spcAft>
+                <a:spcPts val="0"/>
+              </a:spcAft>
+              <a:buFontTx/>
+              <a:buNone/>
+            </a:pPr>
+            <a:r>
+              <a:rPr lang="en-US" altLang="ko-KR" sz="5000" cap="none" dirty="0" smtClean="0" b="0" strike="noStrike">
+                <a:solidFill>
+                  <a:srgbClr val="295776"/>
+                </a:solidFill>
+                <a:latin typeface="맑은 고딕" charset="0"/>
+                <a:ea typeface="맑은 고딕" charset="0"/>
+              </a:rPr>
+              <a:t>제목을 입력하십시오</a:t>
+            </a:r>
+          </a:p>
+        </p:txBody>
+      </p:sp>
+      <p:sp>
+        <p:nvSpPr>
+          <p:cNvPr id="3" name="부제목 2"/>
+          <p:cNvSpPr txBox="1">
+            <a:spLocks/>
+          </p:cNvSpPr>
+          <p:nvPr>
+            <p:ph type="subTitle"/>
+          </p:nvPr>
+        </p:nvSpPr>
+        <p:spPr>
+          <a:xfrm rot="0">
+            <a:off x="1524000" y="3861435"/>
+            <a:ext cx="9145270" cy="1656715"/>
+          </a:xfrm>
+          <a:prstGeom prst="rect"/>
+        </p:spPr>
+        <p:txBody>
+          <a:bodyPr wrap="square" lIns="91440" tIns="45720" rIns="91440" bIns="45720" vert="horz" anchor="t">
+            <a:normAutofit fontScale="100000" lnSpcReduction="0"/>
+          </a:bodyPr>
+          <a:lstStyle/>
+          <a:p>
+            <a:pPr marL="0" indent="0" algn="ctr" fontAlgn="auto" defTabSz="914400" eaLnBrk="0">
+              <a:lnSpc>
+                <a:spcPct val="90000"/>
+              </a:lnSpc>
+              <a:spcBef>
+                <a:spcPts val="1000"/>
+              </a:spcBef>
+              <a:spcAft>
+                <a:spcPts val="0"/>
+              </a:spcAft>
+              <a:buFontTx/>
+              <a:buNone/>
+            </a:pPr>
+            <a:r>
+              <a:rPr lang="en-US" altLang="ko-KR" sz="2400" cap="none" dirty="0" smtClean="0" b="0" strike="noStrike">
+                <a:solidFill>
+                  <a:srgbClr val="57768B"/>
+                </a:solidFill>
+                <a:latin typeface="맑은 고딕" charset="0"/>
+                <a:ea typeface="맑은 고딕" charset="0"/>
+              </a:rPr>
+              <a:t>부제목을 입력하십시오</a:t>
+            </a:r>
+          </a:p>
+        </p:txBody>
+      </p:sp>
+      <p:sp>
+        <p:nvSpPr>
+          <p:cNvPr id="4" name="날짜 개체 틀 3"/>
+          <p:cNvSpPr txBox="1">
+            <a:spLocks/>
+          </p:cNvSpPr>
+          <p:nvPr>
+            <p:ph type="dt"/>
+          </p:nvPr>
+        </p:nvSpPr>
+        <p:spPr>
+          <a:xfrm rot="0">
+            <a:off x="838200" y="6356350"/>
+            <a:ext cx="2744470" cy="366395"/>
+          </a:xfrm>
+          <a:prstGeom prst="rect"/>
+        </p:spPr>
+        <p:txBody>
+          <a:bodyPr wrap="square" lIns="91440" tIns="45720" rIns="91440" bIns="45720" vert="horz" anchor="ctr">
+            <a:noAutofit/>
+          </a:bodyPr>
+          <a:lstStyle/>
+          <a:p>
+            <a:pPr marL="0" indent="0" algn="l" fontAlgn="auto" defTabSz="508000" eaLnBrk="0">
+              <a:lnSpc>
+                <a:spcPct val="100000"/>
+              </a:lnSpc>
+              <a:spcBef>
+                <a:spcPts val="0"/>
+              </a:spcBef>
+              <a:spcAft>
+                <a:spcPts val="0"/>
+              </a:spcAft>
+              <a:buFontTx/>
+              <a:buNone/>
+            </a:pPr>
+            <a:fld id="{B9320F77-B9A0-41C5-862A-B4B631284C64}" type="datetime1">
+              <a:rPr lang="en-GB" altLang="en-US" sz="1200" cap="none" dirty="0" smtClean="0" b="0" strike="noStrike">
+                <a:solidFill>
+                  <a:srgbClr val="898989"/>
+                </a:solidFill>
+                <a:latin typeface="맑은 고딕" charset="0"/>
+                <a:ea typeface="맑은 고딕" charset="0"/>
+              </a:rPr>
+              <a:t>9/13/2018</a:t>
+            </a:fld>
+          </a:p>
+        </p:txBody>
+      </p:sp>
+      <p:sp>
+        <p:nvSpPr>
+          <p:cNvPr id="5" name="바닥글 개체 틀 4"/>
+          <p:cNvSpPr txBox="1">
+            <a:spLocks/>
+          </p:cNvSpPr>
+          <p:nvPr>
+            <p:ph type="ftr"/>
+          </p:nvPr>
+        </p:nvSpPr>
+        <p:spPr>
+          <a:xfrm rot="0">
+            <a:off x="4038600" y="6356350"/>
+            <a:ext cx="4116070" cy="366395"/>
+          </a:xfrm>
+          <a:prstGeom prst="rect"/>
+        </p:spPr>
+        <p:txBody>
+          <a:bodyPr wrap="square" lIns="91440" tIns="45720" rIns="91440" bIns="45720" vert="horz" anchor="ctr">
+            <a:noAutofit/>
+          </a:bodyPr>
+          <a:lstStyle/>
+          <a:p>
+            <a:pPr marL="0" indent="0" algn="ctr" fontAlgn="auto" defTabSz="508000" eaLnBrk="0">
+              <a:lnSpc>
+                <a:spcPct val="100000"/>
+              </a:lnSpc>
+              <a:spcBef>
+                <a:spcPts val="0"/>
+              </a:spcBef>
+              <a:spcAft>
+                <a:spcPts val="0"/>
+              </a:spcAft>
+              <a:buFontTx/>
+              <a:buNone/>
+            </a:pPr>
+          </a:p>
+        </p:txBody>
+      </p:sp>
+      <p:sp>
+        <p:nvSpPr>
+          <p:cNvPr id="6" name="슬라이드 번호 개체 틀 5"/>
+          <p:cNvSpPr txBox="1">
+            <a:spLocks/>
+          </p:cNvSpPr>
+          <p:nvPr>
+            <p:ph type="sldNum"/>
+          </p:nvPr>
+        </p:nvSpPr>
+        <p:spPr>
+          <a:xfrm rot="0">
+            <a:off x="8610600" y="6356350"/>
+            <a:ext cx="2744470" cy="366395"/>
+          </a:xfrm>
+          <a:prstGeom prst="rect"/>
+        </p:spPr>
+        <p:txBody>
+          <a:bodyPr wrap="square" lIns="91440" tIns="45720" rIns="91440" bIns="45720" vert="horz" anchor="ctr">
+            <a:noAutofit/>
+          </a:bodyPr>
+          <a:lstStyle/>
+          <a:p>
+            <a:pPr marL="0" indent="0" algn="r" fontAlgn="auto" defTabSz="508000" eaLnBrk="0">
+              <a:lnSpc>
+                <a:spcPct val="100000"/>
+              </a:lnSpc>
+              <a:spcBef>
+                <a:spcPts val="0"/>
+              </a:spcBef>
+              <a:spcAft>
+                <a:spcPts val="0"/>
+              </a:spcAft>
+              <a:buFontTx/>
+              <a:buNone/>
+            </a:pPr>
+            <a:fld id="{B9320F77-B9A0-41C5-862A-B4B631284C64}" type="slidenum">
+              <a:rPr lang="en-US" altLang="ko-KR" sz="1200" cap="none" dirty="0" smtClean="0" b="0" strike="noStrike">
+                <a:solidFill>
+                  <a:srgbClr val="898989"/>
+                </a:solidFill>
+                <a:latin typeface="맑은 고딕" charset="0"/>
+                <a:ea typeface="맑은 고딕" charset="0"/>
+              </a:rPr>
+              <a:t>1</a:t>
+            </a:fld>
+          </a:p>
+        </p:txBody>
+      </p:sp>
+    </p:spTree>
+  </p:cSld>
+  <p:clrMapOvr>
+    <a:overrideClrMapping bg1="lt1" tx1="dk1" bg2="lt2" tx2="dk2" accent1="accent1" accent2="accent2" accent3="accent3" accent4="accent4" accent5="accent5" accent6="accent6" hlink="hlink" folHlink="folHlink"/>
+  </p:clrMapOvr>
+  <mc:AlternateContent xmlns:mc="http://schemas.openxmlformats.org/markup-compatibility/2006">
+    <mc:Choice xmlns:p14="http://schemas.microsoft.com/office/powerpoint/2010/main" Requires="p14">
+      <p:transition spd="slow" p14:dur="1000"/>
+    </mc:Choice>
+    <mc:Fallback>
+      <p:transition spd="slow"/>
+    </mc:Fallback>
+  </mc:AlternateContent>
+</p:sldLayout>
+</file>
+
+<file path=ppt/slideLayouts/slideLayout24.xml><?xml version="1.0" encoding="utf-8"?>
+<p:sldLayout xmlns:a="http://schemas.openxmlformats.org/drawingml/2006/main" xmlns:r="http://schemas.openxmlformats.org/officeDocument/2006/relationships" xmlns:p="http://schemas.openxmlformats.org/presentationml/2006/main" type="obj">
+  <p:cSld name="제목 및 내용">
+    <p:spTree>
+      <p:nvGrpSpPr>
+        <p:cNvPr id="1" name=""/>
+        <p:cNvGrpSpPr/>
+        <p:nvPr/>
+      </p:nvGrpSpPr>
+      <p:grpSpPr>
+        <a:xfrm>
+          <a:off x="0" y="0"/>
+          <a:ext cx="0" cy="0"/>
+          <a:chOff x="0" y="0"/>
+          <a:chExt cx="0" cy="0"/>
+        </a:xfrm>
+      </p:grpSpPr>
+      <p:sp>
+        <p:nvSpPr>
+          <p:cNvPr id="2" name="텍스트 개체 틀 1"/>
+          <p:cNvSpPr txBox="1">
+            <a:spLocks/>
+          </p:cNvSpPr>
+          <p:nvPr>
+            <p:ph type="title"/>
+          </p:nvPr>
+        </p:nvSpPr>
+        <p:spPr>
+          <a:xfrm rot="0">
+            <a:off x="838200" y="365125"/>
+            <a:ext cx="10516870" cy="1327150"/>
+          </a:xfrm>
+          <a:prstGeom prst="rect"/>
+        </p:spPr>
+        <p:txBody>
+          <a:bodyPr wrap="square" lIns="91440" tIns="45720" rIns="91440" bIns="45720" vert="horz" anchor="ctr">
+            <a:normAutofit fontScale="100000" lnSpcReduction="0"/>
+          </a:bodyPr>
+          <a:lstStyle/>
+          <a:p>
+            <a:pPr marL="0" indent="0" algn="l" fontAlgn="auto" defTabSz="914400" eaLnBrk="0">
+              <a:lnSpc>
+                <a:spcPct val="90000"/>
+              </a:lnSpc>
+              <a:spcBef>
+                <a:spcPts val="0"/>
+              </a:spcBef>
+              <a:spcAft>
+                <a:spcPts val="0"/>
+              </a:spcAft>
+              <a:buFontTx/>
+              <a:buNone/>
+            </a:pPr>
+            <a:r>
+              <a:rPr lang="en-US" altLang="ko-KR" sz="4400" cap="none" dirty="0" smtClean="0" b="0" strike="noStrike">
+                <a:latin typeface="맑은 고딕" charset="0"/>
+                <a:ea typeface="맑은 고딕" charset="0"/>
+              </a:rPr>
+              <a:t>제목을 입력하십시오</a:t>
+            </a:r>
+          </a:p>
+        </p:txBody>
+      </p:sp>
+      <p:sp>
+        <p:nvSpPr>
+          <p:cNvPr id="3" name="내용 개체 틀 2"/>
+          <p:cNvSpPr txBox="1">
+            <a:spLocks/>
+          </p:cNvSpPr>
+          <p:nvPr>
+            <p:ph type="obj"/>
+          </p:nvPr>
+        </p:nvSpPr>
+        <p:spPr>
+          <a:xfrm rot="0">
+            <a:off x="838200" y="1825625"/>
+            <a:ext cx="10516870" cy="4352925"/>
+          </a:xfrm>
+          <a:prstGeom prst="rect"/>
+        </p:spPr>
+        <p:txBody>
+          <a:bodyPr wrap="square" lIns="91440" tIns="45720" rIns="91440" bIns="45720" vert="horz" anchor="t">
+            <a:normAutofit fontScale="100000" lnSpcReduction="0"/>
+          </a:bodyPr>
+          <a:lstStyle/>
+          <a:p>
+            <a:pPr marL="228600" indent="-228600" algn="l" fontAlgn="auto" defTabSz="914400" eaLnBrk="0">
+              <a:lnSpc>
+                <a:spcPct val="90000"/>
+              </a:lnSpc>
+              <a:spcBef>
+                <a:spcPts val="1000"/>
+              </a:spcBef>
+              <a:spcAft>
+                <a:spcPts val="0"/>
+              </a:spcAft>
+              <a:buClr>
+                <a:srgbClr val="404040"/>
+              </a:buClr>
+              <a:buFont typeface="Arial"/>
+              <a:buChar char="•"/>
+            </a:pPr>
+            <a:r>
+              <a:rPr lang="en-US" altLang="ko-KR" sz="2800" cap="none" dirty="0" smtClean="0" b="0" strike="noStrike">
+                <a:solidFill>
+                  <a:schemeClr val="tx1">
+                    <a:lumMod val="75000"/>
+                    <a:lumOff val="25000"/>
+                  </a:schemeClr>
+                </a:solidFill>
+                <a:latin typeface="맑은 고딕" charset="0"/>
+                <a:ea typeface="맑은 고딕" charset="0"/>
+              </a:rPr>
+              <a:t>텍스트를 입력하십시오</a:t>
+            </a:r>
+          </a:p>
+          <a:p>
+            <a:pPr marL="685800" indent="-228600" algn="l" fontAlgn="auto" defTabSz="914400" eaLnBrk="0">
+              <a:lnSpc>
+                <a:spcPct val="90000"/>
+              </a:lnSpc>
+              <a:spcBef>
+                <a:spcPts val="500"/>
+              </a:spcBef>
+              <a:spcAft>
+                <a:spcPts val="0"/>
+              </a:spcAft>
+              <a:buClr>
+                <a:srgbClr val="404040"/>
+              </a:buClr>
+              <a:buFont typeface="Arial"/>
+              <a:buChar char="•"/>
+            </a:pPr>
+            <a:r>
+              <a:rPr lang="en-US" altLang="ko-KR" sz="2400" cap="none" dirty="0" smtClean="0" b="0" strike="noStrike">
+                <a:solidFill>
+                  <a:schemeClr val="tx1">
+                    <a:lumMod val="75000"/>
+                    <a:lumOff val="25000"/>
+                  </a:schemeClr>
+                </a:solidFill>
+                <a:latin typeface="맑은 고딕" charset="0"/>
+                <a:ea typeface="맑은 고딕" charset="0"/>
+              </a:rPr>
+              <a:t>둘째 수준</a:t>
+            </a:r>
+          </a:p>
+          <a:p>
+            <a:pPr marL="1143000" indent="-228600" algn="l" fontAlgn="auto" defTabSz="914400" eaLnBrk="0">
+              <a:lnSpc>
+                <a:spcPct val="90000"/>
+              </a:lnSpc>
+              <a:spcBef>
+                <a:spcPts val="500"/>
+              </a:spcBef>
+              <a:spcAft>
+                <a:spcPts val="0"/>
+              </a:spcAft>
+              <a:buClr>
+                <a:srgbClr val="404040"/>
+              </a:buClr>
+              <a:buFont typeface="Arial"/>
+              <a:buChar char="•"/>
+            </a:pPr>
+            <a:r>
+              <a:rPr lang="en-US" altLang="ko-KR" sz="2000" cap="none" dirty="0" smtClean="0" b="0" strike="noStrike">
+                <a:solidFill>
+                  <a:schemeClr val="tx1">
+                    <a:lumMod val="75000"/>
+                    <a:lumOff val="25000"/>
+                  </a:schemeClr>
+                </a:solidFill>
+                <a:latin typeface="맑은 고딕" charset="0"/>
+                <a:ea typeface="맑은 고딕" charset="0"/>
+              </a:rPr>
+              <a:t>셋째 수준</a:t>
+            </a:r>
+          </a:p>
+          <a:p>
+            <a:pPr marL="1600200" indent="-228600" algn="l" fontAlgn="auto" defTabSz="914400" eaLnBrk="0">
+              <a:lnSpc>
+                <a:spcPct val="90000"/>
+              </a:lnSpc>
+              <a:spcBef>
+                <a:spcPts val="500"/>
+              </a:spcBef>
+              <a:spcAft>
+                <a:spcPts val="0"/>
+              </a:spcAft>
+              <a:buClr>
+                <a:srgbClr val="404040"/>
+              </a:buClr>
+              <a:buFont typeface="Arial"/>
+              <a:buChar char="•"/>
+            </a:pPr>
+            <a:r>
+              <a:rPr lang="en-US" altLang="ko-KR" sz="1800" cap="none" dirty="0" smtClean="0" b="0" strike="noStrike">
+                <a:solidFill>
+                  <a:schemeClr val="tx1">
+                    <a:lumMod val="75000"/>
+                    <a:lumOff val="25000"/>
+                  </a:schemeClr>
+                </a:solidFill>
+                <a:latin typeface="맑은 고딕" charset="0"/>
+                <a:ea typeface="맑은 고딕" charset="0"/>
+              </a:rPr>
+              <a:t>넷째 수준</a:t>
+            </a:r>
+          </a:p>
+          <a:p>
+            <a:pPr marL="2057400" indent="-228600" algn="l" fontAlgn="auto" defTabSz="914400" eaLnBrk="0">
+              <a:lnSpc>
+                <a:spcPct val="90000"/>
+              </a:lnSpc>
+              <a:spcBef>
+                <a:spcPts val="500"/>
+              </a:spcBef>
+              <a:spcAft>
+                <a:spcPts val="0"/>
+              </a:spcAft>
+              <a:buClr>
+                <a:srgbClr val="404040"/>
+              </a:buClr>
+              <a:buFont typeface="Arial"/>
+              <a:buChar char="•"/>
+            </a:pPr>
+            <a:r>
+              <a:rPr lang="en-US" altLang="ko-KR" sz="1800" cap="none" dirty="0" smtClean="0" b="0" strike="noStrike">
+                <a:solidFill>
+                  <a:schemeClr val="tx1">
+                    <a:lumMod val="75000"/>
+                    <a:lumOff val="25000"/>
+                  </a:schemeClr>
+                </a:solidFill>
+                <a:latin typeface="맑은 고딕" charset="0"/>
+                <a:ea typeface="맑은 고딕" charset="0"/>
+              </a:rPr>
+              <a:t>다섯째 수준</a:t>
+            </a:r>
+          </a:p>
+        </p:txBody>
+      </p:sp>
+      <p:sp>
+        <p:nvSpPr>
+          <p:cNvPr id="4" name="날짜 개체 틀 3"/>
+          <p:cNvSpPr txBox="1">
+            <a:spLocks/>
+          </p:cNvSpPr>
+          <p:nvPr>
+            <p:ph type="dt"/>
+          </p:nvPr>
+        </p:nvSpPr>
+        <p:spPr>
+          <a:xfrm rot="0">
+            <a:off x="838200" y="6356350"/>
+            <a:ext cx="2744470" cy="366395"/>
+          </a:xfrm>
+          <a:prstGeom prst="rect"/>
+        </p:spPr>
+        <p:txBody>
+          <a:bodyPr wrap="square" lIns="91440" tIns="45720" rIns="91440" bIns="45720" vert="horz" anchor="ctr">
+            <a:noAutofit/>
+          </a:bodyPr>
+          <a:lstStyle/>
+          <a:p>
+            <a:pPr marL="0" indent="0" algn="l" fontAlgn="auto" defTabSz="508000" eaLnBrk="0">
+              <a:lnSpc>
+                <a:spcPct val="100000"/>
+              </a:lnSpc>
+              <a:spcBef>
+                <a:spcPts val="0"/>
+              </a:spcBef>
+              <a:spcAft>
+                <a:spcPts val="0"/>
+              </a:spcAft>
+              <a:buFontTx/>
+              <a:buNone/>
+            </a:pPr>
+            <a:fld id="{B9320F77-B9A0-41C5-862A-B4B631284C64}" type="datetime1">
+              <a:rPr lang="en-GB" altLang="en-US" sz="1200" cap="none" dirty="0" smtClean="0" b="0" strike="noStrike">
+                <a:solidFill>
+                  <a:srgbClr val="898989"/>
+                </a:solidFill>
+                <a:latin typeface="맑은 고딕" charset="0"/>
+                <a:ea typeface="맑은 고딕" charset="0"/>
+              </a:rPr>
+              <a:t>9/13/2018</a:t>
+            </a:fld>
+          </a:p>
+        </p:txBody>
+      </p:sp>
+      <p:sp>
+        <p:nvSpPr>
+          <p:cNvPr id="5" name="바닥글 개체 틀 4"/>
+          <p:cNvSpPr txBox="1">
+            <a:spLocks/>
+          </p:cNvSpPr>
+          <p:nvPr>
+            <p:ph type="ftr"/>
+          </p:nvPr>
+        </p:nvSpPr>
+        <p:spPr>
+          <a:xfrm rot="0">
+            <a:off x="4038600" y="6356350"/>
+            <a:ext cx="4116070" cy="366395"/>
+          </a:xfrm>
+          <a:prstGeom prst="rect"/>
+        </p:spPr>
+        <p:txBody>
+          <a:bodyPr wrap="square" lIns="91440" tIns="45720" rIns="91440" bIns="45720" vert="horz" anchor="ctr">
+            <a:noAutofit/>
+          </a:bodyPr>
+          <a:lstStyle/>
+          <a:p>
+            <a:pPr marL="0" indent="0" algn="ctr" fontAlgn="auto" defTabSz="508000" eaLnBrk="0">
+              <a:lnSpc>
+                <a:spcPct val="100000"/>
+              </a:lnSpc>
+              <a:spcBef>
+                <a:spcPts val="0"/>
+              </a:spcBef>
+              <a:spcAft>
+                <a:spcPts val="0"/>
+              </a:spcAft>
+              <a:buFontTx/>
+              <a:buNone/>
+            </a:pPr>
+          </a:p>
+        </p:txBody>
+      </p:sp>
+      <p:sp>
+        <p:nvSpPr>
+          <p:cNvPr id="6" name="슬라이드 번호 개체 틀 5"/>
+          <p:cNvSpPr txBox="1">
+            <a:spLocks/>
+          </p:cNvSpPr>
+          <p:nvPr>
+            <p:ph type="sldNum"/>
+          </p:nvPr>
+        </p:nvSpPr>
+        <p:spPr>
+          <a:xfrm rot="0">
+            <a:off x="8610600" y="6356350"/>
+            <a:ext cx="2744470" cy="366395"/>
+          </a:xfrm>
+          <a:prstGeom prst="rect"/>
+        </p:spPr>
+        <p:txBody>
+          <a:bodyPr wrap="square" lIns="91440" tIns="45720" rIns="91440" bIns="45720" vert="horz" anchor="ctr">
+            <a:noAutofit/>
+          </a:bodyPr>
+          <a:lstStyle/>
+          <a:p>
+            <a:pPr marL="0" indent="0" algn="r" fontAlgn="auto" defTabSz="508000" eaLnBrk="0">
+              <a:lnSpc>
+                <a:spcPct val="100000"/>
+              </a:lnSpc>
+              <a:spcBef>
+                <a:spcPts val="0"/>
+              </a:spcBef>
+              <a:spcAft>
+                <a:spcPts val="0"/>
+              </a:spcAft>
+              <a:buFontTx/>
+              <a:buNone/>
+            </a:pPr>
+            <a:fld id="{B9320F77-B9A0-41C5-862A-B4B631284C64}" type="slidenum">
+              <a:rPr lang="en-US" altLang="ko-KR" sz="1200" cap="none" dirty="0" smtClean="0" b="0" strike="noStrike">
+                <a:solidFill>
+                  <a:srgbClr val="898989"/>
+                </a:solidFill>
+                <a:latin typeface="맑은 고딕" charset="0"/>
+                <a:ea typeface="맑은 고딕" charset="0"/>
+              </a:rPr>
+              <a:t>1</a:t>
+            </a:fld>
+          </a:p>
+        </p:txBody>
+      </p:sp>
+    </p:spTree>
+  </p:cSld>
+  <p:clrMapOvr>
+    <a:overrideClrMapping bg1="lt1" tx1="dk1" bg2="lt2" tx2="dk2" accent1="accent1" accent2="accent2" accent3="accent3" accent4="accent4" accent5="accent5" accent6="accent6" hlink="hlink" folHlink="folHlink"/>
+  </p:clrMapOvr>
+  <mc:AlternateContent xmlns:mc="http://schemas.openxmlformats.org/markup-compatibility/2006">
+    <mc:Choice xmlns:p14="http://schemas.microsoft.com/office/powerpoint/2010/main" Requires="p14">
+      <p:transition spd="slow" p14:dur="1000"/>
+    </mc:Choice>
+    <mc:Fallback>
+      <p:transition spd="slow"/>
+    </mc:Fallback>
+  </mc:AlternateContent>
+</p:sldLayout>
+</file>
+
+<file path=ppt/slideLayouts/slideLayout25.xml><?xml version="1.0" encoding="utf-8"?>
+<p:sldLayout xmlns:a="http://schemas.openxmlformats.org/drawingml/2006/main" xmlns:r="http://schemas.openxmlformats.org/officeDocument/2006/relationships" xmlns:p="http://schemas.openxmlformats.org/presentationml/2006/main" showMasterSp="0" type="secHead">
+  <p:cSld name="구역 머리글">
+    <p:bg>
+      <p:bgPr>
+        <a:solidFill>
+          <a:srgbClr val="57768B"/>
+        </a:solidFill>
+      </p:bgPr>
+    </p:bg>
+    <p:spTree>
+      <p:nvGrpSpPr>
+        <p:cNvPr id="1" name=""/>
+        <p:cNvGrpSpPr/>
+        <p:nvPr/>
+      </p:nvGrpSpPr>
+      <p:grpSpPr>
+        <a:xfrm>
+          <a:off x="0" y="0"/>
+          <a:ext cx="0" cy="0"/>
+          <a:chOff x="0" y="0"/>
+          <a:chExt cx="0" cy="0"/>
+        </a:xfrm>
+      </p:grpSpPr>
+      <p:sp>
+        <p:nvSpPr>
+          <p:cNvPr id="2" name="텍스트 개체 틀 1"/>
+          <p:cNvSpPr txBox="1">
+            <a:spLocks/>
+          </p:cNvSpPr>
+          <p:nvPr>
+            <p:ph type="title"/>
+          </p:nvPr>
+        </p:nvSpPr>
+        <p:spPr>
+          <a:xfrm rot="0">
+            <a:off x="831850" y="1710055"/>
+            <a:ext cx="10516870" cy="2853690"/>
+          </a:xfrm>
+          <a:prstGeom prst="rect"/>
+        </p:spPr>
+        <p:txBody>
+          <a:bodyPr wrap="square" lIns="91440" tIns="45720" rIns="91440" bIns="45720" vert="horz" anchor="b">
+            <a:normAutofit fontScale="100000" lnSpcReduction="0"/>
+          </a:bodyPr>
+          <a:lstStyle/>
+          <a:p>
+            <a:pPr marL="0" indent="0" algn="l" fontAlgn="auto" defTabSz="914400" eaLnBrk="0">
+              <a:lnSpc>
+                <a:spcPct val="90000"/>
+              </a:lnSpc>
+              <a:spcBef>
+                <a:spcPts val="0"/>
+              </a:spcBef>
+              <a:spcAft>
+                <a:spcPts val="0"/>
+              </a:spcAft>
+              <a:buFontTx/>
+              <a:buNone/>
+            </a:pPr>
+            <a:r>
+              <a:rPr lang="en-US" altLang="ko-KR" sz="5000" cap="none" dirty="0" smtClean="0" b="0" strike="noStrike">
+                <a:solidFill>
+                  <a:schemeClr val="bg1"/>
+                </a:solidFill>
+                <a:latin typeface="맑은 고딕" charset="0"/>
+                <a:ea typeface="맑은 고딕" charset="0"/>
+              </a:rPr>
+              <a:t>제목을 입력하십시오</a:t>
+            </a:r>
+          </a:p>
+        </p:txBody>
+      </p:sp>
+      <p:sp>
+        <p:nvSpPr>
+          <p:cNvPr id="3" name="텍스트 개체 틀 2"/>
+          <p:cNvSpPr txBox="1">
+            <a:spLocks/>
+          </p:cNvSpPr>
+          <p:nvPr>
+            <p:ph type="body"/>
+          </p:nvPr>
+        </p:nvSpPr>
+        <p:spPr>
+          <a:xfrm rot="0">
+            <a:off x="831850" y="4589780"/>
+            <a:ext cx="10516870" cy="1501140"/>
+          </a:xfrm>
+          <a:prstGeom prst="rect"/>
+        </p:spPr>
+        <p:txBody>
+          <a:bodyPr wrap="square" lIns="91440" tIns="45720" rIns="91440" bIns="45720" vert="horz" anchor="t">
+            <a:normAutofit fontScale="100000" lnSpcReduction="0"/>
+          </a:bodyPr>
+          <a:lstStyle/>
+          <a:p>
+            <a:pPr marL="0" indent="0" algn="l" fontAlgn="auto" defTabSz="914400" eaLnBrk="0">
+              <a:lnSpc>
+                <a:spcPct val="90000"/>
+              </a:lnSpc>
+              <a:spcBef>
+                <a:spcPts val="1000"/>
+              </a:spcBef>
+              <a:spcAft>
+                <a:spcPts val="0"/>
+              </a:spcAft>
+              <a:buFontTx/>
+              <a:buNone/>
+            </a:pPr>
+            <a:r>
+              <a:rPr lang="en-US" altLang="ko-KR" sz="2400" cap="none" dirty="0" smtClean="0" b="0" strike="noStrike">
+                <a:solidFill>
+                  <a:schemeClr val="bg1"/>
+                </a:solidFill>
+                <a:latin typeface="맑은 고딕" charset="0"/>
+                <a:ea typeface="맑은 고딕" charset="0"/>
+              </a:rPr>
+              <a:t>텍스트를 입력하십시오</a:t>
+            </a:r>
+          </a:p>
+        </p:txBody>
+      </p:sp>
+      <p:sp>
+        <p:nvSpPr>
+          <p:cNvPr id="4" name="날짜 개체 틀 3"/>
+          <p:cNvSpPr txBox="1">
+            <a:spLocks/>
+          </p:cNvSpPr>
+          <p:nvPr>
+            <p:ph type="dt"/>
+          </p:nvPr>
+        </p:nvSpPr>
+        <p:spPr>
+          <a:xfrm rot="0">
+            <a:off x="838200" y="6356350"/>
+            <a:ext cx="2744470" cy="366395"/>
+          </a:xfrm>
+          <a:prstGeom prst="rect"/>
+        </p:spPr>
+        <p:txBody>
+          <a:bodyPr wrap="square" lIns="91440" tIns="45720" rIns="91440" bIns="45720" vert="horz" anchor="ctr">
+            <a:noAutofit/>
+          </a:bodyPr>
+          <a:lstStyle/>
+          <a:p>
+            <a:pPr marL="0" indent="0" algn="l" fontAlgn="auto" defTabSz="508000" eaLnBrk="0">
+              <a:lnSpc>
+                <a:spcPct val="100000"/>
+              </a:lnSpc>
+              <a:spcBef>
+                <a:spcPts val="0"/>
+              </a:spcBef>
+              <a:spcAft>
+                <a:spcPts val="0"/>
+              </a:spcAft>
+              <a:buFontTx/>
+              <a:buNone/>
+            </a:pPr>
+            <a:fld id="{B9320F77-B9A0-41C5-862A-B4B631284C64}" type="datetime1">
+              <a:rPr lang="en-GB" altLang="en-US" sz="1200" cap="none" dirty="0" smtClean="0" b="0" strike="noStrike">
+                <a:solidFill>
+                  <a:srgbClr val="898989"/>
+                </a:solidFill>
+                <a:latin typeface="맑은 고딕" charset="0"/>
+                <a:ea typeface="맑은 고딕" charset="0"/>
+              </a:rPr>
+              <a:t>9/13/2018</a:t>
+            </a:fld>
+          </a:p>
+        </p:txBody>
+      </p:sp>
+      <p:sp>
+        <p:nvSpPr>
+          <p:cNvPr id="5" name="바닥글 개체 틀 4"/>
+          <p:cNvSpPr txBox="1">
+            <a:spLocks/>
+          </p:cNvSpPr>
+          <p:nvPr>
+            <p:ph type="ftr"/>
+          </p:nvPr>
+        </p:nvSpPr>
+        <p:spPr>
+          <a:xfrm rot="0">
+            <a:off x="4038600" y="6356350"/>
+            <a:ext cx="4116070" cy="366395"/>
+          </a:xfrm>
+          <a:prstGeom prst="rect"/>
+        </p:spPr>
+        <p:txBody>
+          <a:bodyPr wrap="square" lIns="91440" tIns="45720" rIns="91440" bIns="45720" vert="horz" anchor="ctr">
+            <a:noAutofit/>
+          </a:bodyPr>
+          <a:lstStyle/>
+          <a:p>
+            <a:pPr marL="0" indent="0" algn="ctr" fontAlgn="auto" defTabSz="508000" eaLnBrk="0">
+              <a:lnSpc>
+                <a:spcPct val="100000"/>
+              </a:lnSpc>
+              <a:spcBef>
+                <a:spcPts val="0"/>
+              </a:spcBef>
+              <a:spcAft>
+                <a:spcPts val="0"/>
+              </a:spcAft>
+              <a:buFontTx/>
+              <a:buNone/>
+            </a:pPr>
+          </a:p>
+        </p:txBody>
+      </p:sp>
+      <p:sp>
+        <p:nvSpPr>
+          <p:cNvPr id="6" name="슬라이드 번호 개체 틀 5"/>
+          <p:cNvSpPr txBox="1">
+            <a:spLocks/>
+          </p:cNvSpPr>
+          <p:nvPr>
+            <p:ph type="sldNum"/>
+          </p:nvPr>
+        </p:nvSpPr>
+        <p:spPr>
+          <a:xfrm rot="0">
+            <a:off x="8610600" y="6356350"/>
+            <a:ext cx="2744470" cy="366395"/>
+          </a:xfrm>
+          <a:prstGeom prst="rect"/>
+        </p:spPr>
+        <p:txBody>
+          <a:bodyPr wrap="square" lIns="91440" tIns="45720" rIns="91440" bIns="45720" vert="horz" anchor="ctr">
+            <a:noAutofit/>
+          </a:bodyPr>
+          <a:lstStyle/>
+          <a:p>
+            <a:pPr marL="0" indent="0" algn="r" fontAlgn="auto" defTabSz="508000" eaLnBrk="0">
+              <a:lnSpc>
+                <a:spcPct val="100000"/>
+              </a:lnSpc>
+              <a:spcBef>
+                <a:spcPts val="0"/>
+              </a:spcBef>
+              <a:spcAft>
+                <a:spcPts val="0"/>
+              </a:spcAft>
+              <a:buFontTx/>
+              <a:buNone/>
+            </a:pPr>
+            <a:fld id="{B9320F77-B9A0-41C5-862A-B4B631284C64}" type="slidenum">
+              <a:rPr lang="en-US" altLang="ko-KR" sz="1200" cap="none" dirty="0" smtClean="0" b="0" strike="noStrike">
+                <a:solidFill>
+                  <a:srgbClr val="898989"/>
+                </a:solidFill>
+                <a:latin typeface="맑은 고딕" charset="0"/>
+                <a:ea typeface="맑은 고딕" charset="0"/>
+              </a:rPr>
+              <a:t>1</a:t>
+            </a:fld>
+          </a:p>
+        </p:txBody>
+      </p:sp>
+    </p:spTree>
+  </p:cSld>
+  <p:clrMapOvr>
+    <a:overrideClrMapping bg1="lt1" tx1="dk1" bg2="lt2" tx2="dk2" accent1="accent1" accent2="accent2" accent3="accent3" accent4="accent4" accent5="accent5" accent6="accent6" hlink="hlink" folHlink="folHlink"/>
+  </p:clrMapOvr>
+  <mc:AlternateContent xmlns:mc="http://schemas.openxmlformats.org/markup-compatibility/2006">
+    <mc:Choice xmlns:p14="http://schemas.microsoft.com/office/powerpoint/2010/main" Requires="p14">
+      <p:transition spd="slow" p14:dur="1000"/>
+    </mc:Choice>
+    <mc:Fallback>
+      <p:transition spd="slow"/>
+    </mc:Fallback>
+  </mc:AlternateContent>
+</p:sldLayout>
+</file>
+
+<file path=ppt/slideLayouts/slideLayout26.xml><?xml version="1.0" encoding="utf-8"?>
+<p:sldLayout xmlns:a="http://schemas.openxmlformats.org/drawingml/2006/main" xmlns:r="http://schemas.openxmlformats.org/officeDocument/2006/relationships" xmlns:p="http://schemas.openxmlformats.org/presentationml/2006/main" type="twoObj">
+  <p:cSld name="콘텐츠 2개">
+    <p:spTree>
+      <p:nvGrpSpPr>
+        <p:cNvPr id="1" name=""/>
+        <p:cNvGrpSpPr/>
+        <p:nvPr/>
+      </p:nvGrpSpPr>
+      <p:grpSpPr>
+        <a:xfrm>
+          <a:off x="0" y="0"/>
+          <a:ext cx="0" cy="0"/>
+          <a:chOff x="0" y="0"/>
+          <a:chExt cx="0" cy="0"/>
+        </a:xfrm>
+      </p:grpSpPr>
+      <p:sp>
+        <p:nvSpPr>
+          <p:cNvPr id="2" name="텍스트 개체 틀 1"/>
+          <p:cNvSpPr txBox="1">
+            <a:spLocks/>
+          </p:cNvSpPr>
+          <p:nvPr>
+            <p:ph type="title"/>
+          </p:nvPr>
+        </p:nvSpPr>
+        <p:spPr>
+          <a:xfrm rot="0">
+            <a:off x="838200" y="365125"/>
+            <a:ext cx="10516870" cy="1327150"/>
+          </a:xfrm>
+          <a:prstGeom prst="rect"/>
+        </p:spPr>
+        <p:txBody>
+          <a:bodyPr wrap="square" lIns="91440" tIns="45720" rIns="91440" bIns="45720" vert="horz" anchor="ctr">
+            <a:normAutofit fontScale="100000" lnSpcReduction="0"/>
+          </a:bodyPr>
+          <a:lstStyle/>
+          <a:p>
+            <a:pPr marL="0" indent="0" algn="l" fontAlgn="auto" defTabSz="914400" eaLnBrk="0">
+              <a:lnSpc>
+                <a:spcPct val="90000"/>
+              </a:lnSpc>
+              <a:spcBef>
+                <a:spcPts val="0"/>
+              </a:spcBef>
+              <a:spcAft>
+                <a:spcPts val="0"/>
+              </a:spcAft>
+              <a:buFontTx/>
+              <a:buNone/>
+            </a:pPr>
+            <a:r>
+              <a:rPr lang="en-US" altLang="ko-KR" sz="4400" cap="none" dirty="0" smtClean="0" b="0" strike="noStrike">
+                <a:latin typeface="맑은 고딕" charset="0"/>
+                <a:ea typeface="맑은 고딕" charset="0"/>
+              </a:rPr>
+              <a:t>제목을 입력하십시오</a:t>
+            </a:r>
+          </a:p>
+        </p:txBody>
+      </p:sp>
+      <p:sp>
+        <p:nvSpPr>
+          <p:cNvPr id="3" name="내용 개체 틀 2"/>
+          <p:cNvSpPr txBox="1">
+            <a:spLocks/>
+          </p:cNvSpPr>
+          <p:nvPr>
+            <p:ph type="obj"/>
+          </p:nvPr>
+        </p:nvSpPr>
+        <p:spPr>
+          <a:xfrm rot="0">
+            <a:off x="838200" y="1825625"/>
+            <a:ext cx="5182870" cy="4352925"/>
+          </a:xfrm>
+          <a:prstGeom prst="rect"/>
+        </p:spPr>
+        <p:txBody>
+          <a:bodyPr wrap="square" lIns="91440" tIns="45720" rIns="91440" bIns="45720" vert="horz" anchor="t">
+            <a:normAutofit fontScale="100000" lnSpcReduction="0"/>
+          </a:bodyPr>
+          <a:lstStyle/>
+          <a:p>
+            <a:pPr marL="228600" indent="-228600" algn="l" fontAlgn="auto" defTabSz="914400" eaLnBrk="0">
+              <a:lnSpc>
+                <a:spcPct val="90000"/>
+              </a:lnSpc>
+              <a:spcBef>
+                <a:spcPts val="1000"/>
+              </a:spcBef>
+              <a:spcAft>
+                <a:spcPts val="0"/>
+              </a:spcAft>
+              <a:buClr>
+                <a:srgbClr val="404040"/>
+              </a:buClr>
+              <a:buFont typeface="Arial"/>
+              <a:buChar char="•"/>
+            </a:pPr>
+            <a:r>
+              <a:rPr lang="en-US" altLang="ko-KR" sz="2800" cap="none" dirty="0" smtClean="0" b="0" strike="noStrike">
+                <a:solidFill>
+                  <a:schemeClr val="tx1">
+                    <a:lumMod val="75000"/>
+                    <a:lumOff val="25000"/>
+                  </a:schemeClr>
+                </a:solidFill>
+                <a:latin typeface="맑은 고딕" charset="0"/>
+                <a:ea typeface="맑은 고딕" charset="0"/>
+              </a:rPr>
+              <a:t>텍스트를 입력하십시오</a:t>
+            </a:r>
+          </a:p>
+          <a:p>
+            <a:pPr marL="685800" indent="-228600" algn="l" fontAlgn="auto" defTabSz="914400" eaLnBrk="0">
+              <a:lnSpc>
+                <a:spcPct val="90000"/>
+              </a:lnSpc>
+              <a:spcBef>
+                <a:spcPts val="500"/>
+              </a:spcBef>
+              <a:spcAft>
+                <a:spcPts val="0"/>
+              </a:spcAft>
+              <a:buClr>
+                <a:srgbClr val="404040"/>
+              </a:buClr>
+              <a:buFont typeface="Arial"/>
+              <a:buChar char="•"/>
+            </a:pPr>
+            <a:r>
+              <a:rPr lang="en-US" altLang="ko-KR" sz="2400" cap="none" dirty="0" smtClean="0" b="0" strike="noStrike">
+                <a:solidFill>
+                  <a:schemeClr val="tx1">
+                    <a:lumMod val="75000"/>
+                    <a:lumOff val="25000"/>
+                  </a:schemeClr>
+                </a:solidFill>
+                <a:latin typeface="맑은 고딕" charset="0"/>
+                <a:ea typeface="맑은 고딕" charset="0"/>
+              </a:rPr>
+              <a:t>둘째 수준</a:t>
+            </a:r>
+          </a:p>
+          <a:p>
+            <a:pPr marL="1143000" indent="-228600" algn="l" fontAlgn="auto" defTabSz="914400" eaLnBrk="0">
+              <a:lnSpc>
+                <a:spcPct val="90000"/>
+              </a:lnSpc>
+              <a:spcBef>
+                <a:spcPts val="500"/>
+              </a:spcBef>
+              <a:spcAft>
+                <a:spcPts val="0"/>
+              </a:spcAft>
+              <a:buClr>
+                <a:srgbClr val="404040"/>
+              </a:buClr>
+              <a:buFont typeface="Arial"/>
+              <a:buChar char="•"/>
+            </a:pPr>
+            <a:r>
+              <a:rPr lang="en-US" altLang="ko-KR" sz="2000" cap="none" dirty="0" smtClean="0" b="0" strike="noStrike">
+                <a:solidFill>
+                  <a:schemeClr val="tx1">
+                    <a:lumMod val="75000"/>
+                    <a:lumOff val="25000"/>
+                  </a:schemeClr>
+                </a:solidFill>
+                <a:latin typeface="맑은 고딕" charset="0"/>
+                <a:ea typeface="맑은 고딕" charset="0"/>
+              </a:rPr>
+              <a:t>셋째 수준</a:t>
+            </a:r>
+          </a:p>
+          <a:p>
+            <a:pPr marL="1600200" indent="-228600" algn="l" fontAlgn="auto" defTabSz="914400" eaLnBrk="0">
+              <a:lnSpc>
+                <a:spcPct val="90000"/>
+              </a:lnSpc>
+              <a:spcBef>
+                <a:spcPts val="500"/>
+              </a:spcBef>
+              <a:spcAft>
+                <a:spcPts val="0"/>
+              </a:spcAft>
+              <a:buClr>
+                <a:srgbClr val="404040"/>
+              </a:buClr>
+              <a:buFont typeface="Arial"/>
+              <a:buChar char="•"/>
+            </a:pPr>
+            <a:r>
+              <a:rPr lang="en-US" altLang="ko-KR" sz="1800" cap="none" dirty="0" smtClean="0" b="0" strike="noStrike">
+                <a:solidFill>
+                  <a:schemeClr val="tx1">
+                    <a:lumMod val="75000"/>
+                    <a:lumOff val="25000"/>
+                  </a:schemeClr>
+                </a:solidFill>
+                <a:latin typeface="맑은 고딕" charset="0"/>
+                <a:ea typeface="맑은 고딕" charset="0"/>
+              </a:rPr>
+              <a:t>넷째 수준</a:t>
+            </a:r>
+          </a:p>
+          <a:p>
+            <a:pPr marL="2057400" indent="-228600" algn="l" fontAlgn="auto" defTabSz="914400" eaLnBrk="0">
+              <a:lnSpc>
+                <a:spcPct val="90000"/>
+              </a:lnSpc>
+              <a:spcBef>
+                <a:spcPts val="500"/>
+              </a:spcBef>
+              <a:spcAft>
+                <a:spcPts val="0"/>
+              </a:spcAft>
+              <a:buClr>
+                <a:srgbClr val="404040"/>
+              </a:buClr>
+              <a:buFont typeface="Arial"/>
+              <a:buChar char="•"/>
+            </a:pPr>
+            <a:r>
+              <a:rPr lang="en-US" altLang="ko-KR" sz="1800" cap="none" dirty="0" smtClean="0" b="0" strike="noStrike">
+                <a:solidFill>
+                  <a:schemeClr val="tx1">
+                    <a:lumMod val="75000"/>
+                    <a:lumOff val="25000"/>
+                  </a:schemeClr>
+                </a:solidFill>
+                <a:latin typeface="맑은 고딕" charset="0"/>
+                <a:ea typeface="맑은 고딕" charset="0"/>
+              </a:rPr>
+              <a:t>다섯째 수준</a:t>
+            </a:r>
+          </a:p>
+        </p:txBody>
+      </p:sp>
+      <p:sp>
+        <p:nvSpPr>
+          <p:cNvPr id="4" name="내용 개체 틀 3"/>
+          <p:cNvSpPr txBox="1">
+            <a:spLocks/>
+          </p:cNvSpPr>
+          <p:nvPr>
+            <p:ph type="obj"/>
+          </p:nvPr>
+        </p:nvSpPr>
+        <p:spPr>
+          <a:xfrm rot="0">
+            <a:off x="6172200" y="1825625"/>
+            <a:ext cx="5182870" cy="4352925"/>
+          </a:xfrm>
+          <a:prstGeom prst="rect"/>
+        </p:spPr>
+        <p:txBody>
+          <a:bodyPr wrap="square" lIns="91440" tIns="45720" rIns="91440" bIns="45720" vert="horz" anchor="t">
+            <a:normAutofit fontScale="100000" lnSpcReduction="0"/>
+          </a:bodyPr>
+          <a:lstStyle/>
+          <a:p>
+            <a:pPr marL="228600" indent="-228600" algn="l" fontAlgn="auto" defTabSz="914400" eaLnBrk="0">
+              <a:lnSpc>
+                <a:spcPct val="90000"/>
+              </a:lnSpc>
+              <a:spcBef>
+                <a:spcPts val="1000"/>
+              </a:spcBef>
+              <a:spcAft>
+                <a:spcPts val="0"/>
+              </a:spcAft>
+              <a:buClr>
+                <a:srgbClr val="404040"/>
+              </a:buClr>
+              <a:buFont typeface="Arial"/>
+              <a:buChar char="•"/>
+            </a:pPr>
+            <a:r>
+              <a:rPr lang="en-US" altLang="ko-KR" sz="2800" cap="none" dirty="0" smtClean="0" b="0" strike="noStrike">
+                <a:solidFill>
+                  <a:schemeClr val="tx1">
+                    <a:lumMod val="75000"/>
+                    <a:lumOff val="25000"/>
+                  </a:schemeClr>
+                </a:solidFill>
+                <a:latin typeface="맑은 고딕" charset="0"/>
+                <a:ea typeface="맑은 고딕" charset="0"/>
+              </a:rPr>
+              <a:t>텍스트를 입력하십시오</a:t>
+            </a:r>
+          </a:p>
+          <a:p>
+            <a:pPr marL="685800" indent="-228600" algn="l" fontAlgn="auto" defTabSz="914400" eaLnBrk="0">
+              <a:lnSpc>
+                <a:spcPct val="90000"/>
+              </a:lnSpc>
+              <a:spcBef>
+                <a:spcPts val="500"/>
+              </a:spcBef>
+              <a:spcAft>
+                <a:spcPts val="0"/>
+              </a:spcAft>
+              <a:buClr>
+                <a:srgbClr val="404040"/>
+              </a:buClr>
+              <a:buFont typeface="Arial"/>
+              <a:buChar char="•"/>
+            </a:pPr>
+            <a:r>
+              <a:rPr lang="en-US" altLang="ko-KR" sz="2400" cap="none" dirty="0" smtClean="0" b="0" strike="noStrike">
+                <a:solidFill>
+                  <a:schemeClr val="tx1">
+                    <a:lumMod val="75000"/>
+                    <a:lumOff val="25000"/>
+                  </a:schemeClr>
+                </a:solidFill>
+                <a:latin typeface="맑은 고딕" charset="0"/>
+                <a:ea typeface="맑은 고딕" charset="0"/>
+              </a:rPr>
+              <a:t>둘째 수준</a:t>
+            </a:r>
+          </a:p>
+          <a:p>
+            <a:pPr marL="1143000" indent="-228600" algn="l" fontAlgn="auto" defTabSz="914400" eaLnBrk="0">
+              <a:lnSpc>
+                <a:spcPct val="90000"/>
+              </a:lnSpc>
+              <a:spcBef>
+                <a:spcPts val="500"/>
+              </a:spcBef>
+              <a:spcAft>
+                <a:spcPts val="0"/>
+              </a:spcAft>
+              <a:buClr>
+                <a:srgbClr val="404040"/>
+              </a:buClr>
+              <a:buFont typeface="Arial"/>
+              <a:buChar char="•"/>
+            </a:pPr>
+            <a:r>
+              <a:rPr lang="en-US" altLang="ko-KR" sz="2000" cap="none" dirty="0" smtClean="0" b="0" strike="noStrike">
+                <a:solidFill>
+                  <a:schemeClr val="tx1">
+                    <a:lumMod val="75000"/>
+                    <a:lumOff val="25000"/>
+                  </a:schemeClr>
+                </a:solidFill>
+                <a:latin typeface="맑은 고딕" charset="0"/>
+                <a:ea typeface="맑은 고딕" charset="0"/>
+              </a:rPr>
+              <a:t>셋째 수준</a:t>
+            </a:r>
+          </a:p>
+          <a:p>
+            <a:pPr marL="1600200" indent="-228600" algn="l" fontAlgn="auto" defTabSz="914400" eaLnBrk="0">
+              <a:lnSpc>
+                <a:spcPct val="90000"/>
+              </a:lnSpc>
+              <a:spcBef>
+                <a:spcPts val="500"/>
+              </a:spcBef>
+              <a:spcAft>
+                <a:spcPts val="0"/>
+              </a:spcAft>
+              <a:buClr>
+                <a:srgbClr val="404040"/>
+              </a:buClr>
+              <a:buFont typeface="Arial"/>
+              <a:buChar char="•"/>
+            </a:pPr>
+            <a:r>
+              <a:rPr lang="en-US" altLang="ko-KR" sz="1800" cap="none" dirty="0" smtClean="0" b="0" strike="noStrike">
+                <a:solidFill>
+                  <a:schemeClr val="tx1">
+                    <a:lumMod val="75000"/>
+                    <a:lumOff val="25000"/>
+                  </a:schemeClr>
+                </a:solidFill>
+                <a:latin typeface="맑은 고딕" charset="0"/>
+                <a:ea typeface="맑은 고딕" charset="0"/>
+              </a:rPr>
+              <a:t>넷째 수준</a:t>
+            </a:r>
+          </a:p>
+          <a:p>
+            <a:pPr marL="2057400" indent="-228600" algn="l" fontAlgn="auto" defTabSz="914400" eaLnBrk="0">
+              <a:lnSpc>
+                <a:spcPct val="90000"/>
+              </a:lnSpc>
+              <a:spcBef>
+                <a:spcPts val="500"/>
+              </a:spcBef>
+              <a:spcAft>
+                <a:spcPts val="0"/>
+              </a:spcAft>
+              <a:buClr>
+                <a:srgbClr val="404040"/>
+              </a:buClr>
+              <a:buFont typeface="Arial"/>
+              <a:buChar char="•"/>
+            </a:pPr>
+            <a:r>
+              <a:rPr lang="en-US" altLang="ko-KR" sz="1800" cap="none" dirty="0" smtClean="0" b="0" strike="noStrike">
+                <a:solidFill>
+                  <a:schemeClr val="tx1">
+                    <a:lumMod val="75000"/>
+                    <a:lumOff val="25000"/>
+                  </a:schemeClr>
+                </a:solidFill>
+                <a:latin typeface="맑은 고딕" charset="0"/>
+                <a:ea typeface="맑은 고딕" charset="0"/>
+              </a:rPr>
+              <a:t>다섯째 수준</a:t>
+            </a:r>
+          </a:p>
+        </p:txBody>
+      </p:sp>
+      <p:sp>
+        <p:nvSpPr>
+          <p:cNvPr id="5" name="날짜 개체 틀 4"/>
+          <p:cNvSpPr txBox="1">
+            <a:spLocks/>
+          </p:cNvSpPr>
+          <p:nvPr>
+            <p:ph type="dt"/>
+          </p:nvPr>
+        </p:nvSpPr>
+        <p:spPr>
+          <a:xfrm rot="0">
+            <a:off x="838200" y="6356350"/>
+            <a:ext cx="2744470" cy="366395"/>
+          </a:xfrm>
+          <a:prstGeom prst="rect"/>
+        </p:spPr>
+        <p:txBody>
+          <a:bodyPr wrap="square" lIns="91440" tIns="45720" rIns="91440" bIns="45720" vert="horz" anchor="ctr">
+            <a:noAutofit/>
+          </a:bodyPr>
+          <a:lstStyle/>
+          <a:p>
+            <a:pPr marL="0" indent="0" algn="l" fontAlgn="auto" defTabSz="508000" eaLnBrk="0">
+              <a:lnSpc>
+                <a:spcPct val="100000"/>
+              </a:lnSpc>
+              <a:spcBef>
+                <a:spcPts val="0"/>
+              </a:spcBef>
+              <a:spcAft>
+                <a:spcPts val="0"/>
+              </a:spcAft>
+              <a:buFontTx/>
+              <a:buNone/>
+            </a:pPr>
+            <a:fld id="{B9320F77-B9A0-41C5-862A-B4B631284C64}" type="datetime1">
+              <a:rPr lang="en-GB" altLang="en-US" sz="1200" cap="none" dirty="0" smtClean="0" b="0" strike="noStrike">
+                <a:solidFill>
+                  <a:srgbClr val="898989"/>
+                </a:solidFill>
+                <a:latin typeface="맑은 고딕" charset="0"/>
+                <a:ea typeface="맑은 고딕" charset="0"/>
+              </a:rPr>
+              <a:t>9/13/2018</a:t>
+            </a:fld>
+          </a:p>
+        </p:txBody>
+      </p:sp>
+      <p:sp>
+        <p:nvSpPr>
+          <p:cNvPr id="6" name="바닥글 개체 틀 5"/>
+          <p:cNvSpPr txBox="1">
+            <a:spLocks/>
+          </p:cNvSpPr>
+          <p:nvPr>
+            <p:ph type="ftr"/>
+          </p:nvPr>
+        </p:nvSpPr>
+        <p:spPr>
+          <a:xfrm rot="0">
+            <a:off x="4038600" y="6356350"/>
+            <a:ext cx="4116070" cy="366395"/>
+          </a:xfrm>
+          <a:prstGeom prst="rect"/>
+        </p:spPr>
+        <p:txBody>
+          <a:bodyPr wrap="square" lIns="91440" tIns="45720" rIns="91440" bIns="45720" vert="horz" anchor="ctr">
+            <a:noAutofit/>
+          </a:bodyPr>
+          <a:lstStyle/>
+          <a:p>
+            <a:pPr marL="0" indent="0" algn="ctr" fontAlgn="auto" defTabSz="508000" eaLnBrk="0">
+              <a:lnSpc>
+                <a:spcPct val="100000"/>
+              </a:lnSpc>
+              <a:spcBef>
+                <a:spcPts val="0"/>
+              </a:spcBef>
+              <a:spcAft>
+                <a:spcPts val="0"/>
+              </a:spcAft>
+              <a:buFontTx/>
+              <a:buNone/>
+            </a:pPr>
+          </a:p>
+        </p:txBody>
+      </p:sp>
+      <p:sp>
+        <p:nvSpPr>
+          <p:cNvPr id="7" name="슬라이드 번호 개체 틀 6"/>
+          <p:cNvSpPr txBox="1">
+            <a:spLocks/>
+          </p:cNvSpPr>
+          <p:nvPr>
+            <p:ph type="sldNum"/>
+          </p:nvPr>
+        </p:nvSpPr>
+        <p:spPr>
+          <a:xfrm rot="0">
+            <a:off x="8610600" y="6356350"/>
+            <a:ext cx="2744470" cy="366395"/>
+          </a:xfrm>
+          <a:prstGeom prst="rect"/>
+        </p:spPr>
+        <p:txBody>
+          <a:bodyPr wrap="square" lIns="91440" tIns="45720" rIns="91440" bIns="45720" vert="horz" anchor="ctr">
+            <a:noAutofit/>
+          </a:bodyPr>
+          <a:lstStyle/>
+          <a:p>
+            <a:pPr marL="0" indent="0" algn="r" fontAlgn="auto" defTabSz="508000" eaLnBrk="0">
+              <a:lnSpc>
+                <a:spcPct val="100000"/>
+              </a:lnSpc>
+              <a:spcBef>
+                <a:spcPts val="0"/>
+              </a:spcBef>
+              <a:spcAft>
+                <a:spcPts val="0"/>
+              </a:spcAft>
+              <a:buFontTx/>
+              <a:buNone/>
+            </a:pPr>
+            <a:fld id="{B9320F77-B9A0-41C5-862A-B4B631284C64}" type="slidenum">
+              <a:rPr lang="en-US" altLang="ko-KR" sz="1200" cap="none" dirty="0" smtClean="0" b="0" strike="noStrike">
+                <a:solidFill>
+                  <a:srgbClr val="898989"/>
+                </a:solidFill>
+                <a:latin typeface="맑은 고딕" charset="0"/>
+                <a:ea typeface="맑은 고딕" charset="0"/>
+              </a:rPr>
+              <a:t>1</a:t>
+            </a:fld>
+          </a:p>
+        </p:txBody>
+      </p:sp>
+    </p:spTree>
+  </p:cSld>
+  <p:clrMapOvr>
+    <a:overrideClrMapping bg1="lt1" tx1="dk1" bg2="lt2" tx2="dk2" accent1="accent1" accent2="accent2" accent3="accent3" accent4="accent4" accent5="accent5" accent6="accent6" hlink="hlink" folHlink="folHlink"/>
+  </p:clrMapOvr>
+  <mc:AlternateContent xmlns:mc="http://schemas.openxmlformats.org/markup-compatibility/2006">
+    <mc:Choice xmlns:p14="http://schemas.microsoft.com/office/powerpoint/2010/main" Requires="p14">
+      <p:transition spd="slow" p14:dur="1000"/>
+    </mc:Choice>
+    <mc:Fallback>
+      <p:transition spd="slow"/>
+    </mc:Fallback>
+  </mc:AlternateContent>
+</p:sldLayout>
+</file>
+
+<file path=ppt/slideLayouts/slideLayout27.xml><?xml version="1.0" encoding="utf-8"?>
+<p:sldLayout xmlns:a="http://schemas.openxmlformats.org/drawingml/2006/main" xmlns:r="http://schemas.openxmlformats.org/officeDocument/2006/relationships" xmlns:p="http://schemas.openxmlformats.org/presentationml/2006/main" type="twoTxTwoObj">
+  <p:cSld name="비교">
+    <p:spTree>
+      <p:nvGrpSpPr>
+        <p:cNvPr id="1" name=""/>
+        <p:cNvGrpSpPr/>
+        <p:nvPr/>
+      </p:nvGrpSpPr>
+      <p:grpSpPr>
+        <a:xfrm>
+          <a:off x="0" y="0"/>
+          <a:ext cx="0" cy="0"/>
+          <a:chOff x="0" y="0"/>
+          <a:chExt cx="0" cy="0"/>
+        </a:xfrm>
+      </p:grpSpPr>
+      <p:sp>
+        <p:nvSpPr>
+          <p:cNvPr id="2" name="텍스트 개체 틀 1"/>
+          <p:cNvSpPr txBox="1">
+            <a:spLocks/>
+          </p:cNvSpPr>
+          <p:nvPr>
+            <p:ph type="title"/>
+          </p:nvPr>
+        </p:nvSpPr>
+        <p:spPr>
+          <a:xfrm rot="0">
+            <a:off x="840105" y="365125"/>
+            <a:ext cx="10516870" cy="1327150"/>
+          </a:xfrm>
+          <a:prstGeom prst="rect"/>
+        </p:spPr>
+        <p:txBody>
+          <a:bodyPr wrap="square" lIns="91440" tIns="45720" rIns="91440" bIns="45720" vert="horz" anchor="ctr">
+            <a:normAutofit fontScale="100000" lnSpcReduction="0"/>
+          </a:bodyPr>
+          <a:lstStyle/>
+          <a:p>
+            <a:pPr marL="0" indent="0" algn="l" fontAlgn="auto" defTabSz="914400" eaLnBrk="0">
+              <a:lnSpc>
+                <a:spcPct val="90000"/>
+              </a:lnSpc>
+              <a:spcBef>
+                <a:spcPts val="0"/>
+              </a:spcBef>
+              <a:spcAft>
+                <a:spcPts val="0"/>
+              </a:spcAft>
+              <a:buFontTx/>
+              <a:buNone/>
+            </a:pPr>
+            <a:r>
+              <a:rPr lang="en-US" altLang="ko-KR" sz="4400" cap="none" dirty="0" smtClean="0" b="0" strike="noStrike">
+                <a:latin typeface="맑은 고딕" charset="0"/>
+                <a:ea typeface="맑은 고딕" charset="0"/>
+              </a:rPr>
+              <a:t>제목을 입력하십시오</a:t>
+            </a:r>
+          </a:p>
+        </p:txBody>
+      </p:sp>
+      <p:sp>
+        <p:nvSpPr>
+          <p:cNvPr id="3" name="텍스트 개체 틀 2"/>
+          <p:cNvSpPr txBox="1">
+            <a:spLocks/>
+          </p:cNvSpPr>
+          <p:nvPr>
+            <p:ph type="body"/>
+          </p:nvPr>
+        </p:nvSpPr>
+        <p:spPr>
+          <a:xfrm rot="0">
+            <a:off x="840105" y="1681480"/>
+            <a:ext cx="5158740" cy="824865"/>
+          </a:xfrm>
+          <a:prstGeom prst="rect"/>
+        </p:spPr>
+        <p:txBody>
+          <a:bodyPr wrap="square" lIns="91440" tIns="45720" rIns="91440" bIns="45720" vert="horz" anchor="b">
+            <a:normAutofit fontScale="100000" lnSpcReduction="0"/>
+          </a:bodyPr>
+          <a:lstStyle/>
+          <a:p>
+            <a:pPr marL="0" indent="0" algn="l" fontAlgn="auto" defTabSz="914400" eaLnBrk="0">
+              <a:lnSpc>
+                <a:spcPct val="90000"/>
+              </a:lnSpc>
+              <a:spcBef>
+                <a:spcPts val="1000"/>
+              </a:spcBef>
+              <a:spcAft>
+                <a:spcPts val="0"/>
+              </a:spcAft>
+              <a:buFontTx/>
+              <a:buNone/>
+            </a:pPr>
+            <a:r>
+              <a:rPr lang="en-US" altLang="ko-KR" sz="2400" cap="none" dirty="0" smtClean="0" b="1" strike="noStrike">
+                <a:solidFill>
+                  <a:srgbClr val="57768B"/>
+                </a:solidFill>
+                <a:latin typeface="맑은 고딕" charset="0"/>
+                <a:ea typeface="맑은 고딕" charset="0"/>
+              </a:rPr>
+              <a:t>텍스트를 입력하십시오</a:t>
+            </a:r>
+          </a:p>
+        </p:txBody>
+      </p:sp>
+      <p:sp>
+        <p:nvSpPr>
+          <p:cNvPr id="4" name="내용 개체 틀 3"/>
+          <p:cNvSpPr txBox="1">
+            <a:spLocks/>
+          </p:cNvSpPr>
+          <p:nvPr>
+            <p:ph type="obj"/>
+          </p:nvPr>
+        </p:nvSpPr>
+        <p:spPr>
+          <a:xfrm rot="0">
+            <a:off x="840105" y="2505075"/>
+            <a:ext cx="5158740" cy="3686175"/>
+          </a:xfrm>
+          <a:prstGeom prst="rect"/>
+        </p:spPr>
+        <p:txBody>
+          <a:bodyPr wrap="square" lIns="91440" tIns="45720" rIns="91440" bIns="45720" vert="horz" anchor="t">
+            <a:normAutofit fontScale="100000" lnSpcReduction="0"/>
+          </a:bodyPr>
+          <a:lstStyle/>
+          <a:p>
+            <a:pPr marL="228600" indent="-228600" algn="l" fontAlgn="auto" defTabSz="914400" eaLnBrk="0">
+              <a:lnSpc>
+                <a:spcPct val="90000"/>
+              </a:lnSpc>
+              <a:spcBef>
+                <a:spcPts val="1000"/>
+              </a:spcBef>
+              <a:spcAft>
+                <a:spcPts val="0"/>
+              </a:spcAft>
+              <a:buClr>
+                <a:srgbClr val="404040"/>
+              </a:buClr>
+              <a:buFont typeface="Arial"/>
+              <a:buChar char="•"/>
+            </a:pPr>
+            <a:r>
+              <a:rPr lang="en-US" altLang="ko-KR" sz="2800" cap="none" dirty="0" smtClean="0" b="0" strike="noStrike">
+                <a:latin typeface="맑은 고딕" charset="0"/>
+                <a:ea typeface="맑은 고딕" charset="0"/>
+              </a:rPr>
+              <a:t>텍스트를 입력하십시오</a:t>
+            </a:r>
+          </a:p>
+          <a:p>
+            <a:pPr marL="685800" indent="-228600" algn="l" fontAlgn="auto" defTabSz="914400" eaLnBrk="0">
+              <a:lnSpc>
+                <a:spcPct val="90000"/>
+              </a:lnSpc>
+              <a:spcBef>
+                <a:spcPts val="500"/>
+              </a:spcBef>
+              <a:spcAft>
+                <a:spcPts val="0"/>
+              </a:spcAft>
+              <a:buClr>
+                <a:srgbClr val="404040"/>
+              </a:buClr>
+              <a:buFont typeface="Arial"/>
+              <a:buChar char="•"/>
+            </a:pPr>
+            <a:r>
+              <a:rPr lang="en-US" altLang="ko-KR" sz="2400" cap="none" dirty="0" smtClean="0" b="0" strike="noStrike">
+                <a:latin typeface="맑은 고딕" charset="0"/>
+                <a:ea typeface="맑은 고딕" charset="0"/>
+              </a:rPr>
+              <a:t>둘째 수준</a:t>
+            </a:r>
+          </a:p>
+          <a:p>
+            <a:pPr marL="1143000" indent="-228600" algn="l" fontAlgn="auto" defTabSz="914400" eaLnBrk="0">
+              <a:lnSpc>
+                <a:spcPct val="90000"/>
+              </a:lnSpc>
+              <a:spcBef>
+                <a:spcPts val="500"/>
+              </a:spcBef>
+              <a:spcAft>
+                <a:spcPts val="0"/>
+              </a:spcAft>
+              <a:buClr>
+                <a:srgbClr val="404040"/>
+              </a:buClr>
+              <a:buFont typeface="Arial"/>
+              <a:buChar char="•"/>
+            </a:pPr>
+            <a:r>
+              <a:rPr lang="en-US" altLang="ko-KR" sz="2000" cap="none" dirty="0" smtClean="0" b="0" strike="noStrike">
+                <a:latin typeface="맑은 고딕" charset="0"/>
+                <a:ea typeface="맑은 고딕" charset="0"/>
+              </a:rPr>
+              <a:t>셋째 수준</a:t>
+            </a:r>
+          </a:p>
+          <a:p>
+            <a:pPr marL="1600200" indent="-228600" algn="l" fontAlgn="auto" defTabSz="914400" eaLnBrk="0">
+              <a:lnSpc>
+                <a:spcPct val="90000"/>
+              </a:lnSpc>
+              <a:spcBef>
+                <a:spcPts val="500"/>
+              </a:spcBef>
+              <a:spcAft>
+                <a:spcPts val="0"/>
+              </a:spcAft>
+              <a:buClr>
+                <a:srgbClr val="404040"/>
+              </a:buClr>
+              <a:buFont typeface="Arial"/>
+              <a:buChar char="•"/>
+            </a:pPr>
+            <a:r>
+              <a:rPr lang="en-US" altLang="ko-KR" sz="1800" cap="none" dirty="0" smtClean="0" b="0" strike="noStrike">
+                <a:latin typeface="맑은 고딕" charset="0"/>
+                <a:ea typeface="맑은 고딕" charset="0"/>
+              </a:rPr>
+              <a:t>넷째 수준</a:t>
+            </a:r>
+          </a:p>
+          <a:p>
+            <a:pPr marL="2057400" indent="-228600" algn="l" fontAlgn="auto" defTabSz="914400" eaLnBrk="0">
+              <a:lnSpc>
+                <a:spcPct val="90000"/>
+              </a:lnSpc>
+              <a:spcBef>
+                <a:spcPts val="500"/>
+              </a:spcBef>
+              <a:spcAft>
+                <a:spcPts val="0"/>
+              </a:spcAft>
+              <a:buClr>
+                <a:srgbClr val="404040"/>
+              </a:buClr>
+              <a:buFont typeface="Arial"/>
+              <a:buChar char="•"/>
+            </a:pPr>
+            <a:r>
+              <a:rPr lang="en-US" altLang="ko-KR" sz="1800" cap="none" dirty="0" smtClean="0" b="0" strike="noStrike">
+                <a:latin typeface="맑은 고딕" charset="0"/>
+                <a:ea typeface="맑은 고딕" charset="0"/>
+              </a:rPr>
+              <a:t>다섯째 수준</a:t>
+            </a:r>
+          </a:p>
+        </p:txBody>
+      </p:sp>
+      <p:sp>
+        <p:nvSpPr>
+          <p:cNvPr id="5" name="텍스트 개체 틀 4"/>
+          <p:cNvSpPr txBox="1">
+            <a:spLocks/>
+          </p:cNvSpPr>
+          <p:nvPr>
+            <p:ph type="body"/>
+          </p:nvPr>
+        </p:nvSpPr>
+        <p:spPr>
+          <a:xfrm rot="0">
+            <a:off x="6172200" y="1681480"/>
+            <a:ext cx="5184775" cy="824865"/>
+          </a:xfrm>
+          <a:prstGeom prst="rect"/>
+        </p:spPr>
+        <p:txBody>
+          <a:bodyPr wrap="square" lIns="91440" tIns="45720" rIns="91440" bIns="45720" vert="horz" anchor="b">
+            <a:normAutofit fontScale="100000" lnSpcReduction="0"/>
+          </a:bodyPr>
+          <a:lstStyle/>
+          <a:p>
+            <a:pPr marL="0" indent="0" algn="l" fontAlgn="auto" defTabSz="914400" eaLnBrk="0">
+              <a:lnSpc>
+                <a:spcPct val="90000"/>
+              </a:lnSpc>
+              <a:spcBef>
+                <a:spcPts val="1000"/>
+              </a:spcBef>
+              <a:spcAft>
+                <a:spcPts val="0"/>
+              </a:spcAft>
+              <a:buFontTx/>
+              <a:buNone/>
+            </a:pPr>
+            <a:r>
+              <a:rPr lang="en-US" altLang="ko-KR" sz="2400" cap="none" dirty="0" smtClean="0" b="1" strike="noStrike">
+                <a:solidFill>
+                  <a:srgbClr val="57768B"/>
+                </a:solidFill>
+                <a:latin typeface="맑은 고딕" charset="0"/>
+                <a:ea typeface="맑은 고딕" charset="0"/>
+              </a:rPr>
+              <a:t>텍스트를 입력하십시오</a:t>
+            </a:r>
+          </a:p>
+        </p:txBody>
+      </p:sp>
+      <p:sp>
+        <p:nvSpPr>
+          <p:cNvPr id="6" name="내용 개체 틀 5"/>
+          <p:cNvSpPr txBox="1">
+            <a:spLocks/>
+          </p:cNvSpPr>
+          <p:nvPr>
+            <p:ph type="obj"/>
+          </p:nvPr>
+        </p:nvSpPr>
+        <p:spPr>
+          <a:xfrm rot="0">
+            <a:off x="6172200" y="2505075"/>
+            <a:ext cx="5184775" cy="3686175"/>
+          </a:xfrm>
+          <a:prstGeom prst="rect"/>
+        </p:spPr>
+        <p:txBody>
+          <a:bodyPr wrap="square" lIns="91440" tIns="45720" rIns="91440" bIns="45720" vert="horz" anchor="t">
+            <a:normAutofit fontScale="100000" lnSpcReduction="0"/>
+          </a:bodyPr>
+          <a:lstStyle/>
+          <a:p>
+            <a:pPr marL="228600" indent="-228600" algn="l" fontAlgn="auto" defTabSz="914400" eaLnBrk="0">
+              <a:lnSpc>
+                <a:spcPct val="90000"/>
+              </a:lnSpc>
+              <a:spcBef>
+                <a:spcPts val="1000"/>
+              </a:spcBef>
+              <a:spcAft>
+                <a:spcPts val="0"/>
+              </a:spcAft>
+              <a:buClr>
+                <a:srgbClr val="404040"/>
+              </a:buClr>
+              <a:buFont typeface="Arial"/>
+              <a:buChar char="•"/>
+            </a:pPr>
+            <a:r>
+              <a:rPr lang="en-US" altLang="ko-KR" sz="2800" cap="none" dirty="0" smtClean="0" b="0" strike="noStrike">
+                <a:latin typeface="맑은 고딕" charset="0"/>
+                <a:ea typeface="맑은 고딕" charset="0"/>
+              </a:rPr>
+              <a:t>텍스트를 입력하십시오</a:t>
+            </a:r>
+          </a:p>
+          <a:p>
+            <a:pPr marL="685800" indent="-228600" algn="l" fontAlgn="auto" defTabSz="914400" eaLnBrk="0">
+              <a:lnSpc>
+                <a:spcPct val="90000"/>
+              </a:lnSpc>
+              <a:spcBef>
+                <a:spcPts val="500"/>
+              </a:spcBef>
+              <a:spcAft>
+                <a:spcPts val="0"/>
+              </a:spcAft>
+              <a:buClr>
+                <a:srgbClr val="404040"/>
+              </a:buClr>
+              <a:buFont typeface="Arial"/>
+              <a:buChar char="•"/>
+            </a:pPr>
+            <a:r>
+              <a:rPr lang="en-US" altLang="ko-KR" sz="2400" cap="none" dirty="0" smtClean="0" b="0" strike="noStrike">
+                <a:latin typeface="맑은 고딕" charset="0"/>
+                <a:ea typeface="맑은 고딕" charset="0"/>
+              </a:rPr>
+              <a:t>둘째 수준</a:t>
+            </a:r>
+          </a:p>
+          <a:p>
+            <a:pPr marL="1143000" indent="-228600" algn="l" fontAlgn="auto" defTabSz="914400" eaLnBrk="0">
+              <a:lnSpc>
+                <a:spcPct val="90000"/>
+              </a:lnSpc>
+              <a:spcBef>
+                <a:spcPts val="500"/>
+              </a:spcBef>
+              <a:spcAft>
+                <a:spcPts val="0"/>
+              </a:spcAft>
+              <a:buClr>
+                <a:srgbClr val="404040"/>
+              </a:buClr>
+              <a:buFont typeface="Arial"/>
+              <a:buChar char="•"/>
+            </a:pPr>
+            <a:r>
+              <a:rPr lang="en-US" altLang="ko-KR" sz="2000" cap="none" dirty="0" smtClean="0" b="0" strike="noStrike">
+                <a:latin typeface="맑은 고딕" charset="0"/>
+                <a:ea typeface="맑은 고딕" charset="0"/>
+              </a:rPr>
+              <a:t>셋째 수준</a:t>
+            </a:r>
+          </a:p>
+          <a:p>
+            <a:pPr marL="1600200" indent="-228600" algn="l" fontAlgn="auto" defTabSz="914400" eaLnBrk="0">
+              <a:lnSpc>
+                <a:spcPct val="90000"/>
+              </a:lnSpc>
+              <a:spcBef>
+                <a:spcPts val="500"/>
+              </a:spcBef>
+              <a:spcAft>
+                <a:spcPts val="0"/>
+              </a:spcAft>
+              <a:buClr>
+                <a:srgbClr val="404040"/>
+              </a:buClr>
+              <a:buFont typeface="Arial"/>
+              <a:buChar char="•"/>
+            </a:pPr>
+            <a:r>
+              <a:rPr lang="en-US" altLang="ko-KR" sz="1800" cap="none" dirty="0" smtClean="0" b="0" strike="noStrike">
+                <a:latin typeface="맑은 고딕" charset="0"/>
+                <a:ea typeface="맑은 고딕" charset="0"/>
+              </a:rPr>
+              <a:t>넷째 수준</a:t>
+            </a:r>
+          </a:p>
+          <a:p>
+            <a:pPr marL="2057400" indent="-228600" algn="l" fontAlgn="auto" defTabSz="914400" eaLnBrk="0">
+              <a:lnSpc>
+                <a:spcPct val="90000"/>
+              </a:lnSpc>
+              <a:spcBef>
+                <a:spcPts val="500"/>
+              </a:spcBef>
+              <a:spcAft>
+                <a:spcPts val="0"/>
+              </a:spcAft>
+              <a:buClr>
+                <a:srgbClr val="404040"/>
+              </a:buClr>
+              <a:buFont typeface="Arial"/>
+              <a:buChar char="•"/>
+            </a:pPr>
+            <a:r>
+              <a:rPr lang="en-US" altLang="ko-KR" sz="1800" cap="none" dirty="0" smtClean="0" b="0" strike="noStrike">
+                <a:latin typeface="맑은 고딕" charset="0"/>
+                <a:ea typeface="맑은 고딕" charset="0"/>
+              </a:rPr>
+              <a:t>다섯째 수준</a:t>
+            </a:r>
+          </a:p>
+        </p:txBody>
+      </p:sp>
+      <p:sp>
+        <p:nvSpPr>
+          <p:cNvPr id="7" name="날짜 개체 틀 6"/>
+          <p:cNvSpPr txBox="1">
+            <a:spLocks/>
+          </p:cNvSpPr>
+          <p:nvPr>
+            <p:ph type="dt"/>
+          </p:nvPr>
+        </p:nvSpPr>
+        <p:spPr>
+          <a:xfrm rot="0">
+            <a:off x="838200" y="6356350"/>
+            <a:ext cx="2744470" cy="366395"/>
+          </a:xfrm>
+          <a:prstGeom prst="rect"/>
+        </p:spPr>
+        <p:txBody>
+          <a:bodyPr wrap="square" lIns="91440" tIns="45720" rIns="91440" bIns="45720" vert="horz" anchor="ctr">
+            <a:noAutofit/>
+          </a:bodyPr>
+          <a:lstStyle/>
+          <a:p>
+            <a:pPr marL="0" indent="0" algn="l" fontAlgn="auto" defTabSz="508000" eaLnBrk="0">
+              <a:lnSpc>
+                <a:spcPct val="100000"/>
+              </a:lnSpc>
+              <a:spcBef>
+                <a:spcPts val="0"/>
+              </a:spcBef>
+              <a:spcAft>
+                <a:spcPts val="0"/>
+              </a:spcAft>
+              <a:buFontTx/>
+              <a:buNone/>
+            </a:pPr>
+            <a:fld id="{B9320F77-B9A0-41C5-862A-B4B631284C64}" type="datetime1">
+              <a:rPr lang="en-GB" altLang="en-US" sz="1200" cap="none" dirty="0" smtClean="0" b="0" strike="noStrike">
+                <a:solidFill>
+                  <a:srgbClr val="898989"/>
+                </a:solidFill>
+                <a:latin typeface="맑은 고딕" charset="0"/>
+                <a:ea typeface="맑은 고딕" charset="0"/>
+              </a:rPr>
+              <a:t>9/13/2018</a:t>
+            </a:fld>
+          </a:p>
+        </p:txBody>
+      </p:sp>
+      <p:sp>
+        <p:nvSpPr>
+          <p:cNvPr id="8" name="바닥글 개체 틀 7"/>
+          <p:cNvSpPr txBox="1">
+            <a:spLocks/>
+          </p:cNvSpPr>
+          <p:nvPr>
+            <p:ph type="ftr"/>
+          </p:nvPr>
+        </p:nvSpPr>
+        <p:spPr>
+          <a:xfrm rot="0">
+            <a:off x="4038600" y="6356350"/>
+            <a:ext cx="4116070" cy="366395"/>
+          </a:xfrm>
+          <a:prstGeom prst="rect"/>
+        </p:spPr>
+        <p:txBody>
+          <a:bodyPr wrap="square" lIns="91440" tIns="45720" rIns="91440" bIns="45720" vert="horz" anchor="ctr">
+            <a:noAutofit/>
+          </a:bodyPr>
+          <a:lstStyle/>
+          <a:p>
+            <a:pPr marL="0" indent="0" algn="ctr" fontAlgn="auto" defTabSz="508000" eaLnBrk="0">
+              <a:lnSpc>
+                <a:spcPct val="100000"/>
+              </a:lnSpc>
+              <a:spcBef>
+                <a:spcPts val="0"/>
+              </a:spcBef>
+              <a:spcAft>
+                <a:spcPts val="0"/>
+              </a:spcAft>
+              <a:buFontTx/>
+              <a:buNone/>
+            </a:pPr>
+          </a:p>
+        </p:txBody>
+      </p:sp>
+      <p:sp>
+        <p:nvSpPr>
+          <p:cNvPr id="9" name="슬라이드 번호 개체 틀 8"/>
+          <p:cNvSpPr txBox="1">
+            <a:spLocks/>
+          </p:cNvSpPr>
+          <p:nvPr>
+            <p:ph type="sldNum"/>
+          </p:nvPr>
+        </p:nvSpPr>
+        <p:spPr>
+          <a:xfrm rot="0">
+            <a:off x="8610600" y="6356350"/>
+            <a:ext cx="2744470" cy="366395"/>
+          </a:xfrm>
+          <a:prstGeom prst="rect"/>
+        </p:spPr>
+        <p:txBody>
+          <a:bodyPr wrap="square" lIns="91440" tIns="45720" rIns="91440" bIns="45720" vert="horz" anchor="ctr">
+            <a:noAutofit/>
+          </a:bodyPr>
+          <a:lstStyle/>
+          <a:p>
+            <a:pPr marL="0" indent="0" algn="r" fontAlgn="auto" defTabSz="508000" eaLnBrk="0">
+              <a:lnSpc>
+                <a:spcPct val="100000"/>
+              </a:lnSpc>
+              <a:spcBef>
+                <a:spcPts val="0"/>
+              </a:spcBef>
+              <a:spcAft>
+                <a:spcPts val="0"/>
+              </a:spcAft>
+              <a:buFontTx/>
+              <a:buNone/>
+            </a:pPr>
+            <a:fld id="{B9320F77-B9A0-41C5-862A-B4B631284C64}" type="slidenum">
+              <a:rPr lang="en-US" altLang="ko-KR" sz="1200" cap="none" dirty="0" smtClean="0" b="0" strike="noStrike">
+                <a:solidFill>
+                  <a:srgbClr val="898989"/>
+                </a:solidFill>
+                <a:latin typeface="맑은 고딕" charset="0"/>
+                <a:ea typeface="맑은 고딕" charset="0"/>
+              </a:rPr>
+              <a:t>1</a:t>
+            </a:fld>
+          </a:p>
+        </p:txBody>
+      </p:sp>
+    </p:spTree>
+  </p:cSld>
+  <p:clrMapOvr>
+    <a:overrideClrMapping bg1="lt1" tx1="dk1" bg2="lt2" tx2="dk2" accent1="accent1" accent2="accent2" accent3="accent3" accent4="accent4" accent5="accent5" accent6="accent6" hlink="hlink" folHlink="folHlink"/>
+  </p:clrMapOvr>
+  <mc:AlternateContent xmlns:mc="http://schemas.openxmlformats.org/markup-compatibility/2006">
+    <mc:Choice xmlns:p14="http://schemas.microsoft.com/office/powerpoint/2010/main" Requires="p14">
+      <p:transition spd="slow" p14:dur="1000"/>
+    </mc:Choice>
+    <mc:Fallback>
+      <p:transition spd="slow"/>
+    </mc:Fallback>
+  </mc:AlternateContent>
+</p:sldLayout>
+</file>
+
+<file path=ppt/slideLayouts/slideLayout28.xml><?xml version="1.0" encoding="utf-8"?>
+<p:sldLayout xmlns:a="http://schemas.openxmlformats.org/drawingml/2006/main" xmlns:r="http://schemas.openxmlformats.org/officeDocument/2006/relationships" xmlns:p="http://schemas.openxmlformats.org/presentationml/2006/main" type="titleOnly">
+  <p:cSld name="제목만">
+    <p:spTree>
+      <p:nvGrpSpPr>
+        <p:cNvPr id="1" name=""/>
+        <p:cNvGrpSpPr/>
+        <p:nvPr/>
+      </p:nvGrpSpPr>
+      <p:grpSpPr>
+        <a:xfrm>
+          <a:off x="0" y="0"/>
+          <a:ext cx="0" cy="0"/>
+          <a:chOff x="0" y="0"/>
+          <a:chExt cx="0" cy="0"/>
+        </a:xfrm>
+      </p:grpSpPr>
+      <p:sp>
+        <p:nvSpPr>
+          <p:cNvPr id="2" name="텍스트 개체 틀 1"/>
+          <p:cNvSpPr txBox="1">
+            <a:spLocks/>
+          </p:cNvSpPr>
+          <p:nvPr>
+            <p:ph type="title"/>
+          </p:nvPr>
+        </p:nvSpPr>
+        <p:spPr>
+          <a:xfrm rot="0">
+            <a:off x="838200" y="365125"/>
+            <a:ext cx="10516870" cy="1327150"/>
+          </a:xfrm>
+          <a:prstGeom prst="rect"/>
+        </p:spPr>
+        <p:txBody>
+          <a:bodyPr wrap="square" lIns="91440" tIns="45720" rIns="91440" bIns="45720" vert="horz" anchor="ctr">
+            <a:normAutofit fontScale="100000" lnSpcReduction="0"/>
+          </a:bodyPr>
+          <a:lstStyle/>
+          <a:p>
+            <a:pPr marL="0" indent="0" algn="l" fontAlgn="auto" defTabSz="914400" eaLnBrk="0">
+              <a:lnSpc>
+                <a:spcPct val="90000"/>
+              </a:lnSpc>
+              <a:spcBef>
+                <a:spcPts val="0"/>
+              </a:spcBef>
+              <a:spcAft>
+                <a:spcPts val="0"/>
+              </a:spcAft>
+              <a:buFontTx/>
+              <a:buNone/>
+            </a:pPr>
+            <a:r>
+              <a:rPr lang="en-US" altLang="ko-KR" sz="4400" cap="none" dirty="0" smtClean="0" b="0" strike="noStrike">
+                <a:latin typeface="맑은 고딕" charset="0"/>
+                <a:ea typeface="맑은 고딕" charset="0"/>
+              </a:rPr>
+              <a:t>제목을 입력하십시오</a:t>
+            </a:r>
+          </a:p>
+        </p:txBody>
+      </p:sp>
+      <p:sp>
+        <p:nvSpPr>
+          <p:cNvPr id="3" name="날짜 개체 틀 2"/>
+          <p:cNvSpPr txBox="1">
+            <a:spLocks/>
+          </p:cNvSpPr>
+          <p:nvPr>
+            <p:ph type="dt"/>
+          </p:nvPr>
+        </p:nvSpPr>
+        <p:spPr>
+          <a:xfrm rot="0">
+            <a:off x="838200" y="6356350"/>
+            <a:ext cx="2744470" cy="366395"/>
+          </a:xfrm>
+          <a:prstGeom prst="rect"/>
+        </p:spPr>
+        <p:txBody>
+          <a:bodyPr wrap="square" lIns="91440" tIns="45720" rIns="91440" bIns="45720" vert="horz" anchor="ctr">
+            <a:noAutofit/>
+          </a:bodyPr>
+          <a:lstStyle/>
+          <a:p>
+            <a:pPr marL="0" indent="0" algn="l" fontAlgn="auto" defTabSz="508000" eaLnBrk="0">
+              <a:lnSpc>
+                <a:spcPct val="100000"/>
+              </a:lnSpc>
+              <a:spcBef>
+                <a:spcPts val="0"/>
+              </a:spcBef>
+              <a:spcAft>
+                <a:spcPts val="0"/>
+              </a:spcAft>
+              <a:buFontTx/>
+              <a:buNone/>
+            </a:pPr>
+            <a:fld id="{B9320F77-B9A0-41C5-862A-B4B631284C64}" type="datetime1">
+              <a:rPr lang="en-GB" altLang="en-US" sz="1200" cap="none" dirty="0" smtClean="0" b="0" strike="noStrike">
+                <a:solidFill>
+                  <a:srgbClr val="898989"/>
+                </a:solidFill>
+                <a:latin typeface="맑은 고딕" charset="0"/>
+                <a:ea typeface="맑은 고딕" charset="0"/>
+              </a:rPr>
+              <a:t>9/13/2018</a:t>
+            </a:fld>
+          </a:p>
+        </p:txBody>
+      </p:sp>
+      <p:sp>
+        <p:nvSpPr>
+          <p:cNvPr id="4" name="바닥글 개체 틀 3"/>
+          <p:cNvSpPr txBox="1">
+            <a:spLocks/>
+          </p:cNvSpPr>
+          <p:nvPr>
+            <p:ph type="ftr"/>
+          </p:nvPr>
+        </p:nvSpPr>
+        <p:spPr>
+          <a:xfrm rot="0">
+            <a:off x="4038600" y="6356350"/>
+            <a:ext cx="4116070" cy="366395"/>
+          </a:xfrm>
+          <a:prstGeom prst="rect"/>
+        </p:spPr>
+        <p:txBody>
+          <a:bodyPr wrap="square" lIns="91440" tIns="45720" rIns="91440" bIns="45720" vert="horz" anchor="ctr">
+            <a:noAutofit/>
+          </a:bodyPr>
+          <a:lstStyle/>
+          <a:p>
+            <a:pPr marL="0" indent="0" algn="ctr" fontAlgn="auto" defTabSz="508000" eaLnBrk="0">
+              <a:lnSpc>
+                <a:spcPct val="100000"/>
+              </a:lnSpc>
+              <a:spcBef>
+                <a:spcPts val="0"/>
+              </a:spcBef>
+              <a:spcAft>
+                <a:spcPts val="0"/>
+              </a:spcAft>
+              <a:buFontTx/>
+              <a:buNone/>
+            </a:pPr>
+          </a:p>
+        </p:txBody>
+      </p:sp>
+      <p:sp>
+        <p:nvSpPr>
+          <p:cNvPr id="5" name="슬라이드 번호 개체 틀 4"/>
+          <p:cNvSpPr txBox="1">
+            <a:spLocks/>
+          </p:cNvSpPr>
+          <p:nvPr>
+            <p:ph type="sldNum"/>
+          </p:nvPr>
+        </p:nvSpPr>
+        <p:spPr>
+          <a:xfrm rot="0">
+            <a:off x="8610600" y="6356350"/>
+            <a:ext cx="2744470" cy="366395"/>
+          </a:xfrm>
+          <a:prstGeom prst="rect"/>
+        </p:spPr>
+        <p:txBody>
+          <a:bodyPr wrap="square" lIns="91440" tIns="45720" rIns="91440" bIns="45720" vert="horz" anchor="ctr">
+            <a:noAutofit/>
+          </a:bodyPr>
+          <a:lstStyle/>
+          <a:p>
+            <a:pPr marL="0" indent="0" algn="r" fontAlgn="auto" defTabSz="508000" eaLnBrk="0">
+              <a:lnSpc>
+                <a:spcPct val="100000"/>
+              </a:lnSpc>
+              <a:spcBef>
+                <a:spcPts val="0"/>
+              </a:spcBef>
+              <a:spcAft>
+                <a:spcPts val="0"/>
+              </a:spcAft>
+              <a:buFontTx/>
+              <a:buNone/>
+            </a:pPr>
+            <a:fld id="{B9320F77-B9A0-41C5-862A-B4B631284C64}" type="slidenum">
+              <a:rPr lang="en-US" altLang="ko-KR" sz="1200" cap="none" dirty="0" smtClean="0" b="0" strike="noStrike">
+                <a:solidFill>
+                  <a:srgbClr val="898989"/>
+                </a:solidFill>
+                <a:latin typeface="맑은 고딕" charset="0"/>
+                <a:ea typeface="맑은 고딕" charset="0"/>
+              </a:rPr>
+              <a:t>1</a:t>
+            </a:fld>
+          </a:p>
+        </p:txBody>
+      </p:sp>
+    </p:spTree>
+  </p:cSld>
+  <p:clrMapOvr>
+    <a:overrideClrMapping bg1="lt1" tx1="dk1" bg2="lt2" tx2="dk2" accent1="accent1" accent2="accent2" accent3="accent3" accent4="accent4" accent5="accent5" accent6="accent6" hlink="hlink" folHlink="folHlink"/>
+  </p:clrMapOvr>
+  <mc:AlternateContent xmlns:mc="http://schemas.openxmlformats.org/markup-compatibility/2006">
+    <mc:Choice xmlns:p14="http://schemas.microsoft.com/office/powerpoint/2010/main" Requires="p14">
+      <p:transition spd="slow" p14:dur="1000"/>
+    </mc:Choice>
+    <mc:Fallback>
+      <p:transition spd="slow"/>
+    </mc:Fallback>
+  </mc:AlternateContent>
+</p:sldLayout>
+</file>
+
+<file path=ppt/slideLayouts/slideLayout29.xml><?xml version="1.0" encoding="utf-8"?>
+<p:sldLayout xmlns:a="http://schemas.openxmlformats.org/drawingml/2006/main" xmlns:r="http://schemas.openxmlformats.org/officeDocument/2006/relationships" xmlns:p="http://schemas.openxmlformats.org/presentationml/2006/main" type="blank">
+  <p:cSld name="빈 화면">
+    <p:spTree>
+      <p:nvGrpSpPr>
+        <p:cNvPr id="1" name=""/>
+        <p:cNvGrpSpPr/>
+        <p:nvPr/>
+      </p:nvGrpSpPr>
+      <p:grpSpPr>
+        <a:xfrm>
+          <a:off x="0" y="0"/>
+          <a:ext cx="0" cy="0"/>
+          <a:chOff x="0" y="0"/>
+          <a:chExt cx="0" cy="0"/>
+        </a:xfrm>
+      </p:grpSpPr>
+      <p:sp>
+        <p:nvSpPr>
+          <p:cNvPr id="2" name="날짜 개체 틀 1"/>
+          <p:cNvSpPr txBox="1">
+            <a:spLocks/>
+          </p:cNvSpPr>
+          <p:nvPr>
+            <p:ph type="dt"/>
+          </p:nvPr>
+        </p:nvSpPr>
+        <p:spPr>
+          <a:xfrm rot="0">
+            <a:off x="838200" y="6356350"/>
+            <a:ext cx="2744470" cy="366395"/>
+          </a:xfrm>
+          <a:prstGeom prst="rect"/>
+        </p:spPr>
+        <p:txBody>
+          <a:bodyPr wrap="square" lIns="91440" tIns="45720" rIns="91440" bIns="45720" vert="horz" anchor="ctr">
+            <a:noAutofit/>
+          </a:bodyPr>
+          <a:lstStyle/>
+          <a:p>
+            <a:pPr marL="0" indent="0" algn="l" fontAlgn="auto" defTabSz="508000" eaLnBrk="0">
+              <a:lnSpc>
+                <a:spcPct val="100000"/>
+              </a:lnSpc>
+              <a:spcBef>
+                <a:spcPts val="0"/>
+              </a:spcBef>
+              <a:spcAft>
+                <a:spcPts val="0"/>
+              </a:spcAft>
+              <a:buFontTx/>
+              <a:buNone/>
+            </a:pPr>
+            <a:fld id="{B9320F77-B9A0-41C5-862A-B4B631284C64}" type="datetime1">
+              <a:rPr lang="en-GB" altLang="en-US" sz="1200" cap="none" dirty="0" smtClean="0" b="0" strike="noStrike">
+                <a:solidFill>
+                  <a:srgbClr val="898989"/>
+                </a:solidFill>
+                <a:latin typeface="맑은 고딕" charset="0"/>
+                <a:ea typeface="맑은 고딕" charset="0"/>
+              </a:rPr>
+              <a:t>9/13/2018</a:t>
+            </a:fld>
+          </a:p>
+        </p:txBody>
+      </p:sp>
+      <p:sp>
+        <p:nvSpPr>
+          <p:cNvPr id="3" name="바닥글 개체 틀 2"/>
+          <p:cNvSpPr txBox="1">
+            <a:spLocks/>
+          </p:cNvSpPr>
+          <p:nvPr>
+            <p:ph type="ftr"/>
+          </p:nvPr>
+        </p:nvSpPr>
+        <p:spPr>
+          <a:xfrm rot="0">
+            <a:off x="4038600" y="6356350"/>
+            <a:ext cx="4116070" cy="366395"/>
+          </a:xfrm>
+          <a:prstGeom prst="rect"/>
+        </p:spPr>
+        <p:txBody>
+          <a:bodyPr wrap="square" lIns="91440" tIns="45720" rIns="91440" bIns="45720" vert="horz" anchor="ctr">
+            <a:noAutofit/>
+          </a:bodyPr>
+          <a:lstStyle/>
+          <a:p>
+            <a:pPr marL="0" indent="0" algn="ctr" fontAlgn="auto" defTabSz="508000" eaLnBrk="0">
+              <a:lnSpc>
+                <a:spcPct val="100000"/>
+              </a:lnSpc>
+              <a:spcBef>
+                <a:spcPts val="0"/>
+              </a:spcBef>
+              <a:spcAft>
+                <a:spcPts val="0"/>
+              </a:spcAft>
+              <a:buFontTx/>
+              <a:buNone/>
+            </a:pPr>
+          </a:p>
+        </p:txBody>
+      </p:sp>
+      <p:sp>
+        <p:nvSpPr>
+          <p:cNvPr id="4" name="슬라이드 번호 개체 틀 3"/>
+          <p:cNvSpPr txBox="1">
+            <a:spLocks/>
+          </p:cNvSpPr>
+          <p:nvPr>
+            <p:ph type="sldNum"/>
+          </p:nvPr>
+        </p:nvSpPr>
+        <p:spPr>
+          <a:xfrm rot="0">
+            <a:off x="8610600" y="6356350"/>
+            <a:ext cx="2744470" cy="366395"/>
+          </a:xfrm>
+          <a:prstGeom prst="rect"/>
+        </p:spPr>
+        <p:txBody>
+          <a:bodyPr wrap="square" lIns="91440" tIns="45720" rIns="91440" bIns="45720" vert="horz" anchor="ctr">
+            <a:noAutofit/>
+          </a:bodyPr>
+          <a:lstStyle/>
+          <a:p>
+            <a:pPr marL="0" indent="0" algn="r" fontAlgn="auto" defTabSz="508000" eaLnBrk="0">
+              <a:lnSpc>
+                <a:spcPct val="100000"/>
+              </a:lnSpc>
+              <a:spcBef>
+                <a:spcPts val="0"/>
+              </a:spcBef>
+              <a:spcAft>
+                <a:spcPts val="0"/>
+              </a:spcAft>
+              <a:buFontTx/>
+              <a:buNone/>
+            </a:pPr>
+            <a:fld id="{B9320F77-B9A0-41C5-862A-B4B631284C64}" type="slidenum">
+              <a:rPr lang="en-US" altLang="ko-KR" sz="1200" cap="none" dirty="0" smtClean="0" b="0" strike="noStrike">
+                <a:solidFill>
+                  <a:srgbClr val="898989"/>
+                </a:solidFill>
+                <a:latin typeface="맑은 고딕" charset="0"/>
+                <a:ea typeface="맑은 고딕" charset="0"/>
+              </a:rPr>
+              <a:t>1</a:t>
+            </a:fld>
+          </a:p>
+        </p:txBody>
+      </p:sp>
+    </p:spTree>
+  </p:cSld>
+  <p:clrMapOvr>
+    <a:overrideClrMapping bg1="lt1" tx1="dk1" bg2="lt2" tx2="dk2" accent1="accent1" accent2="accent2" accent3="accent3" accent4="accent4" accent5="accent5" accent6="accent6" hlink="hlink" folHlink="folHlink"/>
+  </p:clrMapOvr>
+  <mc:AlternateContent xmlns:mc="http://schemas.openxmlformats.org/markup-compatibility/2006">
+    <mc:Choice xmlns:p14="http://schemas.microsoft.com/office/powerpoint/2010/main" Requires="p14">
+      <p:transition spd="slow" p14:dur="1000"/>
+    </mc:Choice>
+    <mc:Fallback>
+      <p:transition spd="slow"/>
+    </mc:Fallback>
+  </mc:AlternateContent>
+</p:sldLayout>
+</file>
+
 <file path=ppt/slideLayouts/slideLayout3.xml><?xml version="1.0" encoding="utf-8"?>
 <p:sldLayout xmlns:a="http://schemas.openxmlformats.org/drawingml/2006/main" xmlns:r="http://schemas.openxmlformats.org/officeDocument/2006/relationships" xmlns:p="http://schemas.openxmlformats.org/presentationml/2006/main" showMasterSp="0" type="secHead">
   <p:cSld name="구역 머리글">
@@ -5873,6 +8420,1455 @@
       </p:par>
     </p:tnLst>
   </p:timing>
+</p:sldLayout>
+</file>
+
+<file path=ppt/slideLayouts/slideLayout30.xml><?xml version="1.0" encoding="utf-8"?>
+<p:sldLayout xmlns:a="http://schemas.openxmlformats.org/drawingml/2006/main" xmlns:r="http://schemas.openxmlformats.org/officeDocument/2006/relationships" xmlns:p="http://schemas.openxmlformats.org/presentationml/2006/main" type="objTx">
+  <p:cSld name="캡션 있는 콘텐츠">
+    <p:spTree>
+      <p:nvGrpSpPr>
+        <p:cNvPr id="1" name=""/>
+        <p:cNvGrpSpPr/>
+        <p:nvPr/>
+      </p:nvGrpSpPr>
+      <p:grpSpPr>
+        <a:xfrm>
+          <a:off x="0" y="0"/>
+          <a:ext cx="0" cy="0"/>
+          <a:chOff x="0" y="0"/>
+          <a:chExt cx="0" cy="0"/>
+        </a:xfrm>
+      </p:grpSpPr>
+      <p:sp>
+        <p:nvSpPr>
+          <p:cNvPr id="2" name="텍스트 개체 틀 1"/>
+          <p:cNvSpPr txBox="1">
+            <a:spLocks/>
+          </p:cNvSpPr>
+          <p:nvPr>
+            <p:ph type="title"/>
+          </p:nvPr>
+        </p:nvSpPr>
+        <p:spPr>
+          <a:xfrm rot="0">
+            <a:off x="840105" y="457200"/>
+            <a:ext cx="3933190" cy="1601470"/>
+          </a:xfrm>
+          <a:prstGeom prst="rect"/>
+        </p:spPr>
+        <p:txBody>
+          <a:bodyPr wrap="square" lIns="91440" tIns="45720" rIns="91440" bIns="45720" vert="horz" anchor="b">
+            <a:normAutofit fontScale="100000" lnSpcReduction="0"/>
+          </a:bodyPr>
+          <a:lstStyle/>
+          <a:p>
+            <a:pPr marL="0" indent="0" algn="l" fontAlgn="auto" defTabSz="914400" eaLnBrk="0">
+              <a:lnSpc>
+                <a:spcPct val="90000"/>
+              </a:lnSpc>
+              <a:spcBef>
+                <a:spcPts val="0"/>
+              </a:spcBef>
+              <a:spcAft>
+                <a:spcPts val="0"/>
+              </a:spcAft>
+              <a:buFontTx/>
+              <a:buNone/>
+            </a:pPr>
+            <a:r>
+              <a:rPr lang="en-US" altLang="ko-KR" sz="3200" cap="none" dirty="0" smtClean="0" b="0" strike="noStrike">
+                <a:latin typeface="맑은 고딕" charset="0"/>
+                <a:ea typeface="맑은 고딕" charset="0"/>
+              </a:rPr>
+              <a:t>제목을 입력하십시오</a:t>
+            </a:r>
+          </a:p>
+        </p:txBody>
+      </p:sp>
+      <p:sp>
+        <p:nvSpPr>
+          <p:cNvPr id="3" name="내용 개체 틀 2"/>
+          <p:cNvSpPr txBox="1">
+            <a:spLocks/>
+          </p:cNvSpPr>
+          <p:nvPr>
+            <p:ph type="obj"/>
+          </p:nvPr>
+        </p:nvSpPr>
+        <p:spPr>
+          <a:xfrm rot="0">
+            <a:off x="5183505" y="987425"/>
+            <a:ext cx="6173470" cy="4874895"/>
+          </a:xfrm>
+          <a:prstGeom prst="rect"/>
+        </p:spPr>
+        <p:txBody>
+          <a:bodyPr wrap="square" lIns="91440" tIns="45720" rIns="91440" bIns="45720" vert="horz" anchor="t">
+            <a:normAutofit fontScale="100000" lnSpcReduction="0"/>
+          </a:bodyPr>
+          <a:lstStyle/>
+          <a:p>
+            <a:pPr marL="228600" indent="-228600" algn="l" fontAlgn="auto" defTabSz="914400" eaLnBrk="0">
+              <a:lnSpc>
+                <a:spcPct val="90000"/>
+              </a:lnSpc>
+              <a:spcBef>
+                <a:spcPts val="1000"/>
+              </a:spcBef>
+              <a:spcAft>
+                <a:spcPts val="0"/>
+              </a:spcAft>
+              <a:buClr>
+                <a:srgbClr val="404040"/>
+              </a:buClr>
+              <a:buFont typeface="Arial"/>
+              <a:buChar char="•"/>
+            </a:pPr>
+            <a:r>
+              <a:rPr lang="en-US" altLang="ko-KR" sz="3200" cap="none" dirty="0" smtClean="0" b="0" strike="noStrike">
+                <a:latin typeface="맑은 고딕" charset="0"/>
+                <a:ea typeface="맑은 고딕" charset="0"/>
+              </a:rPr>
+              <a:t>텍스트를 입력하십시오</a:t>
+            </a:r>
+          </a:p>
+          <a:p>
+            <a:pPr marL="685800" indent="-228600" algn="l" fontAlgn="auto" defTabSz="914400" eaLnBrk="0">
+              <a:lnSpc>
+                <a:spcPct val="90000"/>
+              </a:lnSpc>
+              <a:spcBef>
+                <a:spcPts val="500"/>
+              </a:spcBef>
+              <a:spcAft>
+                <a:spcPts val="0"/>
+              </a:spcAft>
+              <a:buClr>
+                <a:srgbClr val="404040"/>
+              </a:buClr>
+              <a:buFont typeface="Arial"/>
+              <a:buChar char="•"/>
+            </a:pPr>
+            <a:r>
+              <a:rPr lang="en-US" altLang="ko-KR" sz="2800" cap="none" dirty="0" smtClean="0" b="0" strike="noStrike">
+                <a:latin typeface="맑은 고딕" charset="0"/>
+                <a:ea typeface="맑은 고딕" charset="0"/>
+              </a:rPr>
+              <a:t>둘째 수준</a:t>
+            </a:r>
+          </a:p>
+          <a:p>
+            <a:pPr marL="1143000" indent="-228600" algn="l" fontAlgn="auto" defTabSz="914400" eaLnBrk="0">
+              <a:lnSpc>
+                <a:spcPct val="90000"/>
+              </a:lnSpc>
+              <a:spcBef>
+                <a:spcPts val="500"/>
+              </a:spcBef>
+              <a:spcAft>
+                <a:spcPts val="0"/>
+              </a:spcAft>
+              <a:buClr>
+                <a:srgbClr val="404040"/>
+              </a:buClr>
+              <a:buFont typeface="Arial"/>
+              <a:buChar char="•"/>
+            </a:pPr>
+            <a:r>
+              <a:rPr lang="en-US" altLang="ko-KR" sz="2400" cap="none" dirty="0" smtClean="0" b="0" strike="noStrike">
+                <a:latin typeface="맑은 고딕" charset="0"/>
+                <a:ea typeface="맑은 고딕" charset="0"/>
+              </a:rPr>
+              <a:t>셋째 수준</a:t>
+            </a:r>
+          </a:p>
+          <a:p>
+            <a:pPr marL="1600200" indent="-228600" algn="l" fontAlgn="auto" defTabSz="914400" eaLnBrk="0">
+              <a:lnSpc>
+                <a:spcPct val="90000"/>
+              </a:lnSpc>
+              <a:spcBef>
+                <a:spcPts val="500"/>
+              </a:spcBef>
+              <a:spcAft>
+                <a:spcPts val="0"/>
+              </a:spcAft>
+              <a:buClr>
+                <a:srgbClr val="404040"/>
+              </a:buClr>
+              <a:buFont typeface="Arial"/>
+              <a:buChar char="•"/>
+            </a:pPr>
+            <a:r>
+              <a:rPr lang="en-US" altLang="ko-KR" sz="2000" cap="none" dirty="0" smtClean="0" b="0" strike="noStrike">
+                <a:latin typeface="맑은 고딕" charset="0"/>
+                <a:ea typeface="맑은 고딕" charset="0"/>
+              </a:rPr>
+              <a:t>넷째 수준</a:t>
+            </a:r>
+          </a:p>
+          <a:p>
+            <a:pPr marL="2057400" indent="-228600" algn="l" fontAlgn="auto" defTabSz="914400" eaLnBrk="0">
+              <a:lnSpc>
+                <a:spcPct val="90000"/>
+              </a:lnSpc>
+              <a:spcBef>
+                <a:spcPts val="500"/>
+              </a:spcBef>
+              <a:spcAft>
+                <a:spcPts val="0"/>
+              </a:spcAft>
+              <a:buClr>
+                <a:srgbClr val="404040"/>
+              </a:buClr>
+              <a:buFont typeface="Arial"/>
+              <a:buChar char="•"/>
+            </a:pPr>
+            <a:r>
+              <a:rPr lang="en-US" altLang="ko-KR" sz="2000" cap="none" dirty="0" smtClean="0" b="0" strike="noStrike">
+                <a:latin typeface="맑은 고딕" charset="0"/>
+                <a:ea typeface="맑은 고딕" charset="0"/>
+              </a:rPr>
+              <a:t>다섯째 수준</a:t>
+            </a:r>
+          </a:p>
+        </p:txBody>
+      </p:sp>
+      <p:sp>
+        <p:nvSpPr>
+          <p:cNvPr id="4" name="텍스트 개체 틀 3"/>
+          <p:cNvSpPr txBox="1">
+            <a:spLocks/>
+          </p:cNvSpPr>
+          <p:nvPr>
+            <p:ph type="body"/>
+          </p:nvPr>
+        </p:nvSpPr>
+        <p:spPr>
+          <a:xfrm rot="0">
+            <a:off x="840105" y="2057400"/>
+            <a:ext cx="3933190" cy="3813175"/>
+          </a:xfrm>
+          <a:prstGeom prst="rect"/>
+        </p:spPr>
+        <p:txBody>
+          <a:bodyPr wrap="square" lIns="91440" tIns="45720" rIns="91440" bIns="45720" vert="horz" anchor="t">
+            <a:normAutofit fontScale="100000" lnSpcReduction="0"/>
+          </a:bodyPr>
+          <a:lstStyle/>
+          <a:p>
+            <a:pPr marL="0" indent="0" algn="l" fontAlgn="auto" defTabSz="914400" eaLnBrk="0">
+              <a:lnSpc>
+                <a:spcPct val="90000"/>
+              </a:lnSpc>
+              <a:spcBef>
+                <a:spcPts val="1000"/>
+              </a:spcBef>
+              <a:spcAft>
+                <a:spcPts val="0"/>
+              </a:spcAft>
+              <a:buFontTx/>
+              <a:buNone/>
+            </a:pPr>
+            <a:r>
+              <a:rPr lang="en-US" altLang="ko-KR" sz="1600" cap="none" dirty="0" smtClean="0" b="0" strike="noStrike">
+                <a:latin typeface="맑은 고딕" charset="0"/>
+                <a:ea typeface="맑은 고딕" charset="0"/>
+              </a:rPr>
+              <a:t>텍스트를 입력하십시오</a:t>
+            </a:r>
+          </a:p>
+        </p:txBody>
+      </p:sp>
+      <p:sp>
+        <p:nvSpPr>
+          <p:cNvPr id="5" name="날짜 개체 틀 4"/>
+          <p:cNvSpPr txBox="1">
+            <a:spLocks/>
+          </p:cNvSpPr>
+          <p:nvPr>
+            <p:ph type="dt"/>
+          </p:nvPr>
+        </p:nvSpPr>
+        <p:spPr>
+          <a:xfrm rot="0">
+            <a:off x="838200" y="6356350"/>
+            <a:ext cx="2744470" cy="366395"/>
+          </a:xfrm>
+          <a:prstGeom prst="rect"/>
+        </p:spPr>
+        <p:txBody>
+          <a:bodyPr wrap="square" lIns="91440" tIns="45720" rIns="91440" bIns="45720" vert="horz" anchor="ctr">
+            <a:noAutofit/>
+          </a:bodyPr>
+          <a:lstStyle/>
+          <a:p>
+            <a:pPr marL="0" indent="0" algn="l" fontAlgn="auto" defTabSz="508000" eaLnBrk="0">
+              <a:lnSpc>
+                <a:spcPct val="100000"/>
+              </a:lnSpc>
+              <a:spcBef>
+                <a:spcPts val="0"/>
+              </a:spcBef>
+              <a:spcAft>
+                <a:spcPts val="0"/>
+              </a:spcAft>
+              <a:buFontTx/>
+              <a:buNone/>
+            </a:pPr>
+            <a:fld id="{B9320F77-B9A0-41C5-862A-B4B631284C64}" type="datetime1">
+              <a:rPr lang="en-GB" altLang="en-US" sz="1200" cap="none" dirty="0" smtClean="0" b="0" strike="noStrike">
+                <a:solidFill>
+                  <a:srgbClr val="898989"/>
+                </a:solidFill>
+                <a:latin typeface="맑은 고딕" charset="0"/>
+                <a:ea typeface="맑은 고딕" charset="0"/>
+              </a:rPr>
+              <a:t>9/13/2018</a:t>
+            </a:fld>
+          </a:p>
+        </p:txBody>
+      </p:sp>
+      <p:sp>
+        <p:nvSpPr>
+          <p:cNvPr id="6" name="바닥글 개체 틀 5"/>
+          <p:cNvSpPr txBox="1">
+            <a:spLocks/>
+          </p:cNvSpPr>
+          <p:nvPr>
+            <p:ph type="ftr"/>
+          </p:nvPr>
+        </p:nvSpPr>
+        <p:spPr>
+          <a:xfrm rot="0">
+            <a:off x="4038600" y="6356350"/>
+            <a:ext cx="4116070" cy="366395"/>
+          </a:xfrm>
+          <a:prstGeom prst="rect"/>
+        </p:spPr>
+        <p:txBody>
+          <a:bodyPr wrap="square" lIns="91440" tIns="45720" rIns="91440" bIns="45720" vert="horz" anchor="ctr">
+            <a:noAutofit/>
+          </a:bodyPr>
+          <a:lstStyle/>
+          <a:p>
+            <a:pPr marL="0" indent="0" algn="ctr" fontAlgn="auto" defTabSz="508000" eaLnBrk="0">
+              <a:lnSpc>
+                <a:spcPct val="100000"/>
+              </a:lnSpc>
+              <a:spcBef>
+                <a:spcPts val="0"/>
+              </a:spcBef>
+              <a:spcAft>
+                <a:spcPts val="0"/>
+              </a:spcAft>
+              <a:buFontTx/>
+              <a:buNone/>
+            </a:pPr>
+          </a:p>
+        </p:txBody>
+      </p:sp>
+      <p:sp>
+        <p:nvSpPr>
+          <p:cNvPr id="7" name="슬라이드 번호 개체 틀 6"/>
+          <p:cNvSpPr txBox="1">
+            <a:spLocks/>
+          </p:cNvSpPr>
+          <p:nvPr>
+            <p:ph type="sldNum"/>
+          </p:nvPr>
+        </p:nvSpPr>
+        <p:spPr>
+          <a:xfrm rot="0">
+            <a:off x="8610600" y="6356350"/>
+            <a:ext cx="2744470" cy="366395"/>
+          </a:xfrm>
+          <a:prstGeom prst="rect"/>
+        </p:spPr>
+        <p:txBody>
+          <a:bodyPr wrap="square" lIns="91440" tIns="45720" rIns="91440" bIns="45720" vert="horz" anchor="ctr">
+            <a:noAutofit/>
+          </a:bodyPr>
+          <a:lstStyle/>
+          <a:p>
+            <a:pPr marL="0" indent="0" algn="r" fontAlgn="auto" defTabSz="508000" eaLnBrk="0">
+              <a:lnSpc>
+                <a:spcPct val="100000"/>
+              </a:lnSpc>
+              <a:spcBef>
+                <a:spcPts val="0"/>
+              </a:spcBef>
+              <a:spcAft>
+                <a:spcPts val="0"/>
+              </a:spcAft>
+              <a:buFontTx/>
+              <a:buNone/>
+            </a:pPr>
+            <a:fld id="{B9320F77-B9A0-41C5-862A-B4B631284C64}" type="slidenum">
+              <a:rPr lang="en-US" altLang="ko-KR" sz="1200" cap="none" dirty="0" smtClean="0" b="0" strike="noStrike">
+                <a:solidFill>
+                  <a:srgbClr val="898989"/>
+                </a:solidFill>
+                <a:latin typeface="맑은 고딕" charset="0"/>
+                <a:ea typeface="맑은 고딕" charset="0"/>
+              </a:rPr>
+              <a:t>1</a:t>
+            </a:fld>
+          </a:p>
+        </p:txBody>
+      </p:sp>
+    </p:spTree>
+  </p:cSld>
+  <p:clrMapOvr>
+    <a:overrideClrMapping bg1="lt1" tx1="dk1" bg2="lt2" tx2="dk2" accent1="accent1" accent2="accent2" accent3="accent3" accent4="accent4" accent5="accent5" accent6="accent6" hlink="hlink" folHlink="folHlink"/>
+  </p:clrMapOvr>
+  <mc:AlternateContent xmlns:mc="http://schemas.openxmlformats.org/markup-compatibility/2006">
+    <mc:Choice xmlns:p14="http://schemas.microsoft.com/office/powerpoint/2010/main" Requires="p14">
+      <p:transition spd="slow" p14:dur="1000"/>
+    </mc:Choice>
+    <mc:Fallback>
+      <p:transition spd="slow"/>
+    </mc:Fallback>
+  </mc:AlternateContent>
+</p:sldLayout>
+</file>
+
+<file path=ppt/slideLayouts/slideLayout31.xml><?xml version="1.0" encoding="utf-8"?>
+<p:sldLayout xmlns:a="http://schemas.openxmlformats.org/drawingml/2006/main" xmlns:r="http://schemas.openxmlformats.org/officeDocument/2006/relationships" xmlns:p="http://schemas.openxmlformats.org/presentationml/2006/main">
+  <p:cSld name="캡션 있는 그림">
+    <p:spTree>
+      <p:nvGrpSpPr>
+        <p:cNvPr id="1" name=""/>
+        <p:cNvGrpSpPr/>
+        <p:nvPr/>
+      </p:nvGrpSpPr>
+      <p:grpSpPr>
+        <a:xfrm>
+          <a:off x="0" y="0"/>
+          <a:ext cx="0" cy="0"/>
+          <a:chOff x="0" y="0"/>
+          <a:chExt cx="0" cy="0"/>
+        </a:xfrm>
+      </p:grpSpPr>
+      <p:sp>
+        <p:nvSpPr>
+          <p:cNvPr id="3" name="그림 개체 틀 2"/>
+          <p:cNvSpPr txBox="1">
+            <a:spLocks noChangeAspect="1"/>
+          </p:cNvSpPr>
+          <p:nvPr>
+            <p:ph type="pic"/>
+          </p:nvPr>
+        </p:nvSpPr>
+        <p:spPr>
+          <a:xfrm rot="0">
+            <a:off x="5183505" y="987425"/>
+            <a:ext cx="6173470" cy="4874895"/>
+          </a:xfrm>
+          <a:prstGeom prst="rect"/>
+        </p:spPr>
+        <p:txBody>
+          <a:bodyPr wrap="square" lIns="91440" tIns="45720" rIns="91440" bIns="45720" vert="horz" anchor="t">
+            <a:normAutofit fontScale="100000" lnSpcReduction="0"/>
+          </a:bodyPr>
+          <a:lstStyle/>
+          <a:p>
+            <a:pPr marL="0" indent="0" algn="l" fontAlgn="auto" defTabSz="914400" eaLnBrk="0">
+              <a:lnSpc>
+                <a:spcPct val="90000"/>
+              </a:lnSpc>
+              <a:spcBef>
+                <a:spcPts val="1000"/>
+              </a:spcBef>
+              <a:spcAft>
+                <a:spcPts val="0"/>
+              </a:spcAft>
+              <a:buFontTx/>
+              <a:buNone/>
+            </a:pPr>
+            <a:r>
+              <a:rPr lang="en-US" altLang="ko-KR" sz="2000" cap="none" dirty="0" smtClean="0" b="0" strike="noStrike">
+                <a:latin typeface="맑은 고딕" charset="0"/>
+                <a:ea typeface="맑은 고딕" charset="0"/>
+              </a:rPr>
+              <a:t>그림을 추가하려면 아이콘을 클릭하세요</a:t>
+            </a:r>
+          </a:p>
+        </p:txBody>
+      </p:sp>
+      <p:sp>
+        <p:nvSpPr>
+          <p:cNvPr id="2" name="텍스트 개체 틀 1"/>
+          <p:cNvSpPr txBox="1">
+            <a:spLocks/>
+          </p:cNvSpPr>
+          <p:nvPr>
+            <p:ph type="title"/>
+          </p:nvPr>
+        </p:nvSpPr>
+        <p:spPr>
+          <a:xfrm rot="0">
+            <a:off x="840105" y="457200"/>
+            <a:ext cx="3933190" cy="1601470"/>
+          </a:xfrm>
+          <a:prstGeom prst="rect"/>
+        </p:spPr>
+        <p:txBody>
+          <a:bodyPr wrap="square" lIns="91440" tIns="45720" rIns="91440" bIns="45720" vert="horz" anchor="b">
+            <a:normAutofit fontScale="100000" lnSpcReduction="0"/>
+          </a:bodyPr>
+          <a:lstStyle/>
+          <a:p>
+            <a:pPr marL="0" indent="0" algn="l" fontAlgn="auto" defTabSz="914400" eaLnBrk="0">
+              <a:lnSpc>
+                <a:spcPct val="90000"/>
+              </a:lnSpc>
+              <a:spcBef>
+                <a:spcPts val="0"/>
+              </a:spcBef>
+              <a:spcAft>
+                <a:spcPts val="0"/>
+              </a:spcAft>
+              <a:buFontTx/>
+              <a:buNone/>
+            </a:pPr>
+            <a:r>
+              <a:rPr lang="en-US" altLang="ko-KR" sz="3200" cap="none" dirty="0" smtClean="0" b="0" strike="noStrike">
+                <a:latin typeface="맑은 고딕" charset="0"/>
+                <a:ea typeface="맑은 고딕" charset="0"/>
+              </a:rPr>
+              <a:t>제목을 입력하십시오</a:t>
+            </a:r>
+          </a:p>
+        </p:txBody>
+      </p:sp>
+      <p:sp>
+        <p:nvSpPr>
+          <p:cNvPr id="4" name="텍스트 개체 틀 3"/>
+          <p:cNvSpPr txBox="1">
+            <a:spLocks/>
+          </p:cNvSpPr>
+          <p:nvPr>
+            <p:ph type="body"/>
+          </p:nvPr>
+        </p:nvSpPr>
+        <p:spPr>
+          <a:xfrm rot="0">
+            <a:off x="840105" y="2057400"/>
+            <a:ext cx="3933190" cy="3813175"/>
+          </a:xfrm>
+          <a:prstGeom prst="rect"/>
+        </p:spPr>
+        <p:txBody>
+          <a:bodyPr wrap="square" lIns="91440" tIns="45720" rIns="91440" bIns="45720" vert="horz" anchor="t">
+            <a:normAutofit fontScale="100000" lnSpcReduction="0"/>
+          </a:bodyPr>
+          <a:lstStyle/>
+          <a:p>
+            <a:pPr marL="0" indent="0" algn="l" fontAlgn="auto" defTabSz="914400" eaLnBrk="0">
+              <a:lnSpc>
+                <a:spcPct val="90000"/>
+              </a:lnSpc>
+              <a:spcBef>
+                <a:spcPts val="1000"/>
+              </a:spcBef>
+              <a:spcAft>
+                <a:spcPts val="0"/>
+              </a:spcAft>
+              <a:buFontTx/>
+              <a:buNone/>
+            </a:pPr>
+            <a:r>
+              <a:rPr lang="en-US" altLang="ko-KR" sz="1600" cap="none" dirty="0" smtClean="0" b="0" strike="noStrike">
+                <a:latin typeface="맑은 고딕" charset="0"/>
+                <a:ea typeface="맑은 고딕" charset="0"/>
+              </a:rPr>
+              <a:t>텍스트를 입력하십시오</a:t>
+            </a:r>
+          </a:p>
+        </p:txBody>
+      </p:sp>
+      <p:sp>
+        <p:nvSpPr>
+          <p:cNvPr id="5" name="날짜 개체 틀 4"/>
+          <p:cNvSpPr txBox="1">
+            <a:spLocks/>
+          </p:cNvSpPr>
+          <p:nvPr>
+            <p:ph type="dt"/>
+          </p:nvPr>
+        </p:nvSpPr>
+        <p:spPr>
+          <a:xfrm rot="0">
+            <a:off x="838200" y="6356350"/>
+            <a:ext cx="2744470" cy="366395"/>
+          </a:xfrm>
+          <a:prstGeom prst="rect"/>
+        </p:spPr>
+        <p:txBody>
+          <a:bodyPr wrap="square" lIns="91440" tIns="45720" rIns="91440" bIns="45720" vert="horz" anchor="ctr">
+            <a:noAutofit/>
+          </a:bodyPr>
+          <a:lstStyle/>
+          <a:p>
+            <a:pPr marL="0" indent="0" algn="l" fontAlgn="auto" defTabSz="508000" eaLnBrk="0">
+              <a:lnSpc>
+                <a:spcPct val="100000"/>
+              </a:lnSpc>
+              <a:spcBef>
+                <a:spcPts val="0"/>
+              </a:spcBef>
+              <a:spcAft>
+                <a:spcPts val="0"/>
+              </a:spcAft>
+              <a:buFontTx/>
+              <a:buNone/>
+            </a:pPr>
+            <a:fld id="{B9320F77-B9A0-41C5-862A-B4B631284C64}" type="datetime1">
+              <a:rPr lang="en-GB" altLang="en-US" sz="1200" cap="none" dirty="0" smtClean="0" b="0" strike="noStrike">
+                <a:solidFill>
+                  <a:srgbClr val="898989"/>
+                </a:solidFill>
+                <a:latin typeface="맑은 고딕" charset="0"/>
+                <a:ea typeface="맑은 고딕" charset="0"/>
+              </a:rPr>
+              <a:t>9/13/2018</a:t>
+            </a:fld>
+          </a:p>
+        </p:txBody>
+      </p:sp>
+      <p:sp>
+        <p:nvSpPr>
+          <p:cNvPr id="6" name="바닥글 개체 틀 5"/>
+          <p:cNvSpPr txBox="1">
+            <a:spLocks/>
+          </p:cNvSpPr>
+          <p:nvPr>
+            <p:ph type="ftr"/>
+          </p:nvPr>
+        </p:nvSpPr>
+        <p:spPr>
+          <a:xfrm rot="0">
+            <a:off x="4038600" y="6356350"/>
+            <a:ext cx="4116070" cy="366395"/>
+          </a:xfrm>
+          <a:prstGeom prst="rect"/>
+        </p:spPr>
+        <p:txBody>
+          <a:bodyPr wrap="square" lIns="91440" tIns="45720" rIns="91440" bIns="45720" vert="horz" anchor="ctr">
+            <a:noAutofit/>
+          </a:bodyPr>
+          <a:lstStyle/>
+          <a:p>
+            <a:pPr marL="0" indent="0" algn="ctr" fontAlgn="auto" defTabSz="508000" eaLnBrk="0">
+              <a:lnSpc>
+                <a:spcPct val="100000"/>
+              </a:lnSpc>
+              <a:spcBef>
+                <a:spcPts val="0"/>
+              </a:spcBef>
+              <a:spcAft>
+                <a:spcPts val="0"/>
+              </a:spcAft>
+              <a:buFontTx/>
+              <a:buNone/>
+            </a:pPr>
+          </a:p>
+        </p:txBody>
+      </p:sp>
+      <p:sp>
+        <p:nvSpPr>
+          <p:cNvPr id="7" name="슬라이드 번호 개체 틀 6"/>
+          <p:cNvSpPr txBox="1">
+            <a:spLocks/>
+          </p:cNvSpPr>
+          <p:nvPr>
+            <p:ph type="sldNum"/>
+          </p:nvPr>
+        </p:nvSpPr>
+        <p:spPr>
+          <a:xfrm rot="0">
+            <a:off x="8610600" y="6356350"/>
+            <a:ext cx="2744470" cy="366395"/>
+          </a:xfrm>
+          <a:prstGeom prst="rect"/>
+        </p:spPr>
+        <p:txBody>
+          <a:bodyPr wrap="square" lIns="91440" tIns="45720" rIns="91440" bIns="45720" vert="horz" anchor="ctr">
+            <a:noAutofit/>
+          </a:bodyPr>
+          <a:lstStyle/>
+          <a:p>
+            <a:pPr marL="0" indent="0" algn="r" fontAlgn="auto" defTabSz="508000" eaLnBrk="0">
+              <a:lnSpc>
+                <a:spcPct val="100000"/>
+              </a:lnSpc>
+              <a:spcBef>
+                <a:spcPts val="0"/>
+              </a:spcBef>
+              <a:spcAft>
+                <a:spcPts val="0"/>
+              </a:spcAft>
+              <a:buFontTx/>
+              <a:buNone/>
+            </a:pPr>
+            <a:fld id="{B9320F77-B9A0-41C5-862A-B4B631284C64}" type="slidenum">
+              <a:rPr lang="en-US" altLang="ko-KR" sz="1200" cap="none" dirty="0" smtClean="0" b="0" strike="noStrike">
+                <a:solidFill>
+                  <a:srgbClr val="898989"/>
+                </a:solidFill>
+                <a:latin typeface="맑은 고딕" charset="0"/>
+                <a:ea typeface="맑은 고딕" charset="0"/>
+              </a:rPr>
+              <a:t>1</a:t>
+            </a:fld>
+          </a:p>
+        </p:txBody>
+      </p:sp>
+    </p:spTree>
+  </p:cSld>
+  <p:clrMapOvr>
+    <a:overrideClrMapping bg1="lt1" tx1="dk1" bg2="lt2" tx2="dk2" accent1="accent1" accent2="accent2" accent3="accent3" accent4="accent4" accent5="accent5" accent6="accent6" hlink="hlink" folHlink="folHlink"/>
+  </p:clrMapOvr>
+  <mc:AlternateContent xmlns:mc="http://schemas.openxmlformats.org/markup-compatibility/2006">
+    <mc:Choice xmlns:p14="http://schemas.microsoft.com/office/powerpoint/2010/main" Requires="p14">
+      <p:transition spd="slow" p14:dur="1000"/>
+    </mc:Choice>
+    <mc:Fallback>
+      <p:transition spd="slow"/>
+    </mc:Fallback>
+  </mc:AlternateContent>
+</p:sldLayout>
+</file>
+
+<file path=ppt/slideLayouts/slideLayout32.xml><?xml version="1.0" encoding="utf-8"?>
+<p:sldLayout xmlns:a="http://schemas.openxmlformats.org/drawingml/2006/main" xmlns:r="http://schemas.openxmlformats.org/officeDocument/2006/relationships" xmlns:p="http://schemas.openxmlformats.org/presentationml/2006/main" type="vertTx">
+  <p:cSld name="제목 및 세로 텍스트">
+    <p:spTree>
+      <p:nvGrpSpPr>
+        <p:cNvPr id="1" name=""/>
+        <p:cNvGrpSpPr/>
+        <p:nvPr/>
+      </p:nvGrpSpPr>
+      <p:grpSpPr>
+        <a:xfrm>
+          <a:off x="0" y="0"/>
+          <a:ext cx="0" cy="0"/>
+          <a:chOff x="0" y="0"/>
+          <a:chExt cx="0" cy="0"/>
+        </a:xfrm>
+      </p:grpSpPr>
+      <p:sp>
+        <p:nvSpPr>
+          <p:cNvPr id="2" name="텍스트 개체 틀 1"/>
+          <p:cNvSpPr txBox="1">
+            <a:spLocks/>
+          </p:cNvSpPr>
+          <p:nvPr>
+            <p:ph type="title"/>
+          </p:nvPr>
+        </p:nvSpPr>
+        <p:spPr>
+          <a:xfrm rot="0">
+            <a:off x="838200" y="365125"/>
+            <a:ext cx="10516870" cy="1327150"/>
+          </a:xfrm>
+          <a:prstGeom prst="rect"/>
+        </p:spPr>
+        <p:txBody>
+          <a:bodyPr wrap="square" lIns="91440" tIns="45720" rIns="91440" bIns="45720" vert="horz" anchor="ctr">
+            <a:normAutofit fontScale="100000" lnSpcReduction="0"/>
+          </a:bodyPr>
+          <a:lstStyle/>
+          <a:p>
+            <a:pPr marL="0" indent="0" algn="l" fontAlgn="auto" defTabSz="914400" eaLnBrk="0">
+              <a:lnSpc>
+                <a:spcPct val="90000"/>
+              </a:lnSpc>
+              <a:spcBef>
+                <a:spcPts val="0"/>
+              </a:spcBef>
+              <a:spcAft>
+                <a:spcPts val="0"/>
+              </a:spcAft>
+              <a:buFontTx/>
+              <a:buNone/>
+            </a:pPr>
+            <a:r>
+              <a:rPr lang="en-US" altLang="ko-KR" sz="4400" cap="none" dirty="0" smtClean="0" b="0" strike="noStrike">
+                <a:latin typeface="맑은 고딕" charset="0"/>
+                <a:ea typeface="맑은 고딕" charset="0"/>
+              </a:rPr>
+              <a:t>제목을 입력하십시오</a:t>
+            </a:r>
+          </a:p>
+        </p:txBody>
+      </p:sp>
+      <p:sp>
+        <p:nvSpPr>
+          <p:cNvPr id="3" name="세로 텍스트 개체 틀 2"/>
+          <p:cNvSpPr txBox="1">
+            <a:spLocks/>
+          </p:cNvSpPr>
+          <p:nvPr>
+            <p:ph type="body" orient="vert"/>
+          </p:nvPr>
+        </p:nvSpPr>
+        <p:spPr>
+          <a:xfrm rot="0">
+            <a:off x="838200" y="1825625"/>
+            <a:ext cx="10516870" cy="4352925"/>
+          </a:xfrm>
+          <a:prstGeom prst="rect"/>
+        </p:spPr>
+        <p:txBody>
+          <a:bodyPr wrap="square" lIns="91440" tIns="45720" rIns="91440" bIns="45720" vert="eaVert" anchor="t">
+            <a:normAutofit fontScale="100000" lnSpcReduction="0"/>
+          </a:bodyPr>
+          <a:lstStyle/>
+          <a:p>
+            <a:pPr marL="228600" indent="-228600" algn="l" fontAlgn="auto" defTabSz="914400" eaLnBrk="0">
+              <a:lnSpc>
+                <a:spcPct val="90000"/>
+              </a:lnSpc>
+              <a:spcBef>
+                <a:spcPts val="1000"/>
+              </a:spcBef>
+              <a:spcAft>
+                <a:spcPts val="0"/>
+              </a:spcAft>
+              <a:buClr>
+                <a:srgbClr val="404040"/>
+              </a:buClr>
+              <a:buFont typeface="Arial"/>
+              <a:buChar char="•"/>
+            </a:pPr>
+            <a:r>
+              <a:rPr lang="en-US" altLang="ko-KR" sz="2800" cap="none" dirty="0" smtClean="0" b="0" strike="noStrike">
+                <a:latin typeface="맑은 고딕" charset="0"/>
+                <a:ea typeface="맑은 고딕" charset="0"/>
+              </a:rPr>
+              <a:t>텍스트를 입력하십시오</a:t>
+            </a:r>
+          </a:p>
+          <a:p>
+            <a:pPr marL="685800" indent="-228600" algn="l" fontAlgn="auto" defTabSz="914400" eaLnBrk="0">
+              <a:lnSpc>
+                <a:spcPct val="90000"/>
+              </a:lnSpc>
+              <a:spcBef>
+                <a:spcPts val="500"/>
+              </a:spcBef>
+              <a:spcAft>
+                <a:spcPts val="0"/>
+              </a:spcAft>
+              <a:buClr>
+                <a:srgbClr val="404040"/>
+              </a:buClr>
+              <a:buFont typeface="Arial"/>
+              <a:buChar char="•"/>
+            </a:pPr>
+            <a:r>
+              <a:rPr lang="en-US" altLang="ko-KR" sz="2400" cap="none" dirty="0" smtClean="0" b="0" strike="noStrike">
+                <a:latin typeface="맑은 고딕" charset="0"/>
+                <a:ea typeface="맑은 고딕" charset="0"/>
+              </a:rPr>
+              <a:t>둘째 수준</a:t>
+            </a:r>
+          </a:p>
+          <a:p>
+            <a:pPr marL="1143000" indent="-228600" algn="l" fontAlgn="auto" defTabSz="914400" eaLnBrk="0">
+              <a:lnSpc>
+                <a:spcPct val="90000"/>
+              </a:lnSpc>
+              <a:spcBef>
+                <a:spcPts val="500"/>
+              </a:spcBef>
+              <a:spcAft>
+                <a:spcPts val="0"/>
+              </a:spcAft>
+              <a:buClr>
+                <a:srgbClr val="404040"/>
+              </a:buClr>
+              <a:buFont typeface="Arial"/>
+              <a:buChar char="•"/>
+            </a:pPr>
+            <a:r>
+              <a:rPr lang="en-US" altLang="ko-KR" sz="2000" cap="none" dirty="0" smtClean="0" b="0" strike="noStrike">
+                <a:latin typeface="맑은 고딕" charset="0"/>
+                <a:ea typeface="맑은 고딕" charset="0"/>
+              </a:rPr>
+              <a:t>셋째 수준</a:t>
+            </a:r>
+          </a:p>
+          <a:p>
+            <a:pPr marL="1600200" indent="-228600" algn="l" fontAlgn="auto" defTabSz="914400" eaLnBrk="0">
+              <a:lnSpc>
+                <a:spcPct val="90000"/>
+              </a:lnSpc>
+              <a:spcBef>
+                <a:spcPts val="500"/>
+              </a:spcBef>
+              <a:spcAft>
+                <a:spcPts val="0"/>
+              </a:spcAft>
+              <a:buClr>
+                <a:srgbClr val="404040"/>
+              </a:buClr>
+              <a:buFont typeface="Arial"/>
+              <a:buChar char="•"/>
+            </a:pPr>
+            <a:r>
+              <a:rPr lang="en-US" altLang="ko-KR" sz="1800" cap="none" dirty="0" smtClean="0" b="0" strike="noStrike">
+                <a:latin typeface="맑은 고딕" charset="0"/>
+                <a:ea typeface="맑은 고딕" charset="0"/>
+              </a:rPr>
+              <a:t>넷째 수준</a:t>
+            </a:r>
+          </a:p>
+          <a:p>
+            <a:pPr marL="2057400" indent="-228600" algn="l" fontAlgn="auto" defTabSz="914400" eaLnBrk="0">
+              <a:lnSpc>
+                <a:spcPct val="90000"/>
+              </a:lnSpc>
+              <a:spcBef>
+                <a:spcPts val="500"/>
+              </a:spcBef>
+              <a:spcAft>
+                <a:spcPts val="0"/>
+              </a:spcAft>
+              <a:buClr>
+                <a:srgbClr val="404040"/>
+              </a:buClr>
+              <a:buFont typeface="Arial"/>
+              <a:buChar char="•"/>
+            </a:pPr>
+            <a:r>
+              <a:rPr lang="en-US" altLang="ko-KR" sz="1800" cap="none" dirty="0" smtClean="0" b="0" strike="noStrike">
+                <a:latin typeface="맑은 고딕" charset="0"/>
+                <a:ea typeface="맑은 고딕" charset="0"/>
+              </a:rPr>
+              <a:t>다섯째 수준</a:t>
+            </a:r>
+          </a:p>
+        </p:txBody>
+      </p:sp>
+      <p:sp>
+        <p:nvSpPr>
+          <p:cNvPr id="4" name="날짜 개체 틀 3"/>
+          <p:cNvSpPr txBox="1">
+            <a:spLocks/>
+          </p:cNvSpPr>
+          <p:nvPr>
+            <p:ph type="dt"/>
+          </p:nvPr>
+        </p:nvSpPr>
+        <p:spPr>
+          <a:xfrm rot="0">
+            <a:off x="838200" y="6356350"/>
+            <a:ext cx="2744470" cy="366395"/>
+          </a:xfrm>
+          <a:prstGeom prst="rect"/>
+        </p:spPr>
+        <p:txBody>
+          <a:bodyPr wrap="square" lIns="91440" tIns="45720" rIns="91440" bIns="45720" vert="horz" anchor="ctr">
+            <a:noAutofit/>
+          </a:bodyPr>
+          <a:lstStyle/>
+          <a:p>
+            <a:pPr marL="0" indent="0" algn="l" fontAlgn="auto" defTabSz="508000" eaLnBrk="0">
+              <a:lnSpc>
+                <a:spcPct val="100000"/>
+              </a:lnSpc>
+              <a:spcBef>
+                <a:spcPts val="0"/>
+              </a:spcBef>
+              <a:spcAft>
+                <a:spcPts val="0"/>
+              </a:spcAft>
+              <a:buFontTx/>
+              <a:buNone/>
+            </a:pPr>
+            <a:fld id="{B9320F77-B9A0-41C5-862A-B4B631284C64}" type="datetime1">
+              <a:rPr lang="en-GB" altLang="en-US" sz="1200" cap="none" dirty="0" smtClean="0" b="0" strike="noStrike">
+                <a:solidFill>
+                  <a:srgbClr val="898989"/>
+                </a:solidFill>
+                <a:latin typeface="맑은 고딕" charset="0"/>
+                <a:ea typeface="맑은 고딕" charset="0"/>
+              </a:rPr>
+              <a:t>9/13/2018</a:t>
+            </a:fld>
+          </a:p>
+        </p:txBody>
+      </p:sp>
+      <p:sp>
+        <p:nvSpPr>
+          <p:cNvPr id="5" name="바닥글 개체 틀 4"/>
+          <p:cNvSpPr txBox="1">
+            <a:spLocks/>
+          </p:cNvSpPr>
+          <p:nvPr>
+            <p:ph type="ftr"/>
+          </p:nvPr>
+        </p:nvSpPr>
+        <p:spPr>
+          <a:xfrm rot="0">
+            <a:off x="4038600" y="6356350"/>
+            <a:ext cx="4116070" cy="366395"/>
+          </a:xfrm>
+          <a:prstGeom prst="rect"/>
+        </p:spPr>
+        <p:txBody>
+          <a:bodyPr wrap="square" lIns="91440" tIns="45720" rIns="91440" bIns="45720" vert="horz" anchor="ctr">
+            <a:noAutofit/>
+          </a:bodyPr>
+          <a:lstStyle/>
+          <a:p>
+            <a:pPr marL="0" indent="0" algn="ctr" fontAlgn="auto" defTabSz="508000" eaLnBrk="0">
+              <a:lnSpc>
+                <a:spcPct val="100000"/>
+              </a:lnSpc>
+              <a:spcBef>
+                <a:spcPts val="0"/>
+              </a:spcBef>
+              <a:spcAft>
+                <a:spcPts val="0"/>
+              </a:spcAft>
+              <a:buFontTx/>
+              <a:buNone/>
+            </a:pPr>
+          </a:p>
+        </p:txBody>
+      </p:sp>
+      <p:sp>
+        <p:nvSpPr>
+          <p:cNvPr id="6" name="슬라이드 번호 개체 틀 5"/>
+          <p:cNvSpPr txBox="1">
+            <a:spLocks/>
+          </p:cNvSpPr>
+          <p:nvPr>
+            <p:ph type="sldNum"/>
+          </p:nvPr>
+        </p:nvSpPr>
+        <p:spPr>
+          <a:xfrm rot="0">
+            <a:off x="8610600" y="6356350"/>
+            <a:ext cx="2744470" cy="366395"/>
+          </a:xfrm>
+          <a:prstGeom prst="rect"/>
+        </p:spPr>
+        <p:txBody>
+          <a:bodyPr wrap="square" lIns="91440" tIns="45720" rIns="91440" bIns="45720" vert="horz" anchor="ctr">
+            <a:noAutofit/>
+          </a:bodyPr>
+          <a:lstStyle/>
+          <a:p>
+            <a:pPr marL="0" indent="0" algn="r" fontAlgn="auto" defTabSz="508000" eaLnBrk="0">
+              <a:lnSpc>
+                <a:spcPct val="100000"/>
+              </a:lnSpc>
+              <a:spcBef>
+                <a:spcPts val="0"/>
+              </a:spcBef>
+              <a:spcAft>
+                <a:spcPts val="0"/>
+              </a:spcAft>
+              <a:buFontTx/>
+              <a:buNone/>
+            </a:pPr>
+            <a:fld id="{B9320F77-B9A0-41C5-862A-B4B631284C64}" type="slidenum">
+              <a:rPr lang="en-US" altLang="ko-KR" sz="1200" cap="none" dirty="0" smtClean="0" b="0" strike="noStrike">
+                <a:solidFill>
+                  <a:srgbClr val="898989"/>
+                </a:solidFill>
+                <a:latin typeface="맑은 고딕" charset="0"/>
+                <a:ea typeface="맑은 고딕" charset="0"/>
+              </a:rPr>
+              <a:t>1</a:t>
+            </a:fld>
+          </a:p>
+        </p:txBody>
+      </p:sp>
+    </p:spTree>
+  </p:cSld>
+  <p:clrMapOvr>
+    <a:overrideClrMapping bg1="lt1" tx1="dk1" bg2="lt2" tx2="dk2" accent1="accent1" accent2="accent2" accent3="accent3" accent4="accent4" accent5="accent5" accent6="accent6" hlink="hlink" folHlink="folHlink"/>
+  </p:clrMapOvr>
+  <mc:AlternateContent xmlns:mc="http://schemas.openxmlformats.org/markup-compatibility/2006">
+    <mc:Choice xmlns:p14="http://schemas.microsoft.com/office/powerpoint/2010/main" Requires="p14">
+      <p:transition spd="slow" p14:dur="1000"/>
+    </mc:Choice>
+    <mc:Fallback>
+      <p:transition spd="slow"/>
+    </mc:Fallback>
+  </mc:AlternateContent>
+</p:sldLayout>
+</file>
+
+<file path=ppt/slideLayouts/slideLayout33.xml><?xml version="1.0" encoding="utf-8"?>
+<p:sldLayout xmlns:a="http://schemas.openxmlformats.org/drawingml/2006/main" xmlns:r="http://schemas.openxmlformats.org/officeDocument/2006/relationships" xmlns:p="http://schemas.openxmlformats.org/presentationml/2006/main" type="vertTitleAndTx">
+  <p:cSld name="세로 제목 및 텍스트">
+    <p:spTree>
+      <p:nvGrpSpPr>
+        <p:cNvPr id="1" name=""/>
+        <p:cNvGrpSpPr/>
+        <p:nvPr/>
+      </p:nvGrpSpPr>
+      <p:grpSpPr>
+        <a:xfrm>
+          <a:off x="0" y="0"/>
+          <a:ext cx="0" cy="0"/>
+          <a:chOff x="0" y="0"/>
+          <a:chExt cx="0" cy="0"/>
+        </a:xfrm>
+      </p:grpSpPr>
+      <p:sp>
+        <p:nvSpPr>
+          <p:cNvPr id="2" name="세로 제목 1"/>
+          <p:cNvSpPr txBox="1">
+            <a:spLocks/>
+          </p:cNvSpPr>
+          <p:nvPr>
+            <p:ph type="title" orient="vert"/>
+          </p:nvPr>
+        </p:nvSpPr>
+        <p:spPr>
+          <a:xfrm rot="0">
+            <a:off x="8724900" y="365125"/>
+            <a:ext cx="2630170" cy="5813425"/>
+          </a:xfrm>
+          <a:prstGeom prst="rect"/>
+        </p:spPr>
+        <p:txBody>
+          <a:bodyPr wrap="square" lIns="91440" tIns="45720" rIns="91440" bIns="45720" vert="eaVert" anchor="ctr">
+            <a:normAutofit fontScale="100000" lnSpcReduction="0"/>
+          </a:bodyPr>
+          <a:lstStyle/>
+          <a:p>
+            <a:pPr marL="0" indent="0" algn="l" fontAlgn="auto" defTabSz="914400" eaLnBrk="0">
+              <a:lnSpc>
+                <a:spcPct val="90000"/>
+              </a:lnSpc>
+              <a:spcBef>
+                <a:spcPts val="0"/>
+              </a:spcBef>
+              <a:spcAft>
+                <a:spcPts val="0"/>
+              </a:spcAft>
+              <a:buFontTx/>
+              <a:buNone/>
+            </a:pPr>
+            <a:r>
+              <a:rPr lang="en-US" altLang="ko-KR" sz="4400" cap="none" dirty="0" smtClean="0" b="0" strike="noStrike">
+                <a:latin typeface="맑은 고딕" charset="0"/>
+                <a:ea typeface="맑은 고딕" charset="0"/>
+              </a:rPr>
+              <a:t>제목을 입력하십시오</a:t>
+            </a:r>
+          </a:p>
+        </p:txBody>
+      </p:sp>
+      <p:sp>
+        <p:nvSpPr>
+          <p:cNvPr id="3" name="세로 텍스트 개체 틀 2"/>
+          <p:cNvSpPr txBox="1">
+            <a:spLocks/>
+          </p:cNvSpPr>
+          <p:nvPr>
+            <p:ph type="body" orient="vert"/>
+          </p:nvPr>
+        </p:nvSpPr>
+        <p:spPr>
+          <a:xfrm rot="0">
+            <a:off x="838200" y="365125"/>
+            <a:ext cx="7735570" cy="5813425"/>
+          </a:xfrm>
+          <a:prstGeom prst="rect"/>
+        </p:spPr>
+        <p:txBody>
+          <a:bodyPr wrap="square" lIns="91440" tIns="45720" rIns="91440" bIns="45720" vert="eaVert" anchor="t">
+            <a:normAutofit fontScale="100000" lnSpcReduction="0"/>
+          </a:bodyPr>
+          <a:lstStyle/>
+          <a:p>
+            <a:pPr marL="228600" indent="-228600" algn="l" fontAlgn="auto" defTabSz="914400" eaLnBrk="0">
+              <a:lnSpc>
+                <a:spcPct val="90000"/>
+              </a:lnSpc>
+              <a:spcBef>
+                <a:spcPts val="1000"/>
+              </a:spcBef>
+              <a:spcAft>
+                <a:spcPts val="0"/>
+              </a:spcAft>
+              <a:buClr>
+                <a:srgbClr val="404040"/>
+              </a:buClr>
+              <a:buFont typeface="Arial"/>
+              <a:buChar char="•"/>
+            </a:pPr>
+            <a:r>
+              <a:rPr lang="en-US" altLang="ko-KR" sz="2800" cap="none" dirty="0" smtClean="0" b="0" strike="noStrike">
+                <a:latin typeface="맑은 고딕" charset="0"/>
+                <a:ea typeface="맑은 고딕" charset="0"/>
+              </a:rPr>
+              <a:t>텍스트를 입력하십시오</a:t>
+            </a:r>
+          </a:p>
+          <a:p>
+            <a:pPr marL="685800" indent="-228600" algn="l" fontAlgn="auto" defTabSz="914400" eaLnBrk="0">
+              <a:lnSpc>
+                <a:spcPct val="90000"/>
+              </a:lnSpc>
+              <a:spcBef>
+                <a:spcPts val="500"/>
+              </a:spcBef>
+              <a:spcAft>
+                <a:spcPts val="0"/>
+              </a:spcAft>
+              <a:buClr>
+                <a:srgbClr val="404040"/>
+              </a:buClr>
+              <a:buFont typeface="Arial"/>
+              <a:buChar char="•"/>
+            </a:pPr>
+            <a:r>
+              <a:rPr lang="en-US" altLang="ko-KR" sz="2400" cap="none" dirty="0" smtClean="0" b="0" strike="noStrike">
+                <a:latin typeface="맑은 고딕" charset="0"/>
+                <a:ea typeface="맑은 고딕" charset="0"/>
+              </a:rPr>
+              <a:t>둘째 수준</a:t>
+            </a:r>
+          </a:p>
+          <a:p>
+            <a:pPr marL="1143000" indent="-228600" algn="l" fontAlgn="auto" defTabSz="914400" eaLnBrk="0">
+              <a:lnSpc>
+                <a:spcPct val="90000"/>
+              </a:lnSpc>
+              <a:spcBef>
+                <a:spcPts val="500"/>
+              </a:spcBef>
+              <a:spcAft>
+                <a:spcPts val="0"/>
+              </a:spcAft>
+              <a:buClr>
+                <a:srgbClr val="404040"/>
+              </a:buClr>
+              <a:buFont typeface="Arial"/>
+              <a:buChar char="•"/>
+            </a:pPr>
+            <a:r>
+              <a:rPr lang="en-US" altLang="ko-KR" sz="2000" cap="none" dirty="0" smtClean="0" b="0" strike="noStrike">
+                <a:latin typeface="맑은 고딕" charset="0"/>
+                <a:ea typeface="맑은 고딕" charset="0"/>
+              </a:rPr>
+              <a:t>셋째 수준</a:t>
+            </a:r>
+          </a:p>
+          <a:p>
+            <a:pPr marL="1600200" indent="-228600" algn="l" fontAlgn="auto" defTabSz="914400" eaLnBrk="0">
+              <a:lnSpc>
+                <a:spcPct val="90000"/>
+              </a:lnSpc>
+              <a:spcBef>
+                <a:spcPts val="500"/>
+              </a:spcBef>
+              <a:spcAft>
+                <a:spcPts val="0"/>
+              </a:spcAft>
+              <a:buClr>
+                <a:srgbClr val="404040"/>
+              </a:buClr>
+              <a:buFont typeface="Arial"/>
+              <a:buChar char="•"/>
+            </a:pPr>
+            <a:r>
+              <a:rPr lang="en-US" altLang="ko-KR" sz="1800" cap="none" dirty="0" smtClean="0" b="0" strike="noStrike">
+                <a:latin typeface="맑은 고딕" charset="0"/>
+                <a:ea typeface="맑은 고딕" charset="0"/>
+              </a:rPr>
+              <a:t>넷째 수준</a:t>
+            </a:r>
+          </a:p>
+          <a:p>
+            <a:pPr marL="2057400" indent="-228600" algn="l" fontAlgn="auto" defTabSz="914400" eaLnBrk="0">
+              <a:lnSpc>
+                <a:spcPct val="90000"/>
+              </a:lnSpc>
+              <a:spcBef>
+                <a:spcPts val="500"/>
+              </a:spcBef>
+              <a:spcAft>
+                <a:spcPts val="0"/>
+              </a:spcAft>
+              <a:buClr>
+                <a:srgbClr val="404040"/>
+              </a:buClr>
+              <a:buFont typeface="Arial"/>
+              <a:buChar char="•"/>
+            </a:pPr>
+            <a:r>
+              <a:rPr lang="en-US" altLang="ko-KR" sz="1800" cap="none" dirty="0" smtClean="0" b="0" strike="noStrike">
+                <a:latin typeface="맑은 고딕" charset="0"/>
+                <a:ea typeface="맑은 고딕" charset="0"/>
+              </a:rPr>
+              <a:t>다섯째 수준</a:t>
+            </a:r>
+          </a:p>
+        </p:txBody>
+      </p:sp>
+      <p:sp>
+        <p:nvSpPr>
+          <p:cNvPr id="4" name="날짜 개체 틀 3"/>
+          <p:cNvSpPr txBox="1">
+            <a:spLocks/>
+          </p:cNvSpPr>
+          <p:nvPr>
+            <p:ph type="dt"/>
+          </p:nvPr>
+        </p:nvSpPr>
+        <p:spPr>
+          <a:xfrm rot="0">
+            <a:off x="838200" y="6356350"/>
+            <a:ext cx="2744470" cy="366395"/>
+          </a:xfrm>
+          <a:prstGeom prst="rect"/>
+        </p:spPr>
+        <p:txBody>
+          <a:bodyPr wrap="square" lIns="91440" tIns="45720" rIns="91440" bIns="45720" vert="horz" anchor="ctr">
+            <a:noAutofit/>
+          </a:bodyPr>
+          <a:lstStyle/>
+          <a:p>
+            <a:pPr marL="0" indent="0" algn="l" fontAlgn="auto" defTabSz="508000" eaLnBrk="0">
+              <a:lnSpc>
+                <a:spcPct val="100000"/>
+              </a:lnSpc>
+              <a:spcBef>
+                <a:spcPts val="0"/>
+              </a:spcBef>
+              <a:spcAft>
+                <a:spcPts val="0"/>
+              </a:spcAft>
+              <a:buFontTx/>
+              <a:buNone/>
+            </a:pPr>
+            <a:fld id="{B9320F77-B9A0-41C5-862A-B4B631284C64}" type="datetime1">
+              <a:rPr lang="en-GB" altLang="en-US" sz="1200" cap="none" dirty="0" smtClean="0" b="0" strike="noStrike">
+                <a:solidFill>
+                  <a:srgbClr val="898989"/>
+                </a:solidFill>
+                <a:latin typeface="맑은 고딕" charset="0"/>
+                <a:ea typeface="맑은 고딕" charset="0"/>
+              </a:rPr>
+              <a:t>9/13/2018</a:t>
+            </a:fld>
+          </a:p>
+        </p:txBody>
+      </p:sp>
+      <p:sp>
+        <p:nvSpPr>
+          <p:cNvPr id="5" name="바닥글 개체 틀 4"/>
+          <p:cNvSpPr txBox="1">
+            <a:spLocks/>
+          </p:cNvSpPr>
+          <p:nvPr>
+            <p:ph type="ftr"/>
+          </p:nvPr>
+        </p:nvSpPr>
+        <p:spPr>
+          <a:xfrm rot="0">
+            <a:off x="4038600" y="6356350"/>
+            <a:ext cx="4116070" cy="366395"/>
+          </a:xfrm>
+          <a:prstGeom prst="rect"/>
+        </p:spPr>
+        <p:txBody>
+          <a:bodyPr wrap="square" lIns="91440" tIns="45720" rIns="91440" bIns="45720" vert="horz" anchor="ctr">
+            <a:noAutofit/>
+          </a:bodyPr>
+          <a:lstStyle/>
+          <a:p>
+            <a:pPr marL="0" indent="0" algn="ctr" fontAlgn="auto" defTabSz="508000" eaLnBrk="0">
+              <a:lnSpc>
+                <a:spcPct val="100000"/>
+              </a:lnSpc>
+              <a:spcBef>
+                <a:spcPts val="0"/>
+              </a:spcBef>
+              <a:spcAft>
+                <a:spcPts val="0"/>
+              </a:spcAft>
+              <a:buFontTx/>
+              <a:buNone/>
+            </a:pPr>
+          </a:p>
+        </p:txBody>
+      </p:sp>
+      <p:sp>
+        <p:nvSpPr>
+          <p:cNvPr id="6" name="슬라이드 번호 개체 틀 5"/>
+          <p:cNvSpPr txBox="1">
+            <a:spLocks/>
+          </p:cNvSpPr>
+          <p:nvPr>
+            <p:ph type="sldNum"/>
+          </p:nvPr>
+        </p:nvSpPr>
+        <p:spPr>
+          <a:xfrm rot="0">
+            <a:off x="8610600" y="6356350"/>
+            <a:ext cx="2744470" cy="366395"/>
+          </a:xfrm>
+          <a:prstGeom prst="rect"/>
+        </p:spPr>
+        <p:txBody>
+          <a:bodyPr wrap="square" lIns="91440" tIns="45720" rIns="91440" bIns="45720" vert="horz" anchor="ctr">
+            <a:noAutofit/>
+          </a:bodyPr>
+          <a:lstStyle/>
+          <a:p>
+            <a:pPr marL="0" indent="0" algn="r" fontAlgn="auto" defTabSz="508000" eaLnBrk="0">
+              <a:lnSpc>
+                <a:spcPct val="100000"/>
+              </a:lnSpc>
+              <a:spcBef>
+                <a:spcPts val="0"/>
+              </a:spcBef>
+              <a:spcAft>
+                <a:spcPts val="0"/>
+              </a:spcAft>
+              <a:buFontTx/>
+              <a:buNone/>
+            </a:pPr>
+            <a:fld id="{B9320F77-B9A0-41C5-862A-B4B631284C64}" type="slidenum">
+              <a:rPr lang="en-US" altLang="ko-KR" sz="1200" cap="none" dirty="0" smtClean="0" b="0" strike="noStrike">
+                <a:solidFill>
+                  <a:srgbClr val="898989"/>
+                </a:solidFill>
+                <a:latin typeface="맑은 고딕" charset="0"/>
+                <a:ea typeface="맑은 고딕" charset="0"/>
+              </a:rPr>
+              <a:t>1</a:t>
+            </a:fld>
+          </a:p>
+        </p:txBody>
+      </p:sp>
+    </p:spTree>
+  </p:cSld>
+  <p:clrMapOvr>
+    <a:overrideClrMapping bg1="lt1" tx1="dk1" bg2="lt2" tx2="dk2" accent1="accent1" accent2="accent2" accent3="accent3" accent4="accent4" accent5="accent5" accent6="accent6" hlink="hlink" folHlink="folHlink"/>
+  </p:clrMapOvr>
+  <mc:AlternateContent xmlns:mc="http://schemas.openxmlformats.org/markup-compatibility/2006">
+    <mc:Choice xmlns:p14="http://schemas.microsoft.com/office/powerpoint/2010/main" Requires="p14">
+      <p:transition spd="slow" p14:dur="1000"/>
+    </mc:Choice>
+    <mc:Fallback>
+      <p:transition spd="slow"/>
+    </mc:Fallback>
+  </mc:AlternateContent>
 </p:sldLayout>
 </file>
 
@@ -9326,6 +13322,497 @@
 </p:sldMaster>
 </file>
 
+<file path=ppt/slideMasters/slideMaster3.xml><?xml version="1.0" encoding="utf-8"?>
+<p:sldMaster xmlns:a="http://schemas.openxmlformats.org/drawingml/2006/main" xmlns:r="http://schemas.openxmlformats.org/officeDocument/2006/relationships" xmlns:p="http://schemas.openxmlformats.org/presentationml/2006/main">
+  <p:cSld>
+    <p:bg>
+      <p:bgRef idx="1001">
+        <a:schemeClr val="bg1"/>
+      </p:bgRef>
+    </p:bg>
+    <p:spTree>
+      <p:nvGrpSpPr>
+        <p:cNvPr id="1" name=""/>
+        <p:cNvGrpSpPr/>
+        <p:nvPr/>
+      </p:nvGrpSpPr>
+      <p:grpSpPr>
+        <a:xfrm>
+          <a:off x="0" y="0"/>
+          <a:ext cx="0" cy="0"/>
+          <a:chOff x="0" y="0"/>
+          <a:chExt cx="0" cy="0"/>
+        </a:xfrm>
+      </p:grpSpPr>
+      <p:pic>
+        <p:nvPicPr>
+          <p:cNvPr id="7" name="그림 6" descr="C:/Users/Yeom Seoung Yun/AppData/Roaming/PolarisOffice/ETemp/5292_7955504/fImage58372278467.png"/>
+          <p:cNvPicPr>
+            <a:picLocks noChangeAspect="1"/>
+          </p:cNvPicPr>
+          <p:nvPr/>
+        </p:nvPicPr>
+        <p:blipFill rotWithShape="1">
+          <a:blip r:embed="rId12">
+            <a:extLst>
+              <a:ext uri="{28A0092B-C50C-407E-A947-70E740481C1C}">
+                <a14:useLocalDpi xmlns:a14="http://schemas.microsoft.com/office/drawing/2010/main" val="0"/>
+              </a:ext>
+            </a:extLst>
+          </a:blip>
+          <a:srcRect/>
+          <a:stretch>
+            <a:fillRect/>
+          </a:stretch>
+        </p:blipFill>
+        <p:spPr>
+          <a:xfrm rot="0">
+            <a:off x="0" y="0"/>
+            <a:ext cx="12193270" cy="6859270"/>
+          </a:xfrm>
+          <a:prstGeom prst="rect"/>
+          <a:noFill/>
+        </p:spPr>
+      </p:pic>
+      <p:sp>
+        <p:nvSpPr>
+          <p:cNvPr id="2" name="텍스트 개체 틀 1"/>
+          <p:cNvSpPr txBox="1">
+            <a:spLocks/>
+          </p:cNvSpPr>
+          <p:nvPr>
+            <p:ph type="title"/>
+          </p:nvPr>
+        </p:nvSpPr>
+        <p:spPr>
+          <a:xfrm rot="0">
+            <a:off x="838200" y="365125"/>
+            <a:ext cx="10516870" cy="1327150"/>
+          </a:xfrm>
+          <a:prstGeom prst="rect"/>
+        </p:spPr>
+        <p:txBody>
+          <a:bodyPr wrap="square" lIns="91440" tIns="45720" rIns="91440" bIns="45720" vert="horz" anchor="ctr">
+            <a:normAutofit fontScale="100000" lnSpcReduction="0"/>
+          </a:bodyPr>
+          <a:lstStyle/>
+          <a:p>
+            <a:pPr marL="0" indent="0" algn="l" fontAlgn="auto" defTabSz="914400" eaLnBrk="0">
+              <a:lnSpc>
+                <a:spcPct val="90000"/>
+              </a:lnSpc>
+              <a:spcBef>
+                <a:spcPts val="0"/>
+              </a:spcBef>
+              <a:spcAft>
+                <a:spcPts val="0"/>
+              </a:spcAft>
+              <a:buFontTx/>
+              <a:buNone/>
+            </a:pPr>
+            <a:r>
+              <a:rPr lang="en-US" altLang="ko-KR" sz="4400" cap="none" dirty="0" smtClean="0" b="0" strike="noStrike">
+                <a:latin typeface="맑은 고딕" charset="0"/>
+                <a:ea typeface="맑은 고딕" charset="0"/>
+              </a:rPr>
+              <a:t>마스터 제목 스타일 편집</a:t>
+            </a:r>
+          </a:p>
+        </p:txBody>
+      </p:sp>
+      <p:sp>
+        <p:nvSpPr>
+          <p:cNvPr id="3" name="텍스트 개체 틀 2"/>
+          <p:cNvSpPr txBox="1">
+            <a:spLocks/>
+          </p:cNvSpPr>
+          <p:nvPr>
+            <p:ph type="body"/>
+          </p:nvPr>
+        </p:nvSpPr>
+        <p:spPr>
+          <a:xfrm rot="0">
+            <a:off x="838200" y="1825625"/>
+            <a:ext cx="10516870" cy="4352925"/>
+          </a:xfrm>
+          <a:prstGeom prst="rect"/>
+        </p:spPr>
+        <p:txBody>
+          <a:bodyPr wrap="square" lIns="91440" tIns="45720" rIns="91440" bIns="45720" vert="horz" anchor="t">
+            <a:normAutofit fontScale="100000" lnSpcReduction="0"/>
+          </a:bodyPr>
+          <a:lstStyle/>
+          <a:p>
+            <a:pPr marL="228600" indent="-228600" algn="l" fontAlgn="auto" defTabSz="914400" eaLnBrk="0">
+              <a:lnSpc>
+                <a:spcPct val="90000"/>
+              </a:lnSpc>
+              <a:spcBef>
+                <a:spcPts val="1000"/>
+              </a:spcBef>
+              <a:spcAft>
+                <a:spcPts val="0"/>
+              </a:spcAft>
+              <a:buClr>
+                <a:srgbClr val="404040"/>
+              </a:buClr>
+              <a:buFont typeface="Arial"/>
+              <a:buChar char="•"/>
+            </a:pPr>
+            <a:r>
+              <a:rPr lang="en-US" altLang="ko-KR" sz="2800" cap="none" dirty="0" smtClean="0" b="0" strike="noStrike">
+                <a:latin typeface="맑은 고딕" charset="0"/>
+                <a:ea typeface="맑은 고딕" charset="0"/>
+              </a:rPr>
+              <a:t>마스터 부제목 스타일 편집</a:t>
+            </a:r>
+          </a:p>
+          <a:p>
+            <a:pPr marL="685800" indent="-228600" algn="l" fontAlgn="auto" defTabSz="914400" eaLnBrk="0">
+              <a:lnSpc>
+                <a:spcPct val="90000"/>
+              </a:lnSpc>
+              <a:spcBef>
+                <a:spcPts val="500"/>
+              </a:spcBef>
+              <a:spcAft>
+                <a:spcPts val="0"/>
+              </a:spcAft>
+              <a:buClr>
+                <a:srgbClr val="404040"/>
+              </a:buClr>
+              <a:buFont typeface="Arial"/>
+              <a:buChar char="•"/>
+            </a:pPr>
+            <a:r>
+              <a:rPr lang="en-US" altLang="ko-KR" sz="2400" cap="none" dirty="0" smtClean="0" b="0" strike="noStrike">
+                <a:latin typeface="맑은 고딕" charset="0"/>
+                <a:ea typeface="맑은 고딕" charset="0"/>
+              </a:rPr>
+              <a:t>둘째 수준</a:t>
+            </a:r>
+          </a:p>
+          <a:p>
+            <a:pPr marL="1143000" indent="-228600" algn="l" fontAlgn="auto" defTabSz="914400" eaLnBrk="0">
+              <a:lnSpc>
+                <a:spcPct val="90000"/>
+              </a:lnSpc>
+              <a:spcBef>
+                <a:spcPts val="500"/>
+              </a:spcBef>
+              <a:spcAft>
+                <a:spcPts val="0"/>
+              </a:spcAft>
+              <a:buClr>
+                <a:srgbClr val="404040"/>
+              </a:buClr>
+              <a:buFont typeface="Arial"/>
+              <a:buChar char="•"/>
+            </a:pPr>
+            <a:r>
+              <a:rPr lang="en-US" altLang="ko-KR" sz="2000" cap="none" dirty="0" smtClean="0" b="0" strike="noStrike">
+                <a:latin typeface="맑은 고딕" charset="0"/>
+                <a:ea typeface="맑은 고딕" charset="0"/>
+              </a:rPr>
+              <a:t>셋째 수준</a:t>
+            </a:r>
+          </a:p>
+          <a:p>
+            <a:pPr marL="1600200" indent="-228600" algn="l" fontAlgn="auto" defTabSz="914400" eaLnBrk="0">
+              <a:lnSpc>
+                <a:spcPct val="90000"/>
+              </a:lnSpc>
+              <a:spcBef>
+                <a:spcPts val="500"/>
+              </a:spcBef>
+              <a:spcAft>
+                <a:spcPts val="0"/>
+              </a:spcAft>
+              <a:buClr>
+                <a:srgbClr val="404040"/>
+              </a:buClr>
+              <a:buFont typeface="Arial"/>
+              <a:buChar char="•"/>
+            </a:pPr>
+            <a:r>
+              <a:rPr lang="en-US" altLang="ko-KR" sz="1800" cap="none" dirty="0" smtClean="0" b="0" strike="noStrike">
+                <a:latin typeface="맑은 고딕" charset="0"/>
+                <a:ea typeface="맑은 고딕" charset="0"/>
+              </a:rPr>
+              <a:t>넷째 수준</a:t>
+            </a:r>
+          </a:p>
+          <a:p>
+            <a:pPr marL="2057400" indent="-228600" algn="l" fontAlgn="auto" defTabSz="914400" eaLnBrk="0">
+              <a:lnSpc>
+                <a:spcPct val="90000"/>
+              </a:lnSpc>
+              <a:spcBef>
+                <a:spcPts val="500"/>
+              </a:spcBef>
+              <a:spcAft>
+                <a:spcPts val="0"/>
+              </a:spcAft>
+              <a:buClr>
+                <a:srgbClr val="404040"/>
+              </a:buClr>
+              <a:buFont typeface="Arial"/>
+              <a:buChar char="•"/>
+            </a:pPr>
+            <a:r>
+              <a:rPr lang="en-US" altLang="ko-KR" sz="1800" cap="none" dirty="0" smtClean="0" b="0" strike="noStrike">
+                <a:latin typeface="맑은 고딕" charset="0"/>
+                <a:ea typeface="맑은 고딕" charset="0"/>
+              </a:rPr>
+              <a:t>다섯째 수준</a:t>
+            </a:r>
+          </a:p>
+        </p:txBody>
+      </p:sp>
+      <p:sp>
+        <p:nvSpPr>
+          <p:cNvPr id="4" name="날짜 개체 틀 3"/>
+          <p:cNvSpPr txBox="1">
+            <a:spLocks/>
+          </p:cNvSpPr>
+          <p:nvPr>
+            <p:ph type="dt"/>
+          </p:nvPr>
+        </p:nvSpPr>
+        <p:spPr>
+          <a:xfrm rot="0">
+            <a:off x="838200" y="6356350"/>
+            <a:ext cx="2744470" cy="366395"/>
+          </a:xfrm>
+          <a:prstGeom prst="rect"/>
+        </p:spPr>
+        <p:txBody>
+          <a:bodyPr wrap="square" lIns="91440" tIns="45720" rIns="91440" bIns="45720" vert="horz" anchor="ctr">
+            <a:noAutofit/>
+          </a:bodyPr>
+          <a:lstStyle/>
+          <a:p>
+            <a:pPr marL="0" indent="0" algn="l" fontAlgn="auto" defTabSz="508000" eaLnBrk="0">
+              <a:lnSpc>
+                <a:spcPct val="100000"/>
+              </a:lnSpc>
+              <a:spcBef>
+                <a:spcPts val="0"/>
+              </a:spcBef>
+              <a:spcAft>
+                <a:spcPts val="0"/>
+              </a:spcAft>
+              <a:buFontTx/>
+              <a:buNone/>
+            </a:pPr>
+            <a:fld id="{B9320F77-B9A0-41C5-862A-B4B631284C64}" type="datetime1">
+              <a:rPr lang="en-GB" altLang="en-US" sz="1200" cap="none" dirty="0" smtClean="0" b="0" strike="noStrike">
+                <a:solidFill>
+                  <a:srgbClr val="898989"/>
+                </a:solidFill>
+                <a:latin typeface="맑은 고딕" charset="0"/>
+                <a:ea typeface="맑은 고딕" charset="0"/>
+              </a:rPr>
+              <a:t>9/13/2018</a:t>
+            </a:fld>
+          </a:p>
+        </p:txBody>
+      </p:sp>
+      <p:sp>
+        <p:nvSpPr>
+          <p:cNvPr id="5" name="바닥글 개체 틀 4"/>
+          <p:cNvSpPr txBox="1">
+            <a:spLocks/>
+          </p:cNvSpPr>
+          <p:nvPr>
+            <p:ph type="ftr"/>
+          </p:nvPr>
+        </p:nvSpPr>
+        <p:spPr>
+          <a:xfrm rot="0">
+            <a:off x="4038600" y="6356350"/>
+            <a:ext cx="4116070" cy="366395"/>
+          </a:xfrm>
+          <a:prstGeom prst="rect"/>
+        </p:spPr>
+        <p:txBody>
+          <a:bodyPr wrap="square" lIns="91440" tIns="45720" rIns="91440" bIns="45720" vert="horz" anchor="ctr">
+            <a:noAutofit/>
+          </a:bodyPr>
+          <a:lstStyle/>
+          <a:p>
+            <a:pPr marL="0" indent="0" algn="ctr" fontAlgn="auto" defTabSz="508000" eaLnBrk="0">
+              <a:lnSpc>
+                <a:spcPct val="100000"/>
+              </a:lnSpc>
+              <a:spcBef>
+                <a:spcPts val="0"/>
+              </a:spcBef>
+              <a:spcAft>
+                <a:spcPts val="0"/>
+              </a:spcAft>
+              <a:buFontTx/>
+              <a:buNone/>
+            </a:pPr>
+          </a:p>
+        </p:txBody>
+      </p:sp>
+      <p:sp>
+        <p:nvSpPr>
+          <p:cNvPr id="6" name="슬라이드 번호 개체 틀 5"/>
+          <p:cNvSpPr txBox="1">
+            <a:spLocks/>
+          </p:cNvSpPr>
+          <p:nvPr>
+            <p:ph type="sldNum"/>
+          </p:nvPr>
+        </p:nvSpPr>
+        <p:spPr>
+          <a:xfrm rot="0">
+            <a:off x="8610600" y="6356350"/>
+            <a:ext cx="2744470" cy="366395"/>
+          </a:xfrm>
+          <a:prstGeom prst="rect"/>
+        </p:spPr>
+        <p:txBody>
+          <a:bodyPr wrap="square" lIns="91440" tIns="45720" rIns="91440" bIns="45720" vert="horz" anchor="ctr">
+            <a:noAutofit/>
+          </a:bodyPr>
+          <a:lstStyle/>
+          <a:p>
+            <a:pPr marL="0" indent="0" algn="r" fontAlgn="auto" defTabSz="508000" eaLnBrk="0">
+              <a:lnSpc>
+                <a:spcPct val="100000"/>
+              </a:lnSpc>
+              <a:spcBef>
+                <a:spcPts val="0"/>
+              </a:spcBef>
+              <a:spcAft>
+                <a:spcPts val="0"/>
+              </a:spcAft>
+              <a:buFontTx/>
+              <a:buNone/>
+            </a:pPr>
+            <a:fld id="{B9320F77-B9A0-41C5-862A-B4B631284C64}" type="slidenum">
+              <a:rPr lang="en-US" altLang="ko-KR" sz="1200" cap="none" dirty="0" smtClean="0" b="0" strike="noStrike">
+                <a:solidFill>
+                  <a:srgbClr val="898989"/>
+                </a:solidFill>
+                <a:latin typeface="맑은 고딕" charset="0"/>
+                <a:ea typeface="맑은 고딕" charset="0"/>
+              </a:rPr>
+              <a:t>1</a:t>
+            </a:fld>
+          </a:p>
+        </p:txBody>
+      </p:sp>
+    </p:spTree>
+  </p:cSld>
+  <p:clrMap bg1="lt1" tx1="dk1" bg2="lt2" tx2="dk2" accent1="accent1" accent2="accent2" accent3="accent3" accent4="accent4" accent5="accent5" accent6="accent6" hlink="hlink" folHlink="folHlink"/>
+  <p:sldLayoutIdLst>
+    <p:sldLayoutId id="2147483856" r:id="rId1"/>
+    <p:sldLayoutId id="2147483857" r:id="rId2"/>
+    <p:sldLayoutId id="2147483858" r:id="rId3"/>
+    <p:sldLayoutId id="2147483859" r:id="rId4"/>
+    <p:sldLayoutId id="2147483860" r:id="rId5"/>
+    <p:sldLayoutId id="2147483861" r:id="rId6"/>
+    <p:sldLayoutId id="2147483862" r:id="rId7"/>
+    <p:sldLayoutId id="2147483863" r:id="rId8"/>
+    <p:sldLayoutId id="2147483864" r:id="rId9"/>
+    <p:sldLayoutId id="2147483865" r:id="rId10"/>
+    <p:sldLayoutId id="2147483866" r:id="rId11"/>
+  </p:sldLayoutIdLst>
+  <mc:AlternateContent xmlns:mc="http://schemas.openxmlformats.org/markup-compatibility/2006">
+    <mc:Choice xmlns:p14="http://schemas.microsoft.com/office/powerpoint/2010/main" Requires="p14">
+      <p:transition spd="slow" p14:dur="2000"/>
+    </mc:Choice>
+    <mc:Fallback>
+      <p:transition spd="slow"/>
+    </mc:Fallback>
+  </mc:AlternateContent>
+  <p:txStyles>
+    <p:titleStyle>
+      <a:lvl1pPr algn="ctr" marL="0" indent="0" defTabSz="914400" latinLnBrk="1">
+        <a:buNone/>
+        <a:defRPr lang="ko-KR" smtClean="0" sz="4400" baseline="0">
+          <a:solidFill>
+            <a:srgbClr val="000000"/>
+          </a:solidFill>
+          <a:latin typeface="+mn-lt"/>
+          <a:ea typeface="+mn-ea"/>
+          <a:cs typeface="+mn-cs"/>
+        </a:defRPr>
+      </a:lvl1pPr>
+    </p:titleStyle>
+    <p:bodyStyle>
+      <a:lvl1pPr algn="l" marL="342900" indent="-342900" defTabSz="914400" latinLnBrk="1">
+        <a:spcBef>
+          <a:spcPct val="20000"/>
+        </a:spcBef>
+        <a:buFont typeface="Arial"/>
+        <a:buChar char="•"/>
+        <a:defRPr lang="ko-KR" smtClean="0" sz="2800" baseline="0">
+          <a:solidFill>
+            <a:srgbClr val="000000"/>
+          </a:solidFill>
+          <a:latin typeface="+mn-lt"/>
+          <a:ea typeface="+mn-ea"/>
+          <a:cs typeface="+mn-cs"/>
+        </a:defRPr>
+      </a:lvl1pPr>
+      <a:lvl2pPr lvl="1" marL="742950" indent="-285750" defTabSz="914400" latinLnBrk="1">
+        <a:buChar char="-"/>
+        <a:defRPr lang="ko-KR" smtClean="0" sz="2400"/>
+      </a:lvl2pPr>
+      <a:lvl3pPr lvl="2" marL="1143000" indent="-228600" defTabSz="914400" latinLnBrk="1">
+        <a:buChar char="●"/>
+        <a:defRPr lang="ko-KR" smtClean="0" sz="2000"/>
+      </a:lvl3pPr>
+      <a:lvl4pPr lvl="3" marL="1600200" indent="-228600" defTabSz="914400" latinLnBrk="1">
+        <a:buChar char="-"/>
+        <a:defRPr lang="ko-KR" smtClean="0" sz="1800"/>
+      </a:lvl4pPr>
+      <a:lvl5pPr lvl="4" marL="2057400" indent="-228600" defTabSz="914400" latinLnBrk="1">
+        <a:buChar char="»"/>
+        <a:defRPr lang="ko-KR" smtClean="0" sz="1800"/>
+      </a:lvl5pPr>
+    </p:bodyStyle>
+    <p:otherStyle>
+      <a:lvl1pPr algn="l" marL="0" indent="0" defTabSz="914400" latinLnBrk="1">
+        <a:buNone/>
+        <a:defRPr lang="ko-KR" smtClean="0" sz="1800" baseline="0">
+          <a:solidFill>
+            <a:srgbClr val="000000"/>
+          </a:solidFill>
+          <a:latin typeface="+mn-lt"/>
+          <a:ea typeface="+mn-ea"/>
+          <a:cs typeface="+mn-cs"/>
+        </a:defRPr>
+      </a:lvl1pPr>
+      <a:lvl2pPr lvl="1" marL="457200" indent="0" defTabSz="914400" latinLnBrk="1">
+        <a:defRPr lang="ko-KR" smtClean="0"/>
+      </a:lvl2pPr>
+      <a:lvl3pPr lvl="2" marL="914400" indent="0" defTabSz="914400" latinLnBrk="1">
+        <a:defRPr lang="ko-KR" smtClean="0"/>
+      </a:lvl3pPr>
+      <a:lvl4pPr lvl="3" marL="1371600" indent="0" defTabSz="914400" latinLnBrk="1">
+        <a:defRPr lang="ko-KR" smtClean="0"/>
+      </a:lvl4pPr>
+      <a:lvl5pPr lvl="4" marL="1828800" indent="0" defTabSz="914400" latinLnBrk="1">
+        <a:defRPr lang="ko-KR" smtClean="0"/>
+      </a:lvl5pPr>
+    </p:otherStyle>
+  </p:txStyles>
+  <p:timing>
+    <p:tnLst>
+      <p:par>
+        <p:cTn id="1" dur="indefinite" restart="never" nodeType="tmRoot"/>
+      </p:par>
+    </p:tnLst>
+  </p:timing>
+</p:sldMaster>
+</file>
+
 <file path=ppt/slides/slide1.xml><?xml version="1.0" encoding="utf-8"?>
 <p:sld xmlns:a="http://schemas.openxmlformats.org/drawingml/2006/main" xmlns:r="http://schemas.openxmlformats.org/officeDocument/2006/relationships" xmlns:p="http://schemas.openxmlformats.org/presentationml/2006/main" xmlns:p14="http://schemas.microsoft.com/office/powerpoint/2010/main">
   <p:cSld>
@@ -9533,6 +14020,3964 @@
 </file>
 
 <file path=ppt/slides/slide10.xml><?xml version="1.0" encoding="utf-8"?>
+<p:sld xmlns:a="http://schemas.openxmlformats.org/drawingml/2006/main" xmlns:r="http://schemas.openxmlformats.org/officeDocument/2006/relationships" xmlns:p="http://schemas.openxmlformats.org/presentationml/2006/main">
+  <p:cSld>
+    <p:spTree>
+      <p:nvGrpSpPr>
+        <p:cNvPr id="1" name=""/>
+        <p:cNvGrpSpPr/>
+        <p:nvPr/>
+      </p:nvGrpSpPr>
+      <p:grpSpPr>
+        <a:xfrm>
+          <a:off x="0" y="0"/>
+          <a:ext cx="0" cy="0"/>
+          <a:chOff x="0" y="0"/>
+          <a:chExt cx="0" cy="0"/>
+        </a:xfrm>
+      </p:grpSpPr>
+      <p:sp>
+        <p:nvSpPr>
+          <p:cNvPr id="2" name="텍스트 개체 틀 1"/>
+          <p:cNvSpPr txBox="1">
+            <a:spLocks/>
+          </p:cNvSpPr>
+          <p:nvPr>
+            <p:ph type="title"/>
+          </p:nvPr>
+        </p:nvSpPr>
+        <p:spPr>
+          <a:xfrm rot="0">
+            <a:off x="838200" y="365125"/>
+            <a:ext cx="10518775" cy="1329055"/>
+          </a:xfrm>
+          <a:prstGeom prst="rect"/>
+        </p:spPr>
+        <p:txBody>
+          <a:bodyPr wrap="square" lIns="91440" tIns="45720" rIns="91440" bIns="45720" vert="horz" anchor="ctr">
+            <a:normAutofit fontScale="100000" lnSpcReduction="0"/>
+          </a:bodyPr>
+          <a:lstStyle/>
+          <a:p>
+            <a:pPr marL="0" indent="0" algn="l" fontAlgn="auto" defTabSz="914400" eaLnBrk="0">
+              <a:lnSpc>
+                <a:spcPct val="90000"/>
+              </a:lnSpc>
+              <a:spcBef>
+                <a:spcPts val="0"/>
+              </a:spcBef>
+              <a:spcAft>
+                <a:spcPts val="0"/>
+              </a:spcAft>
+              <a:buFontTx/>
+              <a:buNone/>
+            </a:pPr>
+            <a:r>
+              <a:rPr lang="en-US" altLang="ko-KR" sz="4400" cap="none" dirty="0" smtClean="0" b="0" strike="noStrike">
+                <a:latin typeface="맑은 고딕" charset="0"/>
+                <a:ea typeface="맑은 고딕" charset="0"/>
+              </a:rPr>
+              <a:t>data structure</a:t>
+            </a:r>
+            <a:endParaRPr lang="ko-KR" altLang="en-US" sz="4400" cap="none" dirty="0" smtClean="0" b="0" strike="noStrike">
+              <a:latin typeface="맑은 고딕" charset="0"/>
+              <a:ea typeface="맑은 고딕" charset="0"/>
+            </a:endParaRPr>
+          </a:p>
+        </p:txBody>
+      </p:sp>
+      <p:sp>
+        <p:nvSpPr>
+          <p:cNvPr id="3" name="내용 개체 틀 2"/>
+          <p:cNvSpPr txBox="1">
+            <a:spLocks/>
+          </p:cNvSpPr>
+          <p:nvPr>
+            <p:ph type="obj"/>
+          </p:nvPr>
+        </p:nvSpPr>
+        <p:spPr>
+          <a:xfrm rot="0">
+            <a:off x="838200" y="1813560"/>
+            <a:ext cx="3749675" cy="4355465"/>
+          </a:xfrm>
+          <a:prstGeom prst="rect"/>
+        </p:spPr>
+        <p:txBody>
+          <a:bodyPr wrap="square" lIns="91440" tIns="45720" rIns="91440" bIns="45720" vert="horz" anchor="t">
+            <a:normAutofit fontScale="100000" lnSpcReduction="0"/>
+          </a:bodyPr>
+          <a:lstStyle/>
+          <a:p>
+            <a:pPr marL="228600" indent="-228600" algn="l" fontAlgn="auto" defTabSz="914400" eaLnBrk="0">
+              <a:lnSpc>
+                <a:spcPct val="90000"/>
+              </a:lnSpc>
+              <a:spcBef>
+                <a:spcPts val="1000"/>
+              </a:spcBef>
+              <a:spcAft>
+                <a:spcPts val="0"/>
+              </a:spcAft>
+              <a:buClr>
+                <a:srgbClr val="404040"/>
+              </a:buClr>
+              <a:buFont typeface="Arial"/>
+              <a:buChar char="•"/>
+            </a:pPr>
+            <a:r>
+              <a:rPr lang="en-US" altLang="ko-KR" sz="2000" cap="none" dirty="0" smtClean="0" b="0" strike="noStrike">
+                <a:solidFill>
+                  <a:srgbClr val="373A3C"/>
+                </a:solidFill>
+                <a:latin typeface="맑은 고딕" charset="0"/>
+                <a:ea typeface="맑은 고딕" charset="0"/>
+              </a:rPr>
+              <a:t>BFS</a:t>
+            </a:r>
+            <a:endParaRPr lang="ko-KR" altLang="en-US" sz="2000" cap="none" dirty="0" smtClean="0" b="0" strike="noStrike">
+              <a:solidFill>
+                <a:srgbClr val="373A3C"/>
+              </a:solidFill>
+              <a:latin typeface="맑은 고딕" charset="0"/>
+              <a:ea typeface="맑은 고딕" charset="0"/>
+            </a:endParaRPr>
+          </a:p>
+          <a:p>
+            <a:pPr marL="0" indent="0" algn="l" fontAlgn="auto" defTabSz="914400" eaLnBrk="0">
+              <a:lnSpc>
+                <a:spcPct val="90000"/>
+              </a:lnSpc>
+              <a:spcBef>
+                <a:spcPts val="1000"/>
+              </a:spcBef>
+              <a:spcAft>
+                <a:spcPts val="0"/>
+              </a:spcAft>
+              <a:buFontTx/>
+              <a:buNone/>
+            </a:pPr>
+            <a:endParaRPr lang="ko-KR" altLang="en-US" sz="2000" cap="none" dirty="0" smtClean="0" b="0" strike="noStrike">
+              <a:solidFill>
+                <a:srgbClr val="373A3C"/>
+              </a:solidFill>
+              <a:latin typeface="맑은 고딕" charset="0"/>
+              <a:ea typeface="맑은 고딕" charset="0"/>
+            </a:endParaRPr>
+          </a:p>
+          <a:p>
+            <a:pPr marL="228600" indent="-228600" algn="l" fontAlgn="auto" defTabSz="914400" eaLnBrk="0">
+              <a:lnSpc>
+                <a:spcPct val="90000"/>
+              </a:lnSpc>
+              <a:spcBef>
+                <a:spcPts val="1000"/>
+              </a:spcBef>
+              <a:spcAft>
+                <a:spcPts val="0"/>
+              </a:spcAft>
+              <a:buClr>
+                <a:srgbClr val="404040"/>
+              </a:buClr>
+              <a:buFont typeface="Arial"/>
+              <a:buChar char="•"/>
+            </a:pPr>
+            <a:endParaRPr lang="ko-KR" altLang="en-US" sz="2000" cap="none" dirty="0" smtClean="0" b="0" strike="noStrike">
+              <a:solidFill>
+                <a:schemeClr val="tx1">
+                  <a:lumMod val="75000"/>
+                  <a:lumOff val="25000"/>
+                </a:schemeClr>
+              </a:solidFill>
+              <a:latin typeface="맑은 고딕" charset="0"/>
+              <a:ea typeface="맑은 고딕" charset="0"/>
+            </a:endParaRPr>
+          </a:p>
+        </p:txBody>
+      </p:sp>
+      <p:sp>
+        <p:nvSpPr>
+          <p:cNvPr id="4" name="도형 3"/>
+          <p:cNvSpPr>
+            <a:spLocks/>
+          </p:cNvSpPr>
+          <p:nvPr/>
+        </p:nvSpPr>
+        <p:spPr>
+          <a:xfrm rot="0">
+            <a:off x="2317750" y="2027555"/>
+            <a:ext cx="387350" cy="387985"/>
+          </a:xfrm>
+          <a:prstGeom prst="ellipse"/>
+        </p:spPr>
+        <p:style>
+          <a:lnRef idx="2">
+            <a:schemeClr val="accent6">
+              <a:shade val="50000"/>
+            </a:schemeClr>
+          </a:lnRef>
+          <a:fillRef idx="1">
+            <a:schemeClr val="accent6"/>
+          </a:fillRef>
+          <a:effectRef idx="0">
+            <a:schemeClr val="accent6"/>
+          </a:effectRef>
+          <a:fontRef idx="minor">
+            <a:schemeClr val="lt1"/>
+          </a:fontRef>
+        </p:style>
+        <p:txBody>
+          <a:bodyPr wrap="square" lIns="91440" tIns="45720" rIns="91440" bIns="45720" vert="horz" anchor="ctr">
+            <a:noAutofit/>
+          </a:bodyPr>
+          <a:lstStyle/>
+          <a:p>
+            <a:pPr marL="0" indent="0" algn="ctr" fontAlgn="auto" defTabSz="508000" eaLnBrk="0">
+              <a:lnSpc>
+                <a:spcPct val="100000"/>
+              </a:lnSpc>
+              <a:spcBef>
+                <a:spcPts val="0"/>
+              </a:spcBef>
+              <a:spcAft>
+                <a:spcPts val="0"/>
+              </a:spcAft>
+              <a:buFontTx/>
+              <a:buNone/>
+            </a:pPr>
+            <a:r>
+              <a:rPr lang="en-US" altLang="ko-KR" sz="1800" cap="none" dirty="0" smtClean="0" b="0" strike="noStrike">
+                <a:latin typeface="맑은 고딕" charset="0"/>
+                <a:ea typeface="맑은 고딕" charset="0"/>
+              </a:rPr>
+              <a:t>A</a:t>
+            </a:r>
+            <a:endParaRPr lang="ko-KR" altLang="en-US" sz="1800" cap="none" dirty="0" smtClean="0" b="0" strike="noStrike">
+              <a:latin typeface="맑은 고딕" charset="0"/>
+              <a:ea typeface="맑은 고딕" charset="0"/>
+            </a:endParaRPr>
+          </a:p>
+        </p:txBody>
+      </p:sp>
+      <p:sp>
+        <p:nvSpPr>
+          <p:cNvPr id="5" name="도형 4"/>
+          <p:cNvSpPr>
+            <a:spLocks/>
+          </p:cNvSpPr>
+          <p:nvPr/>
+        </p:nvSpPr>
+        <p:spPr>
+          <a:xfrm rot="0">
+            <a:off x="1786255" y="2967990"/>
+            <a:ext cx="387350" cy="387985"/>
+          </a:xfrm>
+          <a:prstGeom prst="ellipse"/>
+        </p:spPr>
+        <p:style>
+          <a:lnRef idx="2">
+            <a:schemeClr val="accent1">
+              <a:shade val="50000"/>
+            </a:schemeClr>
+          </a:lnRef>
+          <a:fillRef idx="1">
+            <a:schemeClr val="accent1"/>
+          </a:fillRef>
+          <a:effectRef idx="0">
+            <a:schemeClr val="accent1"/>
+          </a:effectRef>
+          <a:fontRef idx="minor">
+            <a:schemeClr val="lt1"/>
+          </a:fontRef>
+        </p:style>
+        <p:txBody>
+          <a:bodyPr wrap="square" lIns="91440" tIns="45720" rIns="91440" bIns="45720" vert="horz" anchor="ctr">
+            <a:noAutofit/>
+          </a:bodyPr>
+          <a:lstStyle/>
+          <a:p>
+            <a:pPr marL="0" indent="0" algn="ctr" fontAlgn="auto" defTabSz="508000" eaLnBrk="0">
+              <a:lnSpc>
+                <a:spcPct val="100000"/>
+              </a:lnSpc>
+              <a:spcBef>
+                <a:spcPts val="0"/>
+              </a:spcBef>
+              <a:spcAft>
+                <a:spcPts val="0"/>
+              </a:spcAft>
+              <a:buFontTx/>
+              <a:buNone/>
+            </a:pPr>
+            <a:r>
+              <a:rPr lang="en-US" altLang="ko-KR" sz="1800" cap="none" dirty="0" smtClean="0" b="0" strike="noStrike">
+                <a:latin typeface="맑은 고딕" charset="0"/>
+                <a:ea typeface="맑은 고딕" charset="0"/>
+              </a:rPr>
+              <a:t>B</a:t>
+            </a:r>
+            <a:endParaRPr lang="ko-KR" altLang="en-US" sz="1800" cap="none" dirty="0" smtClean="0" b="0" strike="noStrike">
+              <a:latin typeface="맑은 고딕" charset="0"/>
+              <a:ea typeface="맑은 고딕" charset="0"/>
+            </a:endParaRPr>
+          </a:p>
+        </p:txBody>
+      </p:sp>
+      <p:sp>
+        <p:nvSpPr>
+          <p:cNvPr id="6" name="도형 5"/>
+          <p:cNvSpPr>
+            <a:spLocks/>
+          </p:cNvSpPr>
+          <p:nvPr/>
+        </p:nvSpPr>
+        <p:spPr>
+          <a:xfrm rot="0">
+            <a:off x="2305050" y="2955925"/>
+            <a:ext cx="387350" cy="387985"/>
+          </a:xfrm>
+          <a:prstGeom prst="ellipse"/>
+        </p:spPr>
+        <p:style>
+          <a:lnRef idx="2">
+            <a:schemeClr val="accent1">
+              <a:shade val="50000"/>
+            </a:schemeClr>
+          </a:lnRef>
+          <a:fillRef idx="1">
+            <a:schemeClr val="accent1"/>
+          </a:fillRef>
+          <a:effectRef idx="0">
+            <a:schemeClr val="accent1"/>
+          </a:effectRef>
+          <a:fontRef idx="minor">
+            <a:schemeClr val="lt1"/>
+          </a:fontRef>
+        </p:style>
+        <p:txBody>
+          <a:bodyPr wrap="square" lIns="91440" tIns="45720" rIns="91440" bIns="45720" vert="horz" anchor="ctr">
+            <a:noAutofit/>
+          </a:bodyPr>
+          <a:lstStyle/>
+          <a:p>
+            <a:pPr marL="0" indent="0" algn="ctr" fontAlgn="auto" defTabSz="508000" eaLnBrk="0">
+              <a:lnSpc>
+                <a:spcPct val="100000"/>
+              </a:lnSpc>
+              <a:spcBef>
+                <a:spcPts val="0"/>
+              </a:spcBef>
+              <a:spcAft>
+                <a:spcPts val="0"/>
+              </a:spcAft>
+              <a:buFontTx/>
+              <a:buNone/>
+            </a:pPr>
+            <a:r>
+              <a:rPr lang="en-US" altLang="ko-KR" sz="1800" cap="none" dirty="0" smtClean="0" b="0" strike="noStrike">
+                <a:latin typeface="맑은 고딕" charset="0"/>
+                <a:ea typeface="맑은 고딕" charset="0"/>
+              </a:rPr>
+              <a:t>C</a:t>
+            </a:r>
+            <a:endParaRPr lang="ko-KR" altLang="en-US" sz="1800" cap="none" dirty="0" smtClean="0" b="0" strike="noStrike">
+              <a:latin typeface="맑은 고딕" charset="0"/>
+              <a:ea typeface="맑은 고딕" charset="0"/>
+            </a:endParaRPr>
+          </a:p>
+        </p:txBody>
+      </p:sp>
+      <p:sp>
+        <p:nvSpPr>
+          <p:cNvPr id="7" name="도형 6"/>
+          <p:cNvSpPr>
+            <a:spLocks/>
+          </p:cNvSpPr>
+          <p:nvPr/>
+        </p:nvSpPr>
+        <p:spPr>
+          <a:xfrm rot="0">
+            <a:off x="2847975" y="2967990"/>
+            <a:ext cx="387350" cy="387985"/>
+          </a:xfrm>
+          <a:prstGeom prst="ellipse"/>
+        </p:spPr>
+        <p:style>
+          <a:lnRef idx="2">
+            <a:schemeClr val="accent1">
+              <a:shade val="50000"/>
+            </a:schemeClr>
+          </a:lnRef>
+          <a:fillRef idx="1">
+            <a:schemeClr val="accent1"/>
+          </a:fillRef>
+          <a:effectRef idx="0">
+            <a:schemeClr val="accent1"/>
+          </a:effectRef>
+          <a:fontRef idx="minor">
+            <a:schemeClr val="lt1"/>
+          </a:fontRef>
+        </p:style>
+        <p:txBody>
+          <a:bodyPr wrap="square" lIns="91440" tIns="45720" rIns="91440" bIns="45720" vert="horz" anchor="ctr">
+            <a:noAutofit/>
+          </a:bodyPr>
+          <a:lstStyle/>
+          <a:p>
+            <a:pPr marL="0" indent="0" algn="ctr" fontAlgn="auto" defTabSz="508000" eaLnBrk="0">
+              <a:lnSpc>
+                <a:spcPct val="100000"/>
+              </a:lnSpc>
+              <a:spcBef>
+                <a:spcPts val="0"/>
+              </a:spcBef>
+              <a:spcAft>
+                <a:spcPts val="0"/>
+              </a:spcAft>
+              <a:buFontTx/>
+              <a:buNone/>
+            </a:pPr>
+            <a:r>
+              <a:rPr lang="en-US" altLang="ko-KR" sz="1800" cap="none" dirty="0" smtClean="0" b="0" strike="noStrike">
+                <a:latin typeface="맑은 고딕" charset="0"/>
+                <a:ea typeface="맑은 고딕" charset="0"/>
+              </a:rPr>
+              <a:t>D</a:t>
+            </a:r>
+            <a:endParaRPr lang="ko-KR" altLang="en-US" sz="1800" cap="none" dirty="0" smtClean="0" b="0" strike="noStrike">
+              <a:latin typeface="맑은 고딕" charset="0"/>
+              <a:ea typeface="맑은 고딕" charset="0"/>
+            </a:endParaRPr>
+          </a:p>
+        </p:txBody>
+      </p:sp>
+      <p:sp>
+        <p:nvSpPr>
+          <p:cNvPr id="53" name="텍스트 상자 52"/>
+          <p:cNvSpPr txBox="1">
+            <a:spLocks/>
+          </p:cNvSpPr>
+          <p:nvPr/>
+        </p:nvSpPr>
+        <p:spPr>
+          <a:xfrm rot="0">
+            <a:off x="4816475" y="1918969"/>
+            <a:ext cx="542290" cy="370840"/>
+          </a:xfrm>
+          <a:prstGeom prst="rect"/>
+          <a:noFill/>
+          <a:ln w="0">
+            <a:noFill/>
+            <a:prstDash/>
+          </a:ln>
+        </p:spPr>
+        <p:txBody>
+          <a:bodyPr wrap="none" lIns="89535" tIns="46355" rIns="89535" bIns="46355" vert="horz" anchor="t">
+            <a:noAutofit/>
+          </a:bodyPr>
+          <a:lstStyle/>
+          <a:p>
+            <a:pPr marL="0" indent="0" algn="l" fontAlgn="auto" defTabSz="508000" eaLnBrk="0">
+              <a:lnSpc>
+                <a:spcPct val="100000"/>
+              </a:lnSpc>
+              <a:spcBef>
+                <a:spcPts val="0"/>
+              </a:spcBef>
+              <a:spcAft>
+                <a:spcPts val="0"/>
+              </a:spcAft>
+              <a:buFontTx/>
+              <a:buNone/>
+            </a:pPr>
+            <a:endParaRPr lang="ko-KR" altLang="en-US" sz="1800" cap="none" dirty="0" smtClean="0" b="0" strike="noStrike">
+              <a:latin typeface="맑은 고딕" charset="0"/>
+              <a:ea typeface="맑은 고딕" charset="0"/>
+            </a:endParaRPr>
+          </a:p>
+        </p:txBody>
+      </p:sp>
+      <p:sp>
+        <p:nvSpPr>
+          <p:cNvPr id="54" name="도형 53"/>
+          <p:cNvSpPr>
+            <a:spLocks/>
+          </p:cNvSpPr>
+          <p:nvPr/>
+        </p:nvSpPr>
+        <p:spPr>
+          <a:xfrm rot="0">
+            <a:off x="1097915" y="3727450"/>
+            <a:ext cx="387350" cy="387985"/>
+          </a:xfrm>
+          <a:prstGeom prst="ellipse"/>
+        </p:spPr>
+        <p:style>
+          <a:lnRef idx="2">
+            <a:schemeClr val="accent1">
+              <a:shade val="50000"/>
+            </a:schemeClr>
+          </a:lnRef>
+          <a:fillRef idx="1">
+            <a:schemeClr val="accent1"/>
+          </a:fillRef>
+          <a:effectRef idx="0">
+            <a:schemeClr val="accent1"/>
+          </a:effectRef>
+          <a:fontRef idx="minor">
+            <a:schemeClr val="lt1"/>
+          </a:fontRef>
+        </p:style>
+        <p:txBody>
+          <a:bodyPr wrap="square" lIns="91440" tIns="45720" rIns="91440" bIns="45720" vert="horz" anchor="ctr">
+            <a:noAutofit/>
+          </a:bodyPr>
+          <a:lstStyle/>
+          <a:p>
+            <a:pPr marL="0" indent="0" algn="ctr" fontAlgn="auto" defTabSz="508000" eaLnBrk="0">
+              <a:lnSpc>
+                <a:spcPct val="100000"/>
+              </a:lnSpc>
+              <a:spcBef>
+                <a:spcPts val="0"/>
+              </a:spcBef>
+              <a:spcAft>
+                <a:spcPts val="0"/>
+              </a:spcAft>
+              <a:buFontTx/>
+              <a:buNone/>
+            </a:pPr>
+            <a:r>
+              <a:rPr lang="en-US" altLang="ko-KR" sz="1800" cap="none" dirty="0" smtClean="0" b="0" strike="noStrike">
+                <a:latin typeface="맑은 고딕" charset="0"/>
+                <a:ea typeface="맑은 고딕" charset="0"/>
+              </a:rPr>
+              <a:t>E</a:t>
+            </a:r>
+            <a:endParaRPr lang="ko-KR" altLang="en-US" sz="1800" cap="none" dirty="0" smtClean="0" b="0" strike="noStrike">
+              <a:latin typeface="맑은 고딕" charset="0"/>
+              <a:ea typeface="맑은 고딕" charset="0"/>
+            </a:endParaRPr>
+          </a:p>
+        </p:txBody>
+      </p:sp>
+      <p:sp>
+        <p:nvSpPr>
+          <p:cNvPr id="55" name="도형 54"/>
+          <p:cNvSpPr>
+            <a:spLocks/>
+          </p:cNvSpPr>
+          <p:nvPr/>
+        </p:nvSpPr>
+        <p:spPr>
+          <a:xfrm rot="0">
+            <a:off x="1797685" y="3715385"/>
+            <a:ext cx="387350" cy="387985"/>
+          </a:xfrm>
+          <a:prstGeom prst="ellipse"/>
+        </p:spPr>
+        <p:style>
+          <a:lnRef idx="2">
+            <a:schemeClr val="accent1">
+              <a:shade val="50000"/>
+            </a:schemeClr>
+          </a:lnRef>
+          <a:fillRef idx="1">
+            <a:schemeClr val="accent1"/>
+          </a:fillRef>
+          <a:effectRef idx="0">
+            <a:schemeClr val="accent1"/>
+          </a:effectRef>
+          <a:fontRef idx="minor">
+            <a:schemeClr val="lt1"/>
+          </a:fontRef>
+        </p:style>
+        <p:txBody>
+          <a:bodyPr wrap="square" lIns="91440" tIns="45720" rIns="91440" bIns="45720" vert="horz" anchor="ctr">
+            <a:noAutofit/>
+          </a:bodyPr>
+          <a:lstStyle/>
+          <a:p>
+            <a:pPr marL="0" indent="0" algn="ctr" fontAlgn="auto" defTabSz="508000" eaLnBrk="0">
+              <a:lnSpc>
+                <a:spcPct val="100000"/>
+              </a:lnSpc>
+              <a:spcBef>
+                <a:spcPts val="0"/>
+              </a:spcBef>
+              <a:spcAft>
+                <a:spcPts val="0"/>
+              </a:spcAft>
+              <a:buFontTx/>
+              <a:buNone/>
+            </a:pPr>
+            <a:r>
+              <a:rPr lang="en-US" altLang="ko-KR" sz="1800" cap="none" dirty="0" smtClean="0" b="0" strike="noStrike">
+                <a:latin typeface="맑은 고딕" charset="0"/>
+                <a:ea typeface="맑은 고딕" charset="0"/>
+              </a:rPr>
+              <a:t>F</a:t>
+            </a:r>
+            <a:endParaRPr lang="ko-KR" altLang="en-US" sz="1800" cap="none" dirty="0" smtClean="0" b="0" strike="noStrike">
+              <a:latin typeface="맑은 고딕" charset="0"/>
+              <a:ea typeface="맑은 고딕" charset="0"/>
+            </a:endParaRPr>
+          </a:p>
+        </p:txBody>
+      </p:sp>
+      <p:sp>
+        <p:nvSpPr>
+          <p:cNvPr id="56" name="도형 55"/>
+          <p:cNvSpPr>
+            <a:spLocks/>
+          </p:cNvSpPr>
+          <p:nvPr/>
+        </p:nvSpPr>
+        <p:spPr>
+          <a:xfrm rot="0">
+            <a:off x="2509520" y="3727450"/>
+            <a:ext cx="387350" cy="387985"/>
+          </a:xfrm>
+          <a:prstGeom prst="ellipse"/>
+        </p:spPr>
+        <p:style>
+          <a:lnRef idx="2">
+            <a:schemeClr val="accent1">
+              <a:shade val="50000"/>
+            </a:schemeClr>
+          </a:lnRef>
+          <a:fillRef idx="1">
+            <a:schemeClr val="accent1"/>
+          </a:fillRef>
+          <a:effectRef idx="0">
+            <a:schemeClr val="accent1"/>
+          </a:effectRef>
+          <a:fontRef idx="minor">
+            <a:schemeClr val="lt1"/>
+          </a:fontRef>
+        </p:style>
+        <p:txBody>
+          <a:bodyPr wrap="square" lIns="91440" tIns="45720" rIns="91440" bIns="45720" vert="horz" anchor="ctr">
+            <a:noAutofit/>
+          </a:bodyPr>
+          <a:lstStyle/>
+          <a:p>
+            <a:pPr marL="0" indent="0" algn="ctr" fontAlgn="auto" defTabSz="508000" eaLnBrk="0">
+              <a:lnSpc>
+                <a:spcPct val="100000"/>
+              </a:lnSpc>
+              <a:spcBef>
+                <a:spcPts val="0"/>
+              </a:spcBef>
+              <a:spcAft>
+                <a:spcPts val="0"/>
+              </a:spcAft>
+              <a:buFontTx/>
+              <a:buNone/>
+            </a:pPr>
+            <a:r>
+              <a:rPr lang="en-US" altLang="ko-KR" sz="1800" cap="none" dirty="0" smtClean="0" b="0" strike="noStrike">
+                <a:latin typeface="맑은 고딕" charset="0"/>
+                <a:ea typeface="맑은 고딕" charset="0"/>
+              </a:rPr>
+              <a:t>G</a:t>
+            </a:r>
+            <a:endParaRPr lang="ko-KR" altLang="en-US" sz="1800" cap="none" dirty="0" smtClean="0" b="0" strike="noStrike">
+              <a:latin typeface="맑은 고딕" charset="0"/>
+              <a:ea typeface="맑은 고딕" charset="0"/>
+            </a:endParaRPr>
+          </a:p>
+        </p:txBody>
+      </p:sp>
+      <p:cxnSp>
+        <p:nvCxnSpPr>
+          <p:cNvPr id="57" name="도형 56"/>
+          <p:cNvCxnSpPr>
+            <a:stCxn id="5" idx="4"/>
+            <a:endCxn id="54" idx="0"/>
+          </p:cNvCxnSpPr>
+          <p:nvPr/>
+        </p:nvCxnSpPr>
+        <p:spPr>
+          <a:xfrm rot="0" flipH="1">
+            <a:off x="1290955" y="3354705"/>
+            <a:ext cx="689610" cy="374015"/>
+          </a:xfrm>
+          <a:prstGeom prst="line"/>
+          <a:ln w="6350" cap="flat" cmpd="sng">
+            <a:solidFill>
+              <a:schemeClr val="accent1">
+                <a:alpha val="100000"/>
+              </a:schemeClr>
+            </a:solidFill>
+            <a:prstDash val="solid"/>
+          </a:ln>
+        </p:spPr>
+        <p:style>
+          <a:lnRef idx="1">
+            <a:schemeClr val="accent1"/>
+          </a:lnRef>
+          <a:fillRef idx="0">
+            <a:schemeClr val="accent1"/>
+          </a:fillRef>
+          <a:effectRef idx="0">
+            <a:schemeClr val="accent1"/>
+          </a:effectRef>
+          <a:fontRef idx="minor">
+            <a:schemeClr val="tx1"/>
+          </a:fontRef>
+        </p:style>
+      </p:cxnSp>
+      <p:cxnSp>
+        <p:nvCxnSpPr>
+          <p:cNvPr id="58" name="도형 57"/>
+          <p:cNvCxnSpPr>
+            <a:stCxn id="5" idx="4"/>
+            <a:endCxn id="55" idx="0"/>
+          </p:cNvCxnSpPr>
+          <p:nvPr/>
+        </p:nvCxnSpPr>
+        <p:spPr>
+          <a:xfrm rot="0">
+            <a:off x="1979295" y="3354705"/>
+            <a:ext cx="12700" cy="361950"/>
+          </a:xfrm>
+          <a:prstGeom prst="line"/>
+          <a:ln w="6350" cap="flat" cmpd="sng">
+            <a:solidFill>
+              <a:schemeClr val="accent1">
+                <a:alpha val="100000"/>
+              </a:schemeClr>
+            </a:solidFill>
+            <a:prstDash val="solid"/>
+          </a:ln>
+        </p:spPr>
+        <p:style>
+          <a:lnRef idx="1">
+            <a:schemeClr val="accent1"/>
+          </a:lnRef>
+          <a:fillRef idx="0">
+            <a:schemeClr val="accent1"/>
+          </a:fillRef>
+          <a:effectRef idx="0">
+            <a:schemeClr val="accent1"/>
+          </a:effectRef>
+          <a:fontRef idx="minor">
+            <a:schemeClr val="tx1"/>
+          </a:fontRef>
+        </p:style>
+      </p:cxnSp>
+      <p:cxnSp>
+        <p:nvCxnSpPr>
+          <p:cNvPr id="59" name="도형 58"/>
+          <p:cNvCxnSpPr>
+            <a:stCxn id="6" idx="4"/>
+            <a:endCxn id="56" idx="0"/>
+          </p:cNvCxnSpPr>
+          <p:nvPr/>
+        </p:nvCxnSpPr>
+        <p:spPr>
+          <a:xfrm rot="0">
+            <a:off x="2498090" y="3342640"/>
+            <a:ext cx="205740" cy="386080"/>
+          </a:xfrm>
+          <a:prstGeom prst="line"/>
+          <a:ln w="6350" cap="flat" cmpd="sng">
+            <a:solidFill>
+              <a:schemeClr val="accent1">
+                <a:alpha val="100000"/>
+              </a:schemeClr>
+            </a:solidFill>
+            <a:prstDash val="solid"/>
+          </a:ln>
+        </p:spPr>
+        <p:style>
+          <a:lnRef idx="1">
+            <a:schemeClr val="accent1"/>
+          </a:lnRef>
+          <a:fillRef idx="0">
+            <a:schemeClr val="accent1"/>
+          </a:fillRef>
+          <a:effectRef idx="0">
+            <a:schemeClr val="accent1"/>
+          </a:effectRef>
+          <a:fontRef idx="minor">
+            <a:schemeClr val="tx1"/>
+          </a:fontRef>
+        </p:style>
+      </p:cxnSp>
+      <p:cxnSp>
+        <p:nvCxnSpPr>
+          <p:cNvPr id="60" name="도형 59"/>
+          <p:cNvCxnSpPr>
+            <a:stCxn id="4" idx="4"/>
+            <a:endCxn id="5" idx="0"/>
+          </p:cNvCxnSpPr>
+          <p:nvPr/>
+        </p:nvCxnSpPr>
+        <p:spPr>
+          <a:xfrm rot="0" flipH="1">
+            <a:off x="1979295" y="2414270"/>
+            <a:ext cx="532765" cy="554990"/>
+          </a:xfrm>
+          <a:prstGeom prst="straightConnector1"/>
+          <a:ln w="6350" cap="flat" cmpd="sng">
+            <a:solidFill>
+              <a:schemeClr val="accent1">
+                <a:alpha val="100000"/>
+              </a:schemeClr>
+            </a:solidFill>
+            <a:prstDash/>
+            <a:tailEnd type="triangle" w="med" len="med"/>
+          </a:ln>
+        </p:spPr>
+        <p:style>
+          <a:lnRef idx="1">
+            <a:schemeClr val="accent1"/>
+          </a:lnRef>
+          <a:fillRef idx="0">
+            <a:schemeClr val="accent1"/>
+          </a:fillRef>
+          <a:effectRef idx="0">
+            <a:schemeClr val="accent1"/>
+          </a:effectRef>
+          <a:fontRef idx="minor">
+            <a:schemeClr val="tx1"/>
+          </a:fontRef>
+        </p:style>
+      </p:cxnSp>
+      <p:cxnSp>
+        <p:nvCxnSpPr>
+          <p:cNvPr id="62" name="도형 61"/>
+          <p:cNvCxnSpPr>
+            <a:stCxn id="4" idx="4"/>
+            <a:endCxn id="7" idx="0"/>
+          </p:cNvCxnSpPr>
+          <p:nvPr/>
+        </p:nvCxnSpPr>
+        <p:spPr>
+          <a:xfrm rot="0">
+            <a:off x="2510790" y="2414270"/>
+            <a:ext cx="531495" cy="554990"/>
+          </a:xfrm>
+          <a:prstGeom prst="straightConnector1"/>
+          <a:ln w="6350" cap="flat" cmpd="sng">
+            <a:solidFill>
+              <a:schemeClr val="accent1">
+                <a:alpha val="100000"/>
+              </a:schemeClr>
+            </a:solidFill>
+            <a:prstDash val="solid"/>
+            <a:tailEnd type="triangle" w="med" len="med"/>
+          </a:ln>
+        </p:spPr>
+        <p:style>
+          <a:lnRef idx="1">
+            <a:schemeClr val="accent1"/>
+          </a:lnRef>
+          <a:fillRef idx="0">
+            <a:schemeClr val="accent1"/>
+          </a:fillRef>
+          <a:effectRef idx="0">
+            <a:schemeClr val="accent1"/>
+          </a:effectRef>
+          <a:fontRef idx="minor">
+            <a:schemeClr val="tx1"/>
+          </a:fontRef>
+        </p:style>
+      </p:cxnSp>
+      <p:cxnSp>
+        <p:nvCxnSpPr>
+          <p:cNvPr id="63" name="도형 62"/>
+          <p:cNvCxnSpPr>
+            <a:stCxn id="5" idx="4"/>
+            <a:endCxn id="54" idx="0"/>
+          </p:cNvCxnSpPr>
+          <p:nvPr/>
+        </p:nvCxnSpPr>
+        <p:spPr>
+          <a:xfrm rot="0" flipH="1">
+            <a:off x="1290955" y="3354705"/>
+            <a:ext cx="689610" cy="374015"/>
+          </a:xfrm>
+          <a:prstGeom prst="straightConnector1"/>
+          <a:ln w="6350" cap="flat" cmpd="sng">
+            <a:solidFill>
+              <a:schemeClr val="accent1">
+                <a:alpha val="100000"/>
+              </a:schemeClr>
+            </a:solidFill>
+            <a:prstDash val="solid"/>
+            <a:tailEnd type="triangle" w="med" len="med"/>
+          </a:ln>
+        </p:spPr>
+        <p:style>
+          <a:lnRef idx="1">
+            <a:schemeClr val="accent1"/>
+          </a:lnRef>
+          <a:fillRef idx="0">
+            <a:schemeClr val="accent1"/>
+          </a:fillRef>
+          <a:effectRef idx="0">
+            <a:schemeClr val="accent1"/>
+          </a:effectRef>
+          <a:fontRef idx="minor">
+            <a:schemeClr val="tx1"/>
+          </a:fontRef>
+        </p:style>
+      </p:cxnSp>
+      <p:cxnSp>
+        <p:nvCxnSpPr>
+          <p:cNvPr id="64" name="도형 63"/>
+          <p:cNvCxnSpPr>
+            <a:stCxn id="5" idx="4"/>
+            <a:endCxn id="55" idx="0"/>
+          </p:cNvCxnSpPr>
+          <p:nvPr/>
+        </p:nvCxnSpPr>
+        <p:spPr>
+          <a:xfrm rot="0">
+            <a:off x="1979295" y="3354705"/>
+            <a:ext cx="12700" cy="361950"/>
+          </a:xfrm>
+          <a:prstGeom prst="straightConnector1"/>
+          <a:ln w="6350" cap="flat" cmpd="sng">
+            <a:solidFill>
+              <a:schemeClr val="accent1">
+                <a:alpha val="100000"/>
+              </a:schemeClr>
+            </a:solidFill>
+            <a:prstDash val="solid"/>
+            <a:tailEnd type="triangle" w="med" len="med"/>
+          </a:ln>
+        </p:spPr>
+        <p:style>
+          <a:lnRef idx="1">
+            <a:schemeClr val="accent1"/>
+          </a:lnRef>
+          <a:fillRef idx="0">
+            <a:schemeClr val="accent1"/>
+          </a:fillRef>
+          <a:effectRef idx="0">
+            <a:schemeClr val="accent1"/>
+          </a:effectRef>
+          <a:fontRef idx="minor">
+            <a:schemeClr val="tx1"/>
+          </a:fontRef>
+        </p:style>
+      </p:cxnSp>
+      <p:cxnSp>
+        <p:nvCxnSpPr>
+          <p:cNvPr id="65" name="도형 64"/>
+          <p:cNvCxnSpPr>
+            <a:stCxn id="6" idx="4"/>
+            <a:endCxn id="56" idx="0"/>
+          </p:cNvCxnSpPr>
+          <p:nvPr/>
+        </p:nvCxnSpPr>
+        <p:spPr>
+          <a:xfrm rot="0">
+            <a:off x="2498090" y="3342640"/>
+            <a:ext cx="205740" cy="386080"/>
+          </a:xfrm>
+          <a:prstGeom prst="straightConnector1"/>
+          <a:ln w="6350" cap="flat" cmpd="sng">
+            <a:solidFill>
+              <a:schemeClr val="accent1">
+                <a:alpha val="100000"/>
+              </a:schemeClr>
+            </a:solidFill>
+            <a:prstDash val="solid"/>
+            <a:tailEnd type="triangle" w="med" len="med"/>
+          </a:ln>
+        </p:spPr>
+        <p:style>
+          <a:lnRef idx="1">
+            <a:schemeClr val="accent1"/>
+          </a:lnRef>
+          <a:fillRef idx="0">
+            <a:schemeClr val="accent1"/>
+          </a:fillRef>
+          <a:effectRef idx="0">
+            <a:schemeClr val="accent1"/>
+          </a:effectRef>
+          <a:fontRef idx="minor">
+            <a:schemeClr val="tx1"/>
+          </a:fontRef>
+        </p:style>
+      </p:cxnSp>
+      <p:cxnSp>
+        <p:nvCxnSpPr>
+          <p:cNvPr id="66" name="도형 65"/>
+          <p:cNvCxnSpPr>
+            <a:stCxn id="4" idx="4"/>
+            <a:endCxn id="6" idx="0"/>
+          </p:cNvCxnSpPr>
+          <p:nvPr/>
+        </p:nvCxnSpPr>
+        <p:spPr>
+          <a:xfrm rot="0" flipH="1">
+            <a:off x="2498090" y="2414270"/>
+            <a:ext cx="13970" cy="542925"/>
+          </a:xfrm>
+          <a:prstGeom prst="straightConnector1"/>
+          <a:ln w="6350" cap="flat" cmpd="sng">
+            <a:solidFill>
+              <a:schemeClr val="accent1">
+                <a:alpha val="100000"/>
+              </a:schemeClr>
+            </a:solidFill>
+            <a:prstDash val="solid"/>
+            <a:tailEnd type="triangle" w="med" len="med"/>
+          </a:ln>
+        </p:spPr>
+        <p:style>
+          <a:lnRef idx="1">
+            <a:schemeClr val="accent1"/>
+          </a:lnRef>
+          <a:fillRef idx="0">
+            <a:schemeClr val="accent1"/>
+          </a:fillRef>
+          <a:effectRef idx="0">
+            <a:schemeClr val="accent1"/>
+          </a:effectRef>
+          <a:fontRef idx="minor">
+            <a:schemeClr val="tx1"/>
+          </a:fontRef>
+        </p:style>
+      </p:cxnSp>
+      <p:graphicFrame>
+        <p:nvGraphicFramePr>
+          <p:cNvPr id="67" name="표 66"/>
+          <p:cNvGraphicFramePr>
+            <a:graphicFrameLocks noGrp="1"/>
+          </p:cNvGraphicFramePr>
+          <p:nvPr/>
+        </p:nvGraphicFramePr>
+        <p:xfrm>
+          <a:off x="4832350" y="2361565"/>
+          <a:ext cx="4191635" cy="752475"/>
+        </p:xfrm>
+        <a:graphic>
+          <a:graphicData uri="http://schemas.openxmlformats.org/drawingml/2006/table">
+            <a:tbl>
+              <a:tblPr firstRow="1" bandRow="1">
+                <a:tableStyleId>{5C22544A-7EE6-4342-B048-85BDC9FD1C3A}</a:tableStyleId>
+              </a:tblPr>
+              <a:tblGrid>
+                <a:gridCol w="4191635"/>
+              </a:tblGrid>
+              <a:tr h="752475">
+                <a:tc>
+                  <a:txBody>
+                    <a:bodyPr/>
+                    <a:lstStyle/>
+                    <a:p>
+                      <a:pPr marL="0" indent="0" algn="l" fontAlgn="auto" defTabSz="508000" eaLnBrk="0">
+                        <a:lnSpc>
+                          <a:spcPct val="100000"/>
+                        </a:lnSpc>
+                        <a:spcBef>
+                          <a:spcPts val="0"/>
+                        </a:spcBef>
+                        <a:spcAft>
+                          <a:spcPts val="0"/>
+                        </a:spcAft>
+                        <a:buFontTx/>
+                        <a:buNone/>
+                      </a:pPr>
+                      <a:endParaRPr lang="ko-KR" altLang="en-US" sz="4000" kern="1200" dirty="0" smtClean="0" cap="none" b="1" strike="noStrike">
+                        <a:solidFill>
+                          <a:schemeClr val="tx1"/>
+                        </a:solidFill>
+                        <a:latin typeface="맑은 고딕" charset="0"/>
+                        <a:ea typeface="맑은 고딕" charset="0"/>
+                      </a:endParaRPr>
+                    </a:p>
+                  </a:txBody>
+                  <a:tcPr marL="90170" marR="90170" marT="46990" marB="46990" anchor="t">
+                    <a:lnL w="0" cap="flat" cmpd="sng" algn="ctr">
+                      <a:noFill/>
+                      <a:prstDash/>
+                      <a:round/>
+                      <a:headEnd type="none" w="med" len="med"/>
+                      <a:tailEnd type="none" w="med" len="med"/>
+                    </a:lnL>
+                    <a:lnR w="0" cap="flat" cmpd="sng" algn="ctr">
+                      <a:noFill/>
+                      <a:prstDash/>
+                      <a:round/>
+                      <a:headEnd type="none" w="med" len="med"/>
+                      <a:tailEnd type="none" w="med" len="med"/>
+                    </a:lnR>
+                    <a:lnT w="12700" cap="flat" cmpd="sng" algn="ctr">
+                      <a:solidFill>
+                        <a:srgbClr val="000000">
+                          <a:alpha val="100000"/>
+                        </a:srgbClr>
+                      </a:solidFill>
+                      <a:prstDash val="solid"/>
+                      <a:round/>
+                      <a:headEnd type="none" w="med" len="med"/>
+                      <a:tailEnd type="none" w="med" len="med"/>
+                    </a:lnT>
+                    <a:lnB w="12700" cap="flat" cmpd="sng" algn="ctr">
+                      <a:solidFill>
+                        <a:srgbClr val="000000">
+                          <a:alpha val="100000"/>
+                        </a:srgbClr>
+                      </a:solidFill>
+                      <a:prstDash val="solid"/>
+                      <a:round/>
+                      <a:headEnd type="none" w="med" len="med"/>
+                      <a:tailEnd type="none" w="med" len="med"/>
+                    </a:lnB>
+                    <a:lnTlToBr w="0" cap="flat" cmpd="sng" algn="ctr">
+                      <a:noFill/>
+                      <a:prstDash/>
+                      <a:round/>
+                      <a:headEnd type="none" w="med" len="med"/>
+                      <a:tailEnd type="none" w="med" len="med"/>
+                    </a:lnTlToBr>
+                    <a:lnBlToTr w="0" cap="flat" cmpd="sng" algn="ctr">
+                      <a:noFill/>
+                      <a:prstDash/>
+                      <a:round/>
+                      <a:headEnd type="none" w="med" len="med"/>
+                      <a:tailEnd type="none" w="med" len="med"/>
+                    </a:lnBlToTr>
+                    <a:noFill/>
+                  </a:tcPr>
+                </a:tc>
+              </a:tr>
+            </a:tbl>
+          </a:graphicData>
+        </a:graphic>
+      </p:graphicFrame>
+      <p:sp>
+        <p:nvSpPr>
+          <p:cNvPr id="68" name="텍스트 상자 67"/>
+          <p:cNvSpPr txBox="1">
+            <a:spLocks/>
+          </p:cNvSpPr>
+          <p:nvPr/>
+        </p:nvSpPr>
+        <p:spPr>
+          <a:xfrm rot="0">
+            <a:off x="4827270" y="2018030"/>
+            <a:ext cx="4383405" cy="370840"/>
+          </a:xfrm>
+          <a:prstGeom prst="rect"/>
+          <a:noFill/>
+          <a:ln w="0">
+            <a:noFill/>
+            <a:prstDash/>
+          </a:ln>
+        </p:spPr>
+        <p:txBody>
+          <a:bodyPr wrap="square" lIns="89535" tIns="46355" rIns="89535" bIns="46355" vert="horz" anchor="t">
+            <a:noAutofit/>
+          </a:bodyPr>
+          <a:lstStyle/>
+          <a:p>
+            <a:pPr marL="0" indent="0" algn="l" fontAlgn="auto" defTabSz="508000" eaLnBrk="0">
+              <a:lnSpc>
+                <a:spcPct val="100000"/>
+              </a:lnSpc>
+              <a:spcBef>
+                <a:spcPts val="0"/>
+              </a:spcBef>
+              <a:spcAft>
+                <a:spcPts val="0"/>
+              </a:spcAft>
+              <a:buFontTx/>
+              <a:buNone/>
+            </a:pPr>
+            <a:r>
+              <a:rPr lang="en-US" altLang="ko-KR" sz="1800" cap="none" dirty="0" smtClean="0" b="0" strike="noStrike">
+                <a:latin typeface="맑은 고딕" charset="0"/>
+                <a:ea typeface="맑은 고딕" charset="0"/>
+              </a:rPr>
+              <a:t>Front						back</a:t>
+            </a:r>
+            <a:endParaRPr lang="ko-KR" altLang="en-US" sz="1800" cap="none" dirty="0" smtClean="0" b="0" strike="noStrike">
+              <a:latin typeface="맑은 고딕" charset="0"/>
+              <a:ea typeface="맑은 고딕" charset="0"/>
+            </a:endParaRPr>
+          </a:p>
+        </p:txBody>
+      </p:sp>
+      <p:sp>
+        <p:nvSpPr>
+          <p:cNvPr id="69" name="텍스트 상자 68"/>
+          <p:cNvSpPr txBox="1">
+            <a:spLocks/>
+          </p:cNvSpPr>
+          <p:nvPr/>
+        </p:nvSpPr>
+        <p:spPr>
+          <a:xfrm rot="0">
+            <a:off x="4939030" y="2414270"/>
+            <a:ext cx="514985" cy="709295"/>
+          </a:xfrm>
+          <a:prstGeom prst="rect"/>
+          <a:noFill/>
+          <a:ln w="0">
+            <a:noFill/>
+            <a:prstDash/>
+          </a:ln>
+        </p:spPr>
+        <p:txBody>
+          <a:bodyPr wrap="none" lIns="89535" tIns="46355" rIns="89535" bIns="46355" vert="horz" anchor="t">
+            <a:noAutofit/>
+          </a:bodyPr>
+          <a:lstStyle/>
+          <a:p>
+            <a:pPr marL="0" indent="0" algn="l" fontAlgn="auto" defTabSz="508000" eaLnBrk="0">
+              <a:lnSpc>
+                <a:spcPct val="100000"/>
+              </a:lnSpc>
+              <a:spcBef>
+                <a:spcPts val="0"/>
+              </a:spcBef>
+              <a:spcAft>
+                <a:spcPts val="0"/>
+              </a:spcAft>
+              <a:buFontTx/>
+              <a:buNone/>
+            </a:pPr>
+            <a:r>
+              <a:rPr lang="en-US" altLang="ko-KR" sz="4000" cap="none" dirty="0" smtClean="0" b="0" strike="noStrike">
+                <a:latin typeface="맑은 고딕" charset="0"/>
+                <a:ea typeface="맑은 고딕" charset="0"/>
+              </a:rPr>
+              <a:t>A</a:t>
+            </a:r>
+            <a:endParaRPr lang="ko-KR" altLang="en-US" sz="4000" cap="none" dirty="0" smtClean="0" b="0" strike="noStrike">
+              <a:latin typeface="맑은 고딕" charset="0"/>
+              <a:ea typeface="맑은 고딕" charset="0"/>
+            </a:endParaRPr>
+          </a:p>
+        </p:txBody>
+      </p:sp>
+    </p:spTree>
+  </p:cSld>
+  <p:clrMapOvr>
+    <a:masterClrMapping/>
+  </p:clrMapOvr>
+  <mc:AlternateContent xmlns:mc="http://schemas.openxmlformats.org/markup-compatibility/2006">
+    <mc:Choice xmlns:p14="http://schemas.microsoft.com/office/powerpoint/2010/main" Requires="p14">
+      <p:transition spd="slow" p14:dur="1000"/>
+    </mc:Choice>
+    <mc:Fallback>
+      <p:transition spd="slow"/>
+    </mc:Fallback>
+  </mc:AlternateContent>
+  <p:timing>
+    <p:tnLst>
+      <p:par>
+        <p:cTn id="1" dur="indefinite" restart="never" nodeType="tmRoot">
+          <p:childTnLst>
+            <p:seq concurrent="1" nextAc="seek">
+              <p:cTn id="2" dur="indefinite" nodeType="mainSeq"/>
+              <p:prevCondLst>
+                <p:cond evt="onPrev" delay="0">
+                  <p:tgtEl>
+                    <p:sldTgt/>
+                  </p:tgtEl>
+                </p:cond>
+              </p:prevCondLst>
+              <p:nextCondLst>
+                <p:cond evt="onNext" delay="0">
+                  <p:tgtEl>
+                    <p:sldTgt/>
+                  </p:tgtEl>
+                </p:cond>
+              </p:nextCondLst>
+            </p:seq>
+          </p:childTnLst>
+        </p:cTn>
+      </p:par>
+    </p:tnLst>
+  </p:timing>
+</p:sld>
+</file>
+
+<file path=ppt/slides/slide11.xml><?xml version="1.0" encoding="utf-8"?>
+<p:sld xmlns:a="http://schemas.openxmlformats.org/drawingml/2006/main" xmlns:r="http://schemas.openxmlformats.org/officeDocument/2006/relationships" xmlns:p="http://schemas.openxmlformats.org/presentationml/2006/main">
+  <p:cSld>
+    <p:spTree>
+      <p:nvGrpSpPr>
+        <p:cNvPr id="1" name=""/>
+        <p:cNvGrpSpPr/>
+        <p:nvPr/>
+      </p:nvGrpSpPr>
+      <p:grpSpPr>
+        <a:xfrm>
+          <a:off x="0" y="0"/>
+          <a:ext cx="0" cy="0"/>
+          <a:chOff x="0" y="0"/>
+          <a:chExt cx="0" cy="0"/>
+        </a:xfrm>
+      </p:grpSpPr>
+      <p:sp>
+        <p:nvSpPr>
+          <p:cNvPr id="2" name="텍스트 개체 틀 1"/>
+          <p:cNvSpPr txBox="1">
+            <a:spLocks/>
+          </p:cNvSpPr>
+          <p:nvPr>
+            <p:ph type="title"/>
+          </p:nvPr>
+        </p:nvSpPr>
+        <p:spPr>
+          <a:xfrm rot="0">
+            <a:off x="838200" y="365125"/>
+            <a:ext cx="10518775" cy="1329055"/>
+          </a:xfrm>
+          <a:prstGeom prst="rect"/>
+        </p:spPr>
+        <p:txBody>
+          <a:bodyPr wrap="square" lIns="91440" tIns="45720" rIns="91440" bIns="45720" vert="horz" anchor="ctr">
+            <a:normAutofit fontScale="100000" lnSpcReduction="0"/>
+          </a:bodyPr>
+          <a:lstStyle/>
+          <a:p>
+            <a:pPr marL="0" indent="0" algn="l" fontAlgn="auto" defTabSz="914400" eaLnBrk="0">
+              <a:lnSpc>
+                <a:spcPct val="90000"/>
+              </a:lnSpc>
+              <a:spcBef>
+                <a:spcPts val="0"/>
+              </a:spcBef>
+              <a:spcAft>
+                <a:spcPts val="0"/>
+              </a:spcAft>
+              <a:buFontTx/>
+              <a:buNone/>
+            </a:pPr>
+            <a:r>
+              <a:rPr lang="en-US" altLang="ko-KR" sz="4400" cap="none" dirty="0" smtClean="0" b="0" strike="noStrike">
+                <a:latin typeface="맑은 고딕" charset="0"/>
+                <a:ea typeface="맑은 고딕" charset="0"/>
+              </a:rPr>
+              <a:t>data structure</a:t>
+            </a:r>
+            <a:endParaRPr lang="ko-KR" altLang="en-US" sz="4400" cap="none" dirty="0" smtClean="0" b="0" strike="noStrike">
+              <a:latin typeface="맑은 고딕" charset="0"/>
+              <a:ea typeface="맑은 고딕" charset="0"/>
+            </a:endParaRPr>
+          </a:p>
+        </p:txBody>
+      </p:sp>
+      <p:sp>
+        <p:nvSpPr>
+          <p:cNvPr id="3" name="내용 개체 틀 2"/>
+          <p:cNvSpPr txBox="1">
+            <a:spLocks/>
+          </p:cNvSpPr>
+          <p:nvPr>
+            <p:ph type="obj"/>
+          </p:nvPr>
+        </p:nvSpPr>
+        <p:spPr>
+          <a:xfrm rot="0">
+            <a:off x="838200" y="1813560"/>
+            <a:ext cx="3749675" cy="4355465"/>
+          </a:xfrm>
+          <a:prstGeom prst="rect"/>
+        </p:spPr>
+        <p:txBody>
+          <a:bodyPr wrap="square" lIns="91440" tIns="45720" rIns="91440" bIns="45720" vert="horz" anchor="t">
+            <a:normAutofit fontScale="100000" lnSpcReduction="0"/>
+          </a:bodyPr>
+          <a:lstStyle/>
+          <a:p>
+            <a:pPr marL="228600" indent="-228600" algn="l" fontAlgn="auto" defTabSz="914400" eaLnBrk="0">
+              <a:lnSpc>
+                <a:spcPct val="90000"/>
+              </a:lnSpc>
+              <a:spcBef>
+                <a:spcPts val="1000"/>
+              </a:spcBef>
+              <a:spcAft>
+                <a:spcPts val="0"/>
+              </a:spcAft>
+              <a:buClr>
+                <a:srgbClr val="404040"/>
+              </a:buClr>
+              <a:buFont typeface="Arial"/>
+              <a:buChar char="•"/>
+            </a:pPr>
+            <a:r>
+              <a:rPr lang="en-US" altLang="ko-KR" sz="2000" cap="none" dirty="0" smtClean="0" b="0" strike="noStrike">
+                <a:solidFill>
+                  <a:srgbClr val="373A3C"/>
+                </a:solidFill>
+                <a:latin typeface="맑은 고딕" charset="0"/>
+                <a:ea typeface="맑은 고딕" charset="0"/>
+              </a:rPr>
+              <a:t>BFS</a:t>
+            </a:r>
+            <a:endParaRPr lang="ko-KR" altLang="en-US" sz="2000" cap="none" dirty="0" smtClean="0" b="0" strike="noStrike">
+              <a:solidFill>
+                <a:srgbClr val="373A3C"/>
+              </a:solidFill>
+              <a:latin typeface="맑은 고딕" charset="0"/>
+              <a:ea typeface="맑은 고딕" charset="0"/>
+            </a:endParaRPr>
+          </a:p>
+          <a:p>
+            <a:pPr marL="0" indent="0" algn="l" fontAlgn="auto" defTabSz="914400" eaLnBrk="0">
+              <a:lnSpc>
+                <a:spcPct val="90000"/>
+              </a:lnSpc>
+              <a:spcBef>
+                <a:spcPts val="1000"/>
+              </a:spcBef>
+              <a:spcAft>
+                <a:spcPts val="0"/>
+              </a:spcAft>
+              <a:buFontTx/>
+              <a:buNone/>
+            </a:pPr>
+            <a:endParaRPr lang="ko-KR" altLang="en-US" sz="2000" cap="none" dirty="0" smtClean="0" b="0" strike="noStrike">
+              <a:solidFill>
+                <a:srgbClr val="373A3C"/>
+              </a:solidFill>
+              <a:latin typeface="맑은 고딕" charset="0"/>
+              <a:ea typeface="맑은 고딕" charset="0"/>
+            </a:endParaRPr>
+          </a:p>
+          <a:p>
+            <a:pPr marL="228600" indent="-228600" algn="l" fontAlgn="auto" defTabSz="914400" eaLnBrk="0">
+              <a:lnSpc>
+                <a:spcPct val="90000"/>
+              </a:lnSpc>
+              <a:spcBef>
+                <a:spcPts val="1000"/>
+              </a:spcBef>
+              <a:spcAft>
+                <a:spcPts val="0"/>
+              </a:spcAft>
+              <a:buClr>
+                <a:srgbClr val="404040"/>
+              </a:buClr>
+              <a:buFont typeface="Arial"/>
+              <a:buChar char="•"/>
+            </a:pPr>
+            <a:endParaRPr lang="ko-KR" altLang="en-US" sz="2000" cap="none" dirty="0" smtClean="0" b="0" strike="noStrike">
+              <a:solidFill>
+                <a:schemeClr val="tx1">
+                  <a:lumMod val="75000"/>
+                  <a:lumOff val="25000"/>
+                </a:schemeClr>
+              </a:solidFill>
+              <a:latin typeface="맑은 고딕" charset="0"/>
+              <a:ea typeface="맑은 고딕" charset="0"/>
+            </a:endParaRPr>
+          </a:p>
+        </p:txBody>
+      </p:sp>
+      <p:sp>
+        <p:nvSpPr>
+          <p:cNvPr id="4" name="도형 3"/>
+          <p:cNvSpPr>
+            <a:spLocks/>
+          </p:cNvSpPr>
+          <p:nvPr/>
+        </p:nvSpPr>
+        <p:spPr>
+          <a:xfrm rot="0">
+            <a:off x="2317750" y="2027555"/>
+            <a:ext cx="387350" cy="387985"/>
+          </a:xfrm>
+          <a:prstGeom prst="ellipse"/>
+        </p:spPr>
+        <p:style>
+          <a:lnRef idx="2">
+            <a:schemeClr val="accent1">
+              <a:shade val="50000"/>
+            </a:schemeClr>
+          </a:lnRef>
+          <a:fillRef idx="1">
+            <a:schemeClr val="accent1"/>
+          </a:fillRef>
+          <a:effectRef idx="0">
+            <a:schemeClr val="accent1"/>
+          </a:effectRef>
+          <a:fontRef idx="minor">
+            <a:schemeClr val="lt1"/>
+          </a:fontRef>
+        </p:style>
+        <p:txBody>
+          <a:bodyPr wrap="square" lIns="91440" tIns="45720" rIns="91440" bIns="45720" vert="horz" anchor="ctr">
+            <a:noAutofit/>
+          </a:bodyPr>
+          <a:lstStyle/>
+          <a:p>
+            <a:pPr marL="0" indent="0" algn="ctr" fontAlgn="auto" defTabSz="508000" eaLnBrk="0">
+              <a:lnSpc>
+                <a:spcPct val="100000"/>
+              </a:lnSpc>
+              <a:spcBef>
+                <a:spcPts val="0"/>
+              </a:spcBef>
+              <a:spcAft>
+                <a:spcPts val="0"/>
+              </a:spcAft>
+              <a:buFontTx/>
+              <a:buNone/>
+            </a:pPr>
+            <a:r>
+              <a:rPr lang="en-US" altLang="ko-KR" sz="1800" cap="none" dirty="0" smtClean="0" b="0" strike="noStrike">
+                <a:latin typeface="맑은 고딕" charset="0"/>
+                <a:ea typeface="맑은 고딕" charset="0"/>
+              </a:rPr>
+              <a:t>A</a:t>
+            </a:r>
+            <a:endParaRPr lang="ko-KR" altLang="en-US" sz="1800" cap="none" dirty="0" smtClean="0" b="0" strike="noStrike">
+              <a:latin typeface="맑은 고딕" charset="0"/>
+              <a:ea typeface="맑은 고딕" charset="0"/>
+            </a:endParaRPr>
+          </a:p>
+        </p:txBody>
+      </p:sp>
+      <p:sp>
+        <p:nvSpPr>
+          <p:cNvPr id="5" name="도형 4"/>
+          <p:cNvSpPr>
+            <a:spLocks/>
+          </p:cNvSpPr>
+          <p:nvPr/>
+        </p:nvSpPr>
+        <p:spPr>
+          <a:xfrm rot="0">
+            <a:off x="1786255" y="2967990"/>
+            <a:ext cx="387350" cy="387985"/>
+          </a:xfrm>
+          <a:prstGeom prst="ellipse"/>
+        </p:spPr>
+        <p:style>
+          <a:lnRef idx="2">
+            <a:schemeClr val="accent6">
+              <a:shade val="50000"/>
+            </a:schemeClr>
+          </a:lnRef>
+          <a:fillRef idx="1">
+            <a:schemeClr val="accent6"/>
+          </a:fillRef>
+          <a:effectRef idx="0">
+            <a:schemeClr val="accent6"/>
+          </a:effectRef>
+          <a:fontRef idx="minor">
+            <a:schemeClr val="lt1"/>
+          </a:fontRef>
+        </p:style>
+        <p:txBody>
+          <a:bodyPr wrap="square" lIns="91440" tIns="45720" rIns="91440" bIns="45720" vert="horz" anchor="ctr">
+            <a:noAutofit/>
+          </a:bodyPr>
+          <a:lstStyle/>
+          <a:p>
+            <a:pPr marL="0" indent="0" algn="ctr" fontAlgn="auto" defTabSz="508000" eaLnBrk="0">
+              <a:lnSpc>
+                <a:spcPct val="100000"/>
+              </a:lnSpc>
+              <a:spcBef>
+                <a:spcPts val="0"/>
+              </a:spcBef>
+              <a:spcAft>
+                <a:spcPts val="0"/>
+              </a:spcAft>
+              <a:buFontTx/>
+              <a:buNone/>
+            </a:pPr>
+            <a:r>
+              <a:rPr lang="en-US" altLang="ko-KR" sz="1800" cap="none" dirty="0" smtClean="0" b="0" strike="noStrike">
+                <a:latin typeface="맑은 고딕" charset="0"/>
+                <a:ea typeface="맑은 고딕" charset="0"/>
+              </a:rPr>
+              <a:t>B</a:t>
+            </a:r>
+            <a:endParaRPr lang="ko-KR" altLang="en-US" sz="1800" cap="none" dirty="0" smtClean="0" b="0" strike="noStrike">
+              <a:latin typeface="맑은 고딕" charset="0"/>
+              <a:ea typeface="맑은 고딕" charset="0"/>
+            </a:endParaRPr>
+          </a:p>
+        </p:txBody>
+      </p:sp>
+      <p:sp>
+        <p:nvSpPr>
+          <p:cNvPr id="6" name="도형 5"/>
+          <p:cNvSpPr>
+            <a:spLocks/>
+          </p:cNvSpPr>
+          <p:nvPr/>
+        </p:nvSpPr>
+        <p:spPr>
+          <a:xfrm rot="0">
+            <a:off x="2305050" y="2955925"/>
+            <a:ext cx="387350" cy="387985"/>
+          </a:xfrm>
+          <a:prstGeom prst="ellipse"/>
+        </p:spPr>
+        <p:style>
+          <a:lnRef idx="2">
+            <a:schemeClr val="accent6">
+              <a:shade val="50000"/>
+            </a:schemeClr>
+          </a:lnRef>
+          <a:fillRef idx="1">
+            <a:schemeClr val="accent6"/>
+          </a:fillRef>
+          <a:effectRef idx="0">
+            <a:schemeClr val="accent6"/>
+          </a:effectRef>
+          <a:fontRef idx="minor">
+            <a:schemeClr val="lt1"/>
+          </a:fontRef>
+        </p:style>
+        <p:txBody>
+          <a:bodyPr wrap="square" lIns="91440" tIns="45720" rIns="91440" bIns="45720" vert="horz" anchor="ctr">
+            <a:noAutofit/>
+          </a:bodyPr>
+          <a:lstStyle/>
+          <a:p>
+            <a:pPr marL="0" indent="0" algn="ctr" fontAlgn="auto" defTabSz="508000" eaLnBrk="0">
+              <a:lnSpc>
+                <a:spcPct val="100000"/>
+              </a:lnSpc>
+              <a:spcBef>
+                <a:spcPts val="0"/>
+              </a:spcBef>
+              <a:spcAft>
+                <a:spcPts val="0"/>
+              </a:spcAft>
+              <a:buFontTx/>
+              <a:buNone/>
+            </a:pPr>
+            <a:r>
+              <a:rPr lang="en-US" altLang="ko-KR" sz="1800" cap="none" dirty="0" smtClean="0" b="0" strike="noStrike">
+                <a:latin typeface="맑은 고딕" charset="0"/>
+                <a:ea typeface="맑은 고딕" charset="0"/>
+              </a:rPr>
+              <a:t>C</a:t>
+            </a:r>
+            <a:endParaRPr lang="ko-KR" altLang="en-US" sz="1800" cap="none" dirty="0" smtClean="0" b="0" strike="noStrike">
+              <a:latin typeface="맑은 고딕" charset="0"/>
+              <a:ea typeface="맑은 고딕" charset="0"/>
+            </a:endParaRPr>
+          </a:p>
+        </p:txBody>
+      </p:sp>
+      <p:sp>
+        <p:nvSpPr>
+          <p:cNvPr id="7" name="도형 6"/>
+          <p:cNvSpPr>
+            <a:spLocks/>
+          </p:cNvSpPr>
+          <p:nvPr/>
+        </p:nvSpPr>
+        <p:spPr>
+          <a:xfrm rot="0">
+            <a:off x="2847975" y="2967990"/>
+            <a:ext cx="387350" cy="387985"/>
+          </a:xfrm>
+          <a:prstGeom prst="ellipse"/>
+        </p:spPr>
+        <p:style>
+          <a:lnRef idx="2">
+            <a:schemeClr val="accent6">
+              <a:shade val="50000"/>
+            </a:schemeClr>
+          </a:lnRef>
+          <a:fillRef idx="1">
+            <a:schemeClr val="accent6"/>
+          </a:fillRef>
+          <a:effectRef idx="0">
+            <a:schemeClr val="accent6"/>
+          </a:effectRef>
+          <a:fontRef idx="minor">
+            <a:schemeClr val="lt1"/>
+          </a:fontRef>
+        </p:style>
+        <p:txBody>
+          <a:bodyPr wrap="square" lIns="91440" tIns="45720" rIns="91440" bIns="45720" vert="horz" anchor="ctr">
+            <a:noAutofit/>
+          </a:bodyPr>
+          <a:lstStyle/>
+          <a:p>
+            <a:pPr marL="0" indent="0" algn="ctr" fontAlgn="auto" defTabSz="508000" eaLnBrk="0">
+              <a:lnSpc>
+                <a:spcPct val="100000"/>
+              </a:lnSpc>
+              <a:spcBef>
+                <a:spcPts val="0"/>
+              </a:spcBef>
+              <a:spcAft>
+                <a:spcPts val="0"/>
+              </a:spcAft>
+              <a:buFontTx/>
+              <a:buNone/>
+            </a:pPr>
+            <a:r>
+              <a:rPr lang="en-US" altLang="ko-KR" sz="1800" cap="none" dirty="0" smtClean="0" b="0" strike="noStrike">
+                <a:latin typeface="맑은 고딕" charset="0"/>
+                <a:ea typeface="맑은 고딕" charset="0"/>
+              </a:rPr>
+              <a:t>D</a:t>
+            </a:r>
+            <a:endParaRPr lang="ko-KR" altLang="en-US" sz="1800" cap="none" dirty="0" smtClean="0" b="0" strike="noStrike">
+              <a:latin typeface="맑은 고딕" charset="0"/>
+              <a:ea typeface="맑은 고딕" charset="0"/>
+            </a:endParaRPr>
+          </a:p>
+        </p:txBody>
+      </p:sp>
+      <p:sp>
+        <p:nvSpPr>
+          <p:cNvPr id="53" name="텍스트 상자 52"/>
+          <p:cNvSpPr txBox="1">
+            <a:spLocks/>
+          </p:cNvSpPr>
+          <p:nvPr/>
+        </p:nvSpPr>
+        <p:spPr>
+          <a:xfrm rot="0">
+            <a:off x="4816475" y="1918969"/>
+            <a:ext cx="542290" cy="370840"/>
+          </a:xfrm>
+          <a:prstGeom prst="rect"/>
+          <a:noFill/>
+          <a:ln w="0">
+            <a:noFill/>
+            <a:prstDash/>
+          </a:ln>
+        </p:spPr>
+        <p:txBody>
+          <a:bodyPr wrap="none" lIns="89535" tIns="46355" rIns="89535" bIns="46355" vert="horz" anchor="t">
+            <a:noAutofit/>
+          </a:bodyPr>
+          <a:lstStyle/>
+          <a:p>
+            <a:pPr marL="0" indent="0" algn="l" fontAlgn="auto" defTabSz="508000" eaLnBrk="0">
+              <a:lnSpc>
+                <a:spcPct val="100000"/>
+              </a:lnSpc>
+              <a:spcBef>
+                <a:spcPts val="0"/>
+              </a:spcBef>
+              <a:spcAft>
+                <a:spcPts val="0"/>
+              </a:spcAft>
+              <a:buFontTx/>
+              <a:buNone/>
+            </a:pPr>
+            <a:endParaRPr lang="ko-KR" altLang="en-US" sz="1800" cap="none" dirty="0" smtClean="0" b="0" strike="noStrike">
+              <a:latin typeface="맑은 고딕" charset="0"/>
+              <a:ea typeface="맑은 고딕" charset="0"/>
+            </a:endParaRPr>
+          </a:p>
+        </p:txBody>
+      </p:sp>
+      <p:sp>
+        <p:nvSpPr>
+          <p:cNvPr id="54" name="도형 53"/>
+          <p:cNvSpPr>
+            <a:spLocks/>
+          </p:cNvSpPr>
+          <p:nvPr/>
+        </p:nvSpPr>
+        <p:spPr>
+          <a:xfrm rot="0">
+            <a:off x="1097915" y="3727450"/>
+            <a:ext cx="387350" cy="387985"/>
+          </a:xfrm>
+          <a:prstGeom prst="ellipse"/>
+        </p:spPr>
+        <p:style>
+          <a:lnRef idx="2">
+            <a:schemeClr val="accent1">
+              <a:shade val="50000"/>
+            </a:schemeClr>
+          </a:lnRef>
+          <a:fillRef idx="1">
+            <a:schemeClr val="accent1"/>
+          </a:fillRef>
+          <a:effectRef idx="0">
+            <a:schemeClr val="accent1"/>
+          </a:effectRef>
+          <a:fontRef idx="minor">
+            <a:schemeClr val="lt1"/>
+          </a:fontRef>
+        </p:style>
+        <p:txBody>
+          <a:bodyPr wrap="square" lIns="91440" tIns="45720" rIns="91440" bIns="45720" vert="horz" anchor="ctr">
+            <a:noAutofit/>
+          </a:bodyPr>
+          <a:lstStyle/>
+          <a:p>
+            <a:pPr marL="0" indent="0" algn="ctr" fontAlgn="auto" defTabSz="508000" eaLnBrk="0">
+              <a:lnSpc>
+                <a:spcPct val="100000"/>
+              </a:lnSpc>
+              <a:spcBef>
+                <a:spcPts val="0"/>
+              </a:spcBef>
+              <a:spcAft>
+                <a:spcPts val="0"/>
+              </a:spcAft>
+              <a:buFontTx/>
+              <a:buNone/>
+            </a:pPr>
+            <a:r>
+              <a:rPr lang="en-US" altLang="ko-KR" sz="1800" cap="none" dirty="0" smtClean="0" b="0" strike="noStrike">
+                <a:latin typeface="맑은 고딕" charset="0"/>
+                <a:ea typeface="맑은 고딕" charset="0"/>
+              </a:rPr>
+              <a:t>E</a:t>
+            </a:r>
+            <a:endParaRPr lang="ko-KR" altLang="en-US" sz="1800" cap="none" dirty="0" smtClean="0" b="0" strike="noStrike">
+              <a:latin typeface="맑은 고딕" charset="0"/>
+              <a:ea typeface="맑은 고딕" charset="0"/>
+            </a:endParaRPr>
+          </a:p>
+        </p:txBody>
+      </p:sp>
+      <p:sp>
+        <p:nvSpPr>
+          <p:cNvPr id="55" name="도형 54"/>
+          <p:cNvSpPr>
+            <a:spLocks/>
+          </p:cNvSpPr>
+          <p:nvPr/>
+        </p:nvSpPr>
+        <p:spPr>
+          <a:xfrm rot="0">
+            <a:off x="1797685" y="3715385"/>
+            <a:ext cx="387350" cy="387985"/>
+          </a:xfrm>
+          <a:prstGeom prst="ellipse"/>
+        </p:spPr>
+        <p:style>
+          <a:lnRef idx="2">
+            <a:schemeClr val="accent1">
+              <a:shade val="50000"/>
+            </a:schemeClr>
+          </a:lnRef>
+          <a:fillRef idx="1">
+            <a:schemeClr val="accent1"/>
+          </a:fillRef>
+          <a:effectRef idx="0">
+            <a:schemeClr val="accent1"/>
+          </a:effectRef>
+          <a:fontRef idx="minor">
+            <a:schemeClr val="lt1"/>
+          </a:fontRef>
+        </p:style>
+        <p:txBody>
+          <a:bodyPr wrap="square" lIns="91440" tIns="45720" rIns="91440" bIns="45720" vert="horz" anchor="ctr">
+            <a:noAutofit/>
+          </a:bodyPr>
+          <a:lstStyle/>
+          <a:p>
+            <a:pPr marL="0" indent="0" algn="ctr" fontAlgn="auto" defTabSz="508000" eaLnBrk="0">
+              <a:lnSpc>
+                <a:spcPct val="100000"/>
+              </a:lnSpc>
+              <a:spcBef>
+                <a:spcPts val="0"/>
+              </a:spcBef>
+              <a:spcAft>
+                <a:spcPts val="0"/>
+              </a:spcAft>
+              <a:buFontTx/>
+              <a:buNone/>
+            </a:pPr>
+            <a:r>
+              <a:rPr lang="en-US" altLang="ko-KR" sz="1800" cap="none" dirty="0" smtClean="0" b="0" strike="noStrike">
+                <a:latin typeface="맑은 고딕" charset="0"/>
+                <a:ea typeface="맑은 고딕" charset="0"/>
+              </a:rPr>
+              <a:t>F</a:t>
+            </a:r>
+            <a:endParaRPr lang="ko-KR" altLang="en-US" sz="1800" cap="none" dirty="0" smtClean="0" b="0" strike="noStrike">
+              <a:latin typeface="맑은 고딕" charset="0"/>
+              <a:ea typeface="맑은 고딕" charset="0"/>
+            </a:endParaRPr>
+          </a:p>
+        </p:txBody>
+      </p:sp>
+      <p:sp>
+        <p:nvSpPr>
+          <p:cNvPr id="56" name="도형 55"/>
+          <p:cNvSpPr>
+            <a:spLocks/>
+          </p:cNvSpPr>
+          <p:nvPr/>
+        </p:nvSpPr>
+        <p:spPr>
+          <a:xfrm rot="0">
+            <a:off x="2509520" y="3727450"/>
+            <a:ext cx="387350" cy="387985"/>
+          </a:xfrm>
+          <a:prstGeom prst="ellipse"/>
+        </p:spPr>
+        <p:style>
+          <a:lnRef idx="2">
+            <a:schemeClr val="accent1">
+              <a:shade val="50000"/>
+            </a:schemeClr>
+          </a:lnRef>
+          <a:fillRef idx="1">
+            <a:schemeClr val="accent1"/>
+          </a:fillRef>
+          <a:effectRef idx="0">
+            <a:schemeClr val="accent1"/>
+          </a:effectRef>
+          <a:fontRef idx="minor">
+            <a:schemeClr val="lt1"/>
+          </a:fontRef>
+        </p:style>
+        <p:txBody>
+          <a:bodyPr wrap="square" lIns="91440" tIns="45720" rIns="91440" bIns="45720" vert="horz" anchor="ctr">
+            <a:noAutofit/>
+          </a:bodyPr>
+          <a:lstStyle/>
+          <a:p>
+            <a:pPr marL="0" indent="0" algn="ctr" fontAlgn="auto" defTabSz="508000" eaLnBrk="0">
+              <a:lnSpc>
+                <a:spcPct val="100000"/>
+              </a:lnSpc>
+              <a:spcBef>
+                <a:spcPts val="0"/>
+              </a:spcBef>
+              <a:spcAft>
+                <a:spcPts val="0"/>
+              </a:spcAft>
+              <a:buFontTx/>
+              <a:buNone/>
+            </a:pPr>
+            <a:r>
+              <a:rPr lang="en-US" altLang="ko-KR" sz="1800" cap="none" dirty="0" smtClean="0" b="0" strike="noStrike">
+                <a:latin typeface="맑은 고딕" charset="0"/>
+                <a:ea typeface="맑은 고딕" charset="0"/>
+              </a:rPr>
+              <a:t>G</a:t>
+            </a:r>
+            <a:endParaRPr lang="ko-KR" altLang="en-US" sz="1800" cap="none" dirty="0" smtClean="0" b="0" strike="noStrike">
+              <a:latin typeface="맑은 고딕" charset="0"/>
+              <a:ea typeface="맑은 고딕" charset="0"/>
+            </a:endParaRPr>
+          </a:p>
+        </p:txBody>
+      </p:sp>
+      <p:cxnSp>
+        <p:nvCxnSpPr>
+          <p:cNvPr id="57" name="도형 56"/>
+          <p:cNvCxnSpPr>
+            <a:stCxn id="5" idx="4"/>
+            <a:endCxn id="54" idx="0"/>
+          </p:cNvCxnSpPr>
+          <p:nvPr/>
+        </p:nvCxnSpPr>
+        <p:spPr>
+          <a:xfrm rot="0" flipH="1">
+            <a:off x="1290955" y="3354705"/>
+            <a:ext cx="689610" cy="374015"/>
+          </a:xfrm>
+          <a:prstGeom prst="line"/>
+          <a:ln w="6350" cap="flat" cmpd="sng">
+            <a:solidFill>
+              <a:schemeClr val="accent1">
+                <a:alpha val="100000"/>
+              </a:schemeClr>
+            </a:solidFill>
+            <a:prstDash val="solid"/>
+          </a:ln>
+        </p:spPr>
+        <p:style>
+          <a:lnRef idx="1">
+            <a:schemeClr val="accent1"/>
+          </a:lnRef>
+          <a:fillRef idx="0">
+            <a:schemeClr val="accent1"/>
+          </a:fillRef>
+          <a:effectRef idx="0">
+            <a:schemeClr val="accent1"/>
+          </a:effectRef>
+          <a:fontRef idx="minor">
+            <a:schemeClr val="tx1"/>
+          </a:fontRef>
+        </p:style>
+      </p:cxnSp>
+      <p:cxnSp>
+        <p:nvCxnSpPr>
+          <p:cNvPr id="58" name="도형 57"/>
+          <p:cNvCxnSpPr>
+            <a:stCxn id="5" idx="4"/>
+            <a:endCxn id="55" idx="0"/>
+          </p:cNvCxnSpPr>
+          <p:nvPr/>
+        </p:nvCxnSpPr>
+        <p:spPr>
+          <a:xfrm rot="0">
+            <a:off x="1979295" y="3354705"/>
+            <a:ext cx="12700" cy="361950"/>
+          </a:xfrm>
+          <a:prstGeom prst="line"/>
+          <a:ln w="6350" cap="flat" cmpd="sng">
+            <a:solidFill>
+              <a:schemeClr val="accent1">
+                <a:alpha val="100000"/>
+              </a:schemeClr>
+            </a:solidFill>
+            <a:prstDash val="solid"/>
+          </a:ln>
+        </p:spPr>
+        <p:style>
+          <a:lnRef idx="1">
+            <a:schemeClr val="accent1"/>
+          </a:lnRef>
+          <a:fillRef idx="0">
+            <a:schemeClr val="accent1"/>
+          </a:fillRef>
+          <a:effectRef idx="0">
+            <a:schemeClr val="accent1"/>
+          </a:effectRef>
+          <a:fontRef idx="minor">
+            <a:schemeClr val="tx1"/>
+          </a:fontRef>
+        </p:style>
+      </p:cxnSp>
+      <p:cxnSp>
+        <p:nvCxnSpPr>
+          <p:cNvPr id="59" name="도형 58"/>
+          <p:cNvCxnSpPr>
+            <a:stCxn id="6" idx="4"/>
+            <a:endCxn id="56" idx="0"/>
+          </p:cNvCxnSpPr>
+          <p:nvPr/>
+        </p:nvCxnSpPr>
+        <p:spPr>
+          <a:xfrm rot="0">
+            <a:off x="2498090" y="3342640"/>
+            <a:ext cx="205740" cy="386080"/>
+          </a:xfrm>
+          <a:prstGeom prst="line"/>
+          <a:ln w="6350" cap="flat" cmpd="sng">
+            <a:solidFill>
+              <a:schemeClr val="accent1">
+                <a:alpha val="100000"/>
+              </a:schemeClr>
+            </a:solidFill>
+            <a:prstDash val="solid"/>
+          </a:ln>
+        </p:spPr>
+        <p:style>
+          <a:lnRef idx="1">
+            <a:schemeClr val="accent1"/>
+          </a:lnRef>
+          <a:fillRef idx="0">
+            <a:schemeClr val="accent1"/>
+          </a:fillRef>
+          <a:effectRef idx="0">
+            <a:schemeClr val="accent1"/>
+          </a:effectRef>
+          <a:fontRef idx="minor">
+            <a:schemeClr val="tx1"/>
+          </a:fontRef>
+        </p:style>
+      </p:cxnSp>
+      <p:cxnSp>
+        <p:nvCxnSpPr>
+          <p:cNvPr id="60" name="도형 59"/>
+          <p:cNvCxnSpPr>
+            <a:stCxn id="4" idx="4"/>
+            <a:endCxn id="5" idx="0"/>
+          </p:cNvCxnSpPr>
+          <p:nvPr/>
+        </p:nvCxnSpPr>
+        <p:spPr>
+          <a:xfrm rot="0" flipH="1">
+            <a:off x="1979295" y="2414270"/>
+            <a:ext cx="532765" cy="554990"/>
+          </a:xfrm>
+          <a:prstGeom prst="straightConnector1"/>
+          <a:ln w="6350" cap="flat" cmpd="sng">
+            <a:solidFill>
+              <a:schemeClr val="accent1">
+                <a:alpha val="100000"/>
+              </a:schemeClr>
+            </a:solidFill>
+            <a:prstDash val="solid"/>
+            <a:tailEnd type="triangle" w="med" len="med"/>
+          </a:ln>
+        </p:spPr>
+        <p:style>
+          <a:lnRef idx="1">
+            <a:schemeClr val="accent1"/>
+          </a:lnRef>
+          <a:fillRef idx="0">
+            <a:schemeClr val="accent1"/>
+          </a:fillRef>
+          <a:effectRef idx="0">
+            <a:schemeClr val="accent1"/>
+          </a:effectRef>
+          <a:fontRef idx="minor">
+            <a:schemeClr val="tx1"/>
+          </a:fontRef>
+        </p:style>
+      </p:cxnSp>
+      <p:cxnSp>
+        <p:nvCxnSpPr>
+          <p:cNvPr id="62" name="도형 61"/>
+          <p:cNvCxnSpPr>
+            <a:stCxn id="4" idx="4"/>
+            <a:endCxn id="7" idx="0"/>
+          </p:cNvCxnSpPr>
+          <p:nvPr/>
+        </p:nvCxnSpPr>
+        <p:spPr>
+          <a:xfrm rot="0">
+            <a:off x="2510790" y="2414270"/>
+            <a:ext cx="531495" cy="554990"/>
+          </a:xfrm>
+          <a:prstGeom prst="straightConnector1"/>
+          <a:ln w="6350" cap="flat" cmpd="sng">
+            <a:solidFill>
+              <a:schemeClr val="accent1">
+                <a:alpha val="100000"/>
+              </a:schemeClr>
+            </a:solidFill>
+            <a:prstDash val="solid"/>
+            <a:tailEnd type="triangle" w="med" len="med"/>
+          </a:ln>
+        </p:spPr>
+        <p:style>
+          <a:lnRef idx="1">
+            <a:schemeClr val="accent1"/>
+          </a:lnRef>
+          <a:fillRef idx="0">
+            <a:schemeClr val="accent1"/>
+          </a:fillRef>
+          <a:effectRef idx="0">
+            <a:schemeClr val="accent1"/>
+          </a:effectRef>
+          <a:fontRef idx="minor">
+            <a:schemeClr val="tx1"/>
+          </a:fontRef>
+        </p:style>
+      </p:cxnSp>
+      <p:cxnSp>
+        <p:nvCxnSpPr>
+          <p:cNvPr id="63" name="도형 62"/>
+          <p:cNvCxnSpPr>
+            <a:stCxn id="5" idx="4"/>
+            <a:endCxn id="54" idx="0"/>
+          </p:cNvCxnSpPr>
+          <p:nvPr/>
+        </p:nvCxnSpPr>
+        <p:spPr>
+          <a:xfrm rot="0" flipH="1">
+            <a:off x="1290955" y="3354705"/>
+            <a:ext cx="689610" cy="374015"/>
+          </a:xfrm>
+          <a:prstGeom prst="straightConnector1"/>
+          <a:ln w="6350" cap="flat" cmpd="sng">
+            <a:solidFill>
+              <a:schemeClr val="accent1">
+                <a:alpha val="100000"/>
+              </a:schemeClr>
+            </a:solidFill>
+            <a:prstDash val="solid"/>
+            <a:tailEnd type="triangle" w="med" len="med"/>
+          </a:ln>
+        </p:spPr>
+        <p:style>
+          <a:lnRef idx="1">
+            <a:schemeClr val="accent1"/>
+          </a:lnRef>
+          <a:fillRef idx="0">
+            <a:schemeClr val="accent1"/>
+          </a:fillRef>
+          <a:effectRef idx="0">
+            <a:schemeClr val="accent1"/>
+          </a:effectRef>
+          <a:fontRef idx="minor">
+            <a:schemeClr val="tx1"/>
+          </a:fontRef>
+        </p:style>
+      </p:cxnSp>
+      <p:cxnSp>
+        <p:nvCxnSpPr>
+          <p:cNvPr id="64" name="도형 63"/>
+          <p:cNvCxnSpPr>
+            <a:stCxn id="5" idx="4"/>
+            <a:endCxn id="55" idx="0"/>
+          </p:cNvCxnSpPr>
+          <p:nvPr/>
+        </p:nvCxnSpPr>
+        <p:spPr>
+          <a:xfrm rot="0">
+            <a:off x="1979295" y="3354705"/>
+            <a:ext cx="12700" cy="361950"/>
+          </a:xfrm>
+          <a:prstGeom prst="straightConnector1"/>
+          <a:ln w="6350" cap="flat" cmpd="sng">
+            <a:solidFill>
+              <a:schemeClr val="accent1">
+                <a:alpha val="100000"/>
+              </a:schemeClr>
+            </a:solidFill>
+            <a:prstDash val="solid"/>
+            <a:tailEnd type="triangle" w="med" len="med"/>
+          </a:ln>
+        </p:spPr>
+        <p:style>
+          <a:lnRef idx="1">
+            <a:schemeClr val="accent1"/>
+          </a:lnRef>
+          <a:fillRef idx="0">
+            <a:schemeClr val="accent1"/>
+          </a:fillRef>
+          <a:effectRef idx="0">
+            <a:schemeClr val="accent1"/>
+          </a:effectRef>
+          <a:fontRef idx="minor">
+            <a:schemeClr val="tx1"/>
+          </a:fontRef>
+        </p:style>
+      </p:cxnSp>
+      <p:cxnSp>
+        <p:nvCxnSpPr>
+          <p:cNvPr id="65" name="도형 64"/>
+          <p:cNvCxnSpPr>
+            <a:stCxn id="6" idx="4"/>
+            <a:endCxn id="56" idx="0"/>
+          </p:cNvCxnSpPr>
+          <p:nvPr/>
+        </p:nvCxnSpPr>
+        <p:spPr>
+          <a:xfrm rot="0">
+            <a:off x="2498090" y="3342640"/>
+            <a:ext cx="205740" cy="386080"/>
+          </a:xfrm>
+          <a:prstGeom prst="straightConnector1"/>
+          <a:ln w="6350" cap="flat" cmpd="sng">
+            <a:solidFill>
+              <a:schemeClr val="accent1">
+                <a:alpha val="100000"/>
+              </a:schemeClr>
+            </a:solidFill>
+            <a:prstDash val="solid"/>
+            <a:tailEnd type="triangle" w="med" len="med"/>
+          </a:ln>
+        </p:spPr>
+        <p:style>
+          <a:lnRef idx="1">
+            <a:schemeClr val="accent1"/>
+          </a:lnRef>
+          <a:fillRef idx="0">
+            <a:schemeClr val="accent1"/>
+          </a:fillRef>
+          <a:effectRef idx="0">
+            <a:schemeClr val="accent1"/>
+          </a:effectRef>
+          <a:fontRef idx="minor">
+            <a:schemeClr val="tx1"/>
+          </a:fontRef>
+        </p:style>
+      </p:cxnSp>
+      <p:cxnSp>
+        <p:nvCxnSpPr>
+          <p:cNvPr id="66" name="도형 65"/>
+          <p:cNvCxnSpPr>
+            <a:stCxn id="4" idx="4"/>
+            <a:endCxn id="6" idx="0"/>
+          </p:cNvCxnSpPr>
+          <p:nvPr/>
+        </p:nvCxnSpPr>
+        <p:spPr>
+          <a:xfrm rot="0" flipH="1">
+            <a:off x="2498090" y="2414270"/>
+            <a:ext cx="13970" cy="542925"/>
+          </a:xfrm>
+          <a:prstGeom prst="straightConnector1"/>
+          <a:ln w="6350" cap="flat" cmpd="sng">
+            <a:solidFill>
+              <a:schemeClr val="accent1">
+                <a:alpha val="100000"/>
+              </a:schemeClr>
+            </a:solidFill>
+            <a:prstDash val="solid"/>
+            <a:tailEnd type="triangle" w="med" len="med"/>
+          </a:ln>
+        </p:spPr>
+        <p:style>
+          <a:lnRef idx="1">
+            <a:schemeClr val="accent1"/>
+          </a:lnRef>
+          <a:fillRef idx="0">
+            <a:schemeClr val="accent1"/>
+          </a:fillRef>
+          <a:effectRef idx="0">
+            <a:schemeClr val="accent1"/>
+          </a:effectRef>
+          <a:fontRef idx="minor">
+            <a:schemeClr val="tx1"/>
+          </a:fontRef>
+        </p:style>
+      </p:cxnSp>
+      <p:graphicFrame>
+        <p:nvGraphicFramePr>
+          <p:cNvPr id="67" name="표 66"/>
+          <p:cNvGraphicFramePr>
+            <a:graphicFrameLocks noGrp="1"/>
+          </p:cNvGraphicFramePr>
+          <p:nvPr/>
+        </p:nvGraphicFramePr>
+        <p:xfrm>
+          <a:off x="4832350" y="2361565"/>
+          <a:ext cx="4191635" cy="752475"/>
+        </p:xfrm>
+        <a:graphic>
+          <a:graphicData uri="http://schemas.openxmlformats.org/drawingml/2006/table">
+            <a:tbl>
+              <a:tblPr firstRow="1" bandRow="1">
+                <a:tableStyleId>{5C22544A-7EE6-4342-B048-85BDC9FD1C3A}</a:tableStyleId>
+              </a:tblPr>
+              <a:tblGrid>
+                <a:gridCol w="4191635"/>
+              </a:tblGrid>
+              <a:tr h="752475">
+                <a:tc>
+                  <a:txBody>
+                    <a:bodyPr/>
+                    <a:lstStyle/>
+                    <a:p>
+                      <a:pPr marL="0" indent="0" algn="l" fontAlgn="auto" defTabSz="508000" eaLnBrk="0">
+                        <a:lnSpc>
+                          <a:spcPct val="100000"/>
+                        </a:lnSpc>
+                        <a:spcBef>
+                          <a:spcPts val="0"/>
+                        </a:spcBef>
+                        <a:spcAft>
+                          <a:spcPts val="0"/>
+                        </a:spcAft>
+                        <a:buFontTx/>
+                        <a:buNone/>
+                      </a:pPr>
+                      <a:endParaRPr lang="ko-KR" altLang="en-US" sz="4000" kern="1200" dirty="0" smtClean="0" cap="none" b="1" strike="noStrike">
+                        <a:solidFill>
+                          <a:schemeClr val="tx1"/>
+                        </a:solidFill>
+                        <a:latin typeface="맑은 고딕" charset="0"/>
+                        <a:ea typeface="맑은 고딕" charset="0"/>
+                      </a:endParaRPr>
+                    </a:p>
+                  </a:txBody>
+                  <a:tcPr marL="90170" marR="90170" marT="46990" marB="46990" anchor="t">
+                    <a:lnL w="0" cap="flat" cmpd="sng" algn="ctr">
+                      <a:noFill/>
+                      <a:prstDash/>
+                      <a:round/>
+                      <a:headEnd type="none" w="med" len="med"/>
+                      <a:tailEnd type="none" w="med" len="med"/>
+                    </a:lnL>
+                    <a:lnR w="0" cap="flat" cmpd="sng" algn="ctr">
+                      <a:noFill/>
+                      <a:prstDash/>
+                      <a:round/>
+                      <a:headEnd type="none" w="med" len="med"/>
+                      <a:tailEnd type="none" w="med" len="med"/>
+                    </a:lnR>
+                    <a:lnT w="12700" cap="flat" cmpd="sng" algn="ctr">
+                      <a:solidFill>
+                        <a:srgbClr val="000000">
+                          <a:alpha val="100000"/>
+                        </a:srgbClr>
+                      </a:solidFill>
+                      <a:prstDash val="solid"/>
+                      <a:round/>
+                      <a:headEnd type="none" w="med" len="med"/>
+                      <a:tailEnd type="none" w="med" len="med"/>
+                    </a:lnT>
+                    <a:lnB w="12700" cap="flat" cmpd="sng" algn="ctr">
+                      <a:solidFill>
+                        <a:srgbClr val="000000">
+                          <a:alpha val="100000"/>
+                        </a:srgbClr>
+                      </a:solidFill>
+                      <a:prstDash val="solid"/>
+                      <a:round/>
+                      <a:headEnd type="none" w="med" len="med"/>
+                      <a:tailEnd type="none" w="med" len="med"/>
+                    </a:lnB>
+                    <a:lnTlToBr w="0" cap="flat" cmpd="sng" algn="ctr">
+                      <a:noFill/>
+                      <a:prstDash/>
+                      <a:round/>
+                      <a:headEnd type="none" w="med" len="med"/>
+                      <a:tailEnd type="none" w="med" len="med"/>
+                    </a:lnTlToBr>
+                    <a:lnBlToTr w="0" cap="flat" cmpd="sng" algn="ctr">
+                      <a:noFill/>
+                      <a:prstDash/>
+                      <a:round/>
+                      <a:headEnd type="none" w="med" len="med"/>
+                      <a:tailEnd type="none" w="med" len="med"/>
+                    </a:lnBlToTr>
+                    <a:noFill/>
+                  </a:tcPr>
+                </a:tc>
+              </a:tr>
+            </a:tbl>
+          </a:graphicData>
+        </a:graphic>
+      </p:graphicFrame>
+      <p:sp>
+        <p:nvSpPr>
+          <p:cNvPr id="68" name="텍스트 상자 67"/>
+          <p:cNvSpPr txBox="1">
+            <a:spLocks/>
+          </p:cNvSpPr>
+          <p:nvPr/>
+        </p:nvSpPr>
+        <p:spPr>
+          <a:xfrm rot="0">
+            <a:off x="4827270" y="2018030"/>
+            <a:ext cx="4383405" cy="370840"/>
+          </a:xfrm>
+          <a:prstGeom prst="rect"/>
+          <a:noFill/>
+          <a:ln w="0">
+            <a:noFill/>
+            <a:prstDash/>
+          </a:ln>
+        </p:spPr>
+        <p:txBody>
+          <a:bodyPr wrap="square" lIns="89535" tIns="46355" rIns="89535" bIns="46355" vert="horz" anchor="t">
+            <a:noAutofit/>
+          </a:bodyPr>
+          <a:lstStyle/>
+          <a:p>
+            <a:pPr marL="0" indent="0" algn="l" fontAlgn="auto" defTabSz="508000" eaLnBrk="0">
+              <a:lnSpc>
+                <a:spcPct val="100000"/>
+              </a:lnSpc>
+              <a:spcBef>
+                <a:spcPts val="0"/>
+              </a:spcBef>
+              <a:spcAft>
+                <a:spcPts val="0"/>
+              </a:spcAft>
+              <a:buFontTx/>
+              <a:buNone/>
+            </a:pPr>
+            <a:r>
+              <a:rPr lang="en-US" altLang="ko-KR" sz="1800" cap="none" dirty="0" smtClean="0" b="0" strike="noStrike">
+                <a:latin typeface="맑은 고딕" charset="0"/>
+                <a:ea typeface="맑은 고딕" charset="0"/>
+              </a:rPr>
+              <a:t>Front						back</a:t>
+            </a:r>
+            <a:endParaRPr lang="ko-KR" altLang="en-US" sz="1800" cap="none" dirty="0" smtClean="0" b="0" strike="noStrike">
+              <a:latin typeface="맑은 고딕" charset="0"/>
+              <a:ea typeface="맑은 고딕" charset="0"/>
+            </a:endParaRPr>
+          </a:p>
+        </p:txBody>
+      </p:sp>
+      <p:sp>
+        <p:nvSpPr>
+          <p:cNvPr id="69" name="텍스트 상자 68"/>
+          <p:cNvSpPr txBox="1">
+            <a:spLocks/>
+          </p:cNvSpPr>
+          <p:nvPr/>
+        </p:nvSpPr>
+        <p:spPr>
+          <a:xfrm rot="0">
+            <a:off x="4939030" y="2414270"/>
+            <a:ext cx="1560830" cy="709295"/>
+          </a:xfrm>
+          <a:prstGeom prst="rect"/>
+          <a:noFill/>
+          <a:ln w="0">
+            <a:noFill/>
+            <a:prstDash/>
+          </a:ln>
+        </p:spPr>
+        <p:txBody>
+          <a:bodyPr wrap="none" lIns="89535" tIns="46355" rIns="89535" bIns="46355" vert="horz" anchor="t">
+            <a:noAutofit/>
+          </a:bodyPr>
+          <a:lstStyle/>
+          <a:p>
+            <a:pPr marL="0" indent="0" algn="l" fontAlgn="auto" defTabSz="508000" eaLnBrk="0">
+              <a:lnSpc>
+                <a:spcPct val="100000"/>
+              </a:lnSpc>
+              <a:spcBef>
+                <a:spcPts val="0"/>
+              </a:spcBef>
+              <a:spcAft>
+                <a:spcPts val="0"/>
+              </a:spcAft>
+              <a:buFontTx/>
+              <a:buNone/>
+            </a:pPr>
+            <a:r>
+              <a:rPr lang="en-US" altLang="ko-KR" sz="4000" cap="none" dirty="0" smtClean="0" b="0" strike="noStrike">
+                <a:latin typeface="맑은 고딕" charset="0"/>
+                <a:ea typeface="맑은 고딕" charset="0"/>
+              </a:rPr>
+              <a:t>B	C	D</a:t>
+            </a:r>
+            <a:endParaRPr lang="ko-KR" altLang="en-US" sz="4000" cap="none" dirty="0" smtClean="0" b="0" strike="noStrike">
+              <a:latin typeface="맑은 고딕" charset="0"/>
+              <a:ea typeface="맑은 고딕" charset="0"/>
+            </a:endParaRPr>
+          </a:p>
+        </p:txBody>
+      </p:sp>
+      <p:sp>
+        <p:nvSpPr>
+          <p:cNvPr id="70" name="텍스트 상자 69"/>
+          <p:cNvSpPr txBox="1">
+            <a:spLocks/>
+          </p:cNvSpPr>
+          <p:nvPr/>
+        </p:nvSpPr>
+        <p:spPr>
+          <a:xfrm rot="0">
+            <a:off x="4852035" y="3268345"/>
+            <a:ext cx="330835" cy="370840"/>
+          </a:xfrm>
+          <a:prstGeom prst="rect"/>
+          <a:noFill/>
+          <a:ln w="0">
+            <a:noFill/>
+            <a:prstDash/>
+          </a:ln>
+        </p:spPr>
+        <p:txBody>
+          <a:bodyPr wrap="none" lIns="89535" tIns="46355" rIns="89535" bIns="46355" vert="horz" anchor="t">
+            <a:noAutofit/>
+          </a:bodyPr>
+          <a:lstStyle/>
+          <a:p>
+            <a:pPr marL="0" indent="0" algn="l" fontAlgn="auto" defTabSz="508000" eaLnBrk="0">
+              <a:lnSpc>
+                <a:spcPct val="100000"/>
+              </a:lnSpc>
+              <a:spcBef>
+                <a:spcPts val="0"/>
+              </a:spcBef>
+              <a:spcAft>
+                <a:spcPts val="0"/>
+              </a:spcAft>
+              <a:buFontTx/>
+              <a:buNone/>
+            </a:pPr>
+            <a:r>
+              <a:rPr lang="en-US" altLang="ko-KR" sz="1800" cap="none" dirty="0" smtClean="0" b="0" strike="noStrike">
+                <a:latin typeface="맑은 고딕" charset="0"/>
+                <a:ea typeface="맑은 고딕" charset="0"/>
+              </a:rPr>
+              <a:t>A</a:t>
+            </a:r>
+            <a:endParaRPr lang="ko-KR" altLang="en-US" sz="1800" cap="none" dirty="0" smtClean="0" b="0" strike="noStrike">
+              <a:latin typeface="맑은 고딕" charset="0"/>
+              <a:ea typeface="맑은 고딕" charset="0"/>
+            </a:endParaRPr>
+          </a:p>
+        </p:txBody>
+      </p:sp>
+    </p:spTree>
+  </p:cSld>
+  <p:clrMapOvr>
+    <a:masterClrMapping/>
+  </p:clrMapOvr>
+  <mc:AlternateContent xmlns:mc="http://schemas.openxmlformats.org/markup-compatibility/2006">
+    <mc:Choice xmlns:p14="http://schemas.microsoft.com/office/powerpoint/2010/main" Requires="p14">
+      <p:transition spd="slow" p14:dur="1000"/>
+    </mc:Choice>
+    <mc:Fallback>
+      <p:transition spd="slow"/>
+    </mc:Fallback>
+  </mc:AlternateContent>
+  <p:timing>
+    <p:tnLst>
+      <p:par>
+        <p:cTn id="1" dur="indefinite" restart="never" nodeType="tmRoot">
+          <p:childTnLst>
+            <p:seq concurrent="1" nextAc="seek">
+              <p:cTn id="2" dur="indefinite" nodeType="mainSeq"/>
+              <p:prevCondLst>
+                <p:cond evt="onPrev" delay="0">
+                  <p:tgtEl>
+                    <p:sldTgt/>
+                  </p:tgtEl>
+                </p:cond>
+              </p:prevCondLst>
+              <p:nextCondLst>
+                <p:cond evt="onNext" delay="0">
+                  <p:tgtEl>
+                    <p:sldTgt/>
+                  </p:tgtEl>
+                </p:cond>
+              </p:nextCondLst>
+            </p:seq>
+          </p:childTnLst>
+        </p:cTn>
+      </p:par>
+    </p:tnLst>
+  </p:timing>
+</p:sld>
+</file>
+
+<file path=ppt/slides/slide12.xml><?xml version="1.0" encoding="utf-8"?>
+<p:sld xmlns:a="http://schemas.openxmlformats.org/drawingml/2006/main" xmlns:r="http://schemas.openxmlformats.org/officeDocument/2006/relationships" xmlns:p="http://schemas.openxmlformats.org/presentationml/2006/main">
+  <p:cSld>
+    <p:spTree>
+      <p:nvGrpSpPr>
+        <p:cNvPr id="1" name=""/>
+        <p:cNvGrpSpPr/>
+        <p:nvPr/>
+      </p:nvGrpSpPr>
+      <p:grpSpPr>
+        <a:xfrm>
+          <a:off x="0" y="0"/>
+          <a:ext cx="0" cy="0"/>
+          <a:chOff x="0" y="0"/>
+          <a:chExt cx="0" cy="0"/>
+        </a:xfrm>
+      </p:grpSpPr>
+      <p:sp>
+        <p:nvSpPr>
+          <p:cNvPr id="2" name="텍스트 개체 틀 1"/>
+          <p:cNvSpPr txBox="1">
+            <a:spLocks/>
+          </p:cNvSpPr>
+          <p:nvPr>
+            <p:ph type="title"/>
+          </p:nvPr>
+        </p:nvSpPr>
+        <p:spPr>
+          <a:xfrm rot="0">
+            <a:off x="838200" y="365125"/>
+            <a:ext cx="10518775" cy="1329055"/>
+          </a:xfrm>
+          <a:prstGeom prst="rect"/>
+        </p:spPr>
+        <p:txBody>
+          <a:bodyPr wrap="square" lIns="91440" tIns="45720" rIns="91440" bIns="45720" vert="horz" anchor="ctr">
+            <a:normAutofit fontScale="100000" lnSpcReduction="0"/>
+          </a:bodyPr>
+          <a:lstStyle/>
+          <a:p>
+            <a:pPr marL="0" indent="0" algn="l" fontAlgn="auto" defTabSz="914400" eaLnBrk="0">
+              <a:lnSpc>
+                <a:spcPct val="90000"/>
+              </a:lnSpc>
+              <a:spcBef>
+                <a:spcPts val="0"/>
+              </a:spcBef>
+              <a:spcAft>
+                <a:spcPts val="0"/>
+              </a:spcAft>
+              <a:buFontTx/>
+              <a:buNone/>
+            </a:pPr>
+            <a:r>
+              <a:rPr lang="en-US" altLang="ko-KR" sz="4400" cap="none" dirty="0" smtClean="0" b="0" strike="noStrike">
+                <a:latin typeface="맑은 고딕" charset="0"/>
+                <a:ea typeface="맑은 고딕" charset="0"/>
+              </a:rPr>
+              <a:t>data structure</a:t>
+            </a:r>
+            <a:endParaRPr lang="ko-KR" altLang="en-US" sz="4400" cap="none" dirty="0" smtClean="0" b="0" strike="noStrike">
+              <a:latin typeface="맑은 고딕" charset="0"/>
+              <a:ea typeface="맑은 고딕" charset="0"/>
+            </a:endParaRPr>
+          </a:p>
+        </p:txBody>
+      </p:sp>
+      <p:sp>
+        <p:nvSpPr>
+          <p:cNvPr id="3" name="내용 개체 틀 2"/>
+          <p:cNvSpPr txBox="1">
+            <a:spLocks/>
+          </p:cNvSpPr>
+          <p:nvPr>
+            <p:ph type="obj"/>
+          </p:nvPr>
+        </p:nvSpPr>
+        <p:spPr>
+          <a:xfrm rot="0">
+            <a:off x="838200" y="1813560"/>
+            <a:ext cx="3749675" cy="4355465"/>
+          </a:xfrm>
+          <a:prstGeom prst="rect"/>
+        </p:spPr>
+        <p:txBody>
+          <a:bodyPr wrap="square" lIns="91440" tIns="45720" rIns="91440" bIns="45720" vert="horz" anchor="t">
+            <a:normAutofit fontScale="100000" lnSpcReduction="0"/>
+          </a:bodyPr>
+          <a:lstStyle/>
+          <a:p>
+            <a:pPr marL="228600" indent="-228600" algn="l" fontAlgn="auto" defTabSz="914400" eaLnBrk="0">
+              <a:lnSpc>
+                <a:spcPct val="90000"/>
+              </a:lnSpc>
+              <a:spcBef>
+                <a:spcPts val="1000"/>
+              </a:spcBef>
+              <a:spcAft>
+                <a:spcPts val="0"/>
+              </a:spcAft>
+              <a:buClr>
+                <a:srgbClr val="404040"/>
+              </a:buClr>
+              <a:buFont typeface="Arial"/>
+              <a:buChar char="•"/>
+            </a:pPr>
+            <a:r>
+              <a:rPr lang="en-US" altLang="ko-KR" sz="2000" cap="none" dirty="0" smtClean="0" b="0" strike="noStrike">
+                <a:solidFill>
+                  <a:srgbClr val="373A3C"/>
+                </a:solidFill>
+                <a:latin typeface="맑은 고딕" charset="0"/>
+                <a:ea typeface="맑은 고딕" charset="0"/>
+              </a:rPr>
+              <a:t>BFS</a:t>
+            </a:r>
+            <a:endParaRPr lang="ko-KR" altLang="en-US" sz="2000" cap="none" dirty="0" smtClean="0" b="0" strike="noStrike">
+              <a:solidFill>
+                <a:srgbClr val="373A3C"/>
+              </a:solidFill>
+              <a:latin typeface="맑은 고딕" charset="0"/>
+              <a:ea typeface="맑은 고딕" charset="0"/>
+            </a:endParaRPr>
+          </a:p>
+          <a:p>
+            <a:pPr marL="0" indent="0" algn="l" fontAlgn="auto" defTabSz="914400" eaLnBrk="0">
+              <a:lnSpc>
+                <a:spcPct val="90000"/>
+              </a:lnSpc>
+              <a:spcBef>
+                <a:spcPts val="1000"/>
+              </a:spcBef>
+              <a:spcAft>
+                <a:spcPts val="0"/>
+              </a:spcAft>
+              <a:buFontTx/>
+              <a:buNone/>
+            </a:pPr>
+            <a:endParaRPr lang="ko-KR" altLang="en-US" sz="2000" cap="none" dirty="0" smtClean="0" b="0" strike="noStrike">
+              <a:solidFill>
+                <a:srgbClr val="373A3C"/>
+              </a:solidFill>
+              <a:latin typeface="맑은 고딕" charset="0"/>
+              <a:ea typeface="맑은 고딕" charset="0"/>
+            </a:endParaRPr>
+          </a:p>
+          <a:p>
+            <a:pPr marL="228600" indent="-228600" algn="l" fontAlgn="auto" defTabSz="914400" eaLnBrk="0">
+              <a:lnSpc>
+                <a:spcPct val="90000"/>
+              </a:lnSpc>
+              <a:spcBef>
+                <a:spcPts val="1000"/>
+              </a:spcBef>
+              <a:spcAft>
+                <a:spcPts val="0"/>
+              </a:spcAft>
+              <a:buClr>
+                <a:srgbClr val="404040"/>
+              </a:buClr>
+              <a:buFont typeface="Arial"/>
+              <a:buChar char="•"/>
+            </a:pPr>
+            <a:endParaRPr lang="ko-KR" altLang="en-US" sz="2000" cap="none" dirty="0" smtClean="0" b="0" strike="noStrike">
+              <a:solidFill>
+                <a:schemeClr val="tx1">
+                  <a:lumMod val="75000"/>
+                  <a:lumOff val="25000"/>
+                </a:schemeClr>
+              </a:solidFill>
+              <a:latin typeface="맑은 고딕" charset="0"/>
+              <a:ea typeface="맑은 고딕" charset="0"/>
+            </a:endParaRPr>
+          </a:p>
+        </p:txBody>
+      </p:sp>
+      <p:sp>
+        <p:nvSpPr>
+          <p:cNvPr id="4" name="도형 3"/>
+          <p:cNvSpPr>
+            <a:spLocks/>
+          </p:cNvSpPr>
+          <p:nvPr/>
+        </p:nvSpPr>
+        <p:spPr>
+          <a:xfrm rot="0">
+            <a:off x="2317750" y="2027555"/>
+            <a:ext cx="387350" cy="387985"/>
+          </a:xfrm>
+          <a:prstGeom prst="ellipse"/>
+        </p:spPr>
+        <p:style>
+          <a:lnRef idx="2">
+            <a:schemeClr val="accent1">
+              <a:shade val="50000"/>
+            </a:schemeClr>
+          </a:lnRef>
+          <a:fillRef idx="1">
+            <a:schemeClr val="accent1"/>
+          </a:fillRef>
+          <a:effectRef idx="0">
+            <a:schemeClr val="accent1"/>
+          </a:effectRef>
+          <a:fontRef idx="minor">
+            <a:schemeClr val="lt1"/>
+          </a:fontRef>
+        </p:style>
+        <p:txBody>
+          <a:bodyPr wrap="square" lIns="91440" tIns="45720" rIns="91440" bIns="45720" vert="horz" anchor="ctr">
+            <a:noAutofit/>
+          </a:bodyPr>
+          <a:lstStyle/>
+          <a:p>
+            <a:pPr marL="0" indent="0" algn="ctr" fontAlgn="auto" defTabSz="508000" eaLnBrk="0">
+              <a:lnSpc>
+                <a:spcPct val="100000"/>
+              </a:lnSpc>
+              <a:spcBef>
+                <a:spcPts val="0"/>
+              </a:spcBef>
+              <a:spcAft>
+                <a:spcPts val="0"/>
+              </a:spcAft>
+              <a:buFontTx/>
+              <a:buNone/>
+            </a:pPr>
+            <a:r>
+              <a:rPr lang="en-US" altLang="ko-KR" sz="1800" cap="none" dirty="0" smtClean="0" b="0" strike="noStrike">
+                <a:latin typeface="맑은 고딕" charset="0"/>
+                <a:ea typeface="맑은 고딕" charset="0"/>
+              </a:rPr>
+              <a:t>A</a:t>
+            </a:r>
+            <a:endParaRPr lang="ko-KR" altLang="en-US" sz="1800" cap="none" dirty="0" smtClean="0" b="0" strike="noStrike">
+              <a:latin typeface="맑은 고딕" charset="0"/>
+              <a:ea typeface="맑은 고딕" charset="0"/>
+            </a:endParaRPr>
+          </a:p>
+        </p:txBody>
+      </p:sp>
+      <p:sp>
+        <p:nvSpPr>
+          <p:cNvPr id="5" name="도형 4"/>
+          <p:cNvSpPr>
+            <a:spLocks/>
+          </p:cNvSpPr>
+          <p:nvPr/>
+        </p:nvSpPr>
+        <p:spPr>
+          <a:xfrm rot="0">
+            <a:off x="1786255" y="2967990"/>
+            <a:ext cx="387350" cy="387985"/>
+          </a:xfrm>
+          <a:prstGeom prst="ellipse"/>
+        </p:spPr>
+        <p:style>
+          <a:lnRef idx="2">
+            <a:schemeClr val="accent1">
+              <a:shade val="50000"/>
+            </a:schemeClr>
+          </a:lnRef>
+          <a:fillRef idx="1">
+            <a:schemeClr val="accent1"/>
+          </a:fillRef>
+          <a:effectRef idx="0">
+            <a:schemeClr val="accent1"/>
+          </a:effectRef>
+          <a:fontRef idx="minor">
+            <a:schemeClr val="lt1"/>
+          </a:fontRef>
+        </p:style>
+        <p:txBody>
+          <a:bodyPr wrap="square" lIns="91440" tIns="45720" rIns="91440" bIns="45720" vert="horz" anchor="ctr">
+            <a:noAutofit/>
+          </a:bodyPr>
+          <a:lstStyle/>
+          <a:p>
+            <a:pPr marL="0" indent="0" algn="ctr" fontAlgn="auto" defTabSz="508000" eaLnBrk="0">
+              <a:lnSpc>
+                <a:spcPct val="100000"/>
+              </a:lnSpc>
+              <a:spcBef>
+                <a:spcPts val="0"/>
+              </a:spcBef>
+              <a:spcAft>
+                <a:spcPts val="0"/>
+              </a:spcAft>
+              <a:buFontTx/>
+              <a:buNone/>
+            </a:pPr>
+            <a:r>
+              <a:rPr lang="en-US" altLang="ko-KR" sz="1800" cap="none" dirty="0" smtClean="0" b="0" strike="noStrike">
+                <a:latin typeface="맑은 고딕" charset="0"/>
+                <a:ea typeface="맑은 고딕" charset="0"/>
+              </a:rPr>
+              <a:t>B</a:t>
+            </a:r>
+            <a:endParaRPr lang="ko-KR" altLang="en-US" sz="1800" cap="none" dirty="0" smtClean="0" b="0" strike="noStrike">
+              <a:latin typeface="맑은 고딕" charset="0"/>
+              <a:ea typeface="맑은 고딕" charset="0"/>
+            </a:endParaRPr>
+          </a:p>
+        </p:txBody>
+      </p:sp>
+      <p:sp>
+        <p:nvSpPr>
+          <p:cNvPr id="6" name="도형 5"/>
+          <p:cNvSpPr>
+            <a:spLocks/>
+          </p:cNvSpPr>
+          <p:nvPr/>
+        </p:nvSpPr>
+        <p:spPr>
+          <a:xfrm rot="0">
+            <a:off x="2305050" y="2955925"/>
+            <a:ext cx="387350" cy="387985"/>
+          </a:xfrm>
+          <a:prstGeom prst="ellipse"/>
+        </p:spPr>
+        <p:style>
+          <a:lnRef idx="2">
+            <a:schemeClr val="accent1">
+              <a:shade val="50000"/>
+            </a:schemeClr>
+          </a:lnRef>
+          <a:fillRef idx="1">
+            <a:schemeClr val="accent1"/>
+          </a:fillRef>
+          <a:effectRef idx="0">
+            <a:schemeClr val="accent1"/>
+          </a:effectRef>
+          <a:fontRef idx="minor">
+            <a:schemeClr val="lt1"/>
+          </a:fontRef>
+        </p:style>
+        <p:txBody>
+          <a:bodyPr wrap="square" lIns="91440" tIns="45720" rIns="91440" bIns="45720" vert="horz" anchor="ctr">
+            <a:noAutofit/>
+          </a:bodyPr>
+          <a:lstStyle/>
+          <a:p>
+            <a:pPr marL="0" indent="0" algn="ctr" fontAlgn="auto" defTabSz="508000" eaLnBrk="0">
+              <a:lnSpc>
+                <a:spcPct val="100000"/>
+              </a:lnSpc>
+              <a:spcBef>
+                <a:spcPts val="0"/>
+              </a:spcBef>
+              <a:spcAft>
+                <a:spcPts val="0"/>
+              </a:spcAft>
+              <a:buFontTx/>
+              <a:buNone/>
+            </a:pPr>
+            <a:r>
+              <a:rPr lang="en-US" altLang="ko-KR" sz="1800" cap="none" dirty="0" smtClean="0" b="0" strike="noStrike">
+                <a:latin typeface="맑은 고딕" charset="0"/>
+                <a:ea typeface="맑은 고딕" charset="0"/>
+              </a:rPr>
+              <a:t>C</a:t>
+            </a:r>
+            <a:endParaRPr lang="ko-KR" altLang="en-US" sz="1800" cap="none" dirty="0" smtClean="0" b="0" strike="noStrike">
+              <a:latin typeface="맑은 고딕" charset="0"/>
+              <a:ea typeface="맑은 고딕" charset="0"/>
+            </a:endParaRPr>
+          </a:p>
+        </p:txBody>
+      </p:sp>
+      <p:sp>
+        <p:nvSpPr>
+          <p:cNvPr id="7" name="도형 6"/>
+          <p:cNvSpPr>
+            <a:spLocks/>
+          </p:cNvSpPr>
+          <p:nvPr/>
+        </p:nvSpPr>
+        <p:spPr>
+          <a:xfrm rot="0">
+            <a:off x="2847975" y="2967990"/>
+            <a:ext cx="387350" cy="387985"/>
+          </a:xfrm>
+          <a:prstGeom prst="ellipse"/>
+        </p:spPr>
+        <p:style>
+          <a:lnRef idx="2">
+            <a:schemeClr val="accent1">
+              <a:shade val="50000"/>
+            </a:schemeClr>
+          </a:lnRef>
+          <a:fillRef idx="1">
+            <a:schemeClr val="accent1"/>
+          </a:fillRef>
+          <a:effectRef idx="0">
+            <a:schemeClr val="accent1"/>
+          </a:effectRef>
+          <a:fontRef idx="minor">
+            <a:schemeClr val="lt1"/>
+          </a:fontRef>
+        </p:style>
+        <p:txBody>
+          <a:bodyPr wrap="square" lIns="91440" tIns="45720" rIns="91440" bIns="45720" vert="horz" anchor="ctr">
+            <a:noAutofit/>
+          </a:bodyPr>
+          <a:lstStyle/>
+          <a:p>
+            <a:pPr marL="0" indent="0" algn="ctr" fontAlgn="auto" defTabSz="508000" eaLnBrk="0">
+              <a:lnSpc>
+                <a:spcPct val="100000"/>
+              </a:lnSpc>
+              <a:spcBef>
+                <a:spcPts val="0"/>
+              </a:spcBef>
+              <a:spcAft>
+                <a:spcPts val="0"/>
+              </a:spcAft>
+              <a:buFontTx/>
+              <a:buNone/>
+            </a:pPr>
+            <a:r>
+              <a:rPr lang="en-US" altLang="ko-KR" sz="1800" cap="none" dirty="0" smtClean="0" b="0" strike="noStrike">
+                <a:latin typeface="맑은 고딕" charset="0"/>
+                <a:ea typeface="맑은 고딕" charset="0"/>
+              </a:rPr>
+              <a:t>D</a:t>
+            </a:r>
+            <a:endParaRPr lang="ko-KR" altLang="en-US" sz="1800" cap="none" dirty="0" smtClean="0" b="0" strike="noStrike">
+              <a:latin typeface="맑은 고딕" charset="0"/>
+              <a:ea typeface="맑은 고딕" charset="0"/>
+            </a:endParaRPr>
+          </a:p>
+        </p:txBody>
+      </p:sp>
+      <p:sp>
+        <p:nvSpPr>
+          <p:cNvPr id="53" name="텍스트 상자 52"/>
+          <p:cNvSpPr txBox="1">
+            <a:spLocks/>
+          </p:cNvSpPr>
+          <p:nvPr/>
+        </p:nvSpPr>
+        <p:spPr>
+          <a:xfrm rot="0">
+            <a:off x="4816475" y="1918969"/>
+            <a:ext cx="542290" cy="370840"/>
+          </a:xfrm>
+          <a:prstGeom prst="rect"/>
+          <a:noFill/>
+          <a:ln w="0">
+            <a:noFill/>
+            <a:prstDash/>
+          </a:ln>
+        </p:spPr>
+        <p:txBody>
+          <a:bodyPr wrap="none" lIns="89535" tIns="46355" rIns="89535" bIns="46355" vert="horz" anchor="t">
+            <a:noAutofit/>
+          </a:bodyPr>
+          <a:lstStyle/>
+          <a:p>
+            <a:pPr marL="0" indent="0" algn="l" fontAlgn="auto" defTabSz="508000" eaLnBrk="0">
+              <a:lnSpc>
+                <a:spcPct val="100000"/>
+              </a:lnSpc>
+              <a:spcBef>
+                <a:spcPts val="0"/>
+              </a:spcBef>
+              <a:spcAft>
+                <a:spcPts val="0"/>
+              </a:spcAft>
+              <a:buFontTx/>
+              <a:buNone/>
+            </a:pPr>
+            <a:endParaRPr lang="ko-KR" altLang="en-US" sz="1800" cap="none" dirty="0" smtClean="0" b="0" strike="noStrike">
+              <a:latin typeface="맑은 고딕" charset="0"/>
+              <a:ea typeface="맑은 고딕" charset="0"/>
+            </a:endParaRPr>
+          </a:p>
+        </p:txBody>
+      </p:sp>
+      <p:sp>
+        <p:nvSpPr>
+          <p:cNvPr id="54" name="도형 53"/>
+          <p:cNvSpPr>
+            <a:spLocks/>
+          </p:cNvSpPr>
+          <p:nvPr/>
+        </p:nvSpPr>
+        <p:spPr>
+          <a:xfrm rot="0">
+            <a:off x="1097915" y="3727450"/>
+            <a:ext cx="387350" cy="387985"/>
+          </a:xfrm>
+          <a:prstGeom prst="ellipse"/>
+        </p:spPr>
+        <p:style>
+          <a:lnRef idx="2">
+            <a:schemeClr val="accent6">
+              <a:shade val="50000"/>
+            </a:schemeClr>
+          </a:lnRef>
+          <a:fillRef idx="1">
+            <a:schemeClr val="accent6"/>
+          </a:fillRef>
+          <a:effectRef idx="0">
+            <a:schemeClr val="accent6"/>
+          </a:effectRef>
+          <a:fontRef idx="minor">
+            <a:schemeClr val="lt1"/>
+          </a:fontRef>
+        </p:style>
+        <p:txBody>
+          <a:bodyPr wrap="square" lIns="91440" tIns="45720" rIns="91440" bIns="45720" vert="horz" anchor="ctr">
+            <a:noAutofit/>
+          </a:bodyPr>
+          <a:lstStyle/>
+          <a:p>
+            <a:pPr marL="0" indent="0" algn="ctr" fontAlgn="auto" defTabSz="508000" eaLnBrk="0">
+              <a:lnSpc>
+                <a:spcPct val="100000"/>
+              </a:lnSpc>
+              <a:spcBef>
+                <a:spcPts val="0"/>
+              </a:spcBef>
+              <a:spcAft>
+                <a:spcPts val="0"/>
+              </a:spcAft>
+              <a:buFontTx/>
+              <a:buNone/>
+            </a:pPr>
+            <a:r>
+              <a:rPr lang="en-US" altLang="ko-KR" sz="1800" cap="none" dirty="0" smtClean="0" b="0" strike="noStrike">
+                <a:latin typeface="맑은 고딕" charset="0"/>
+                <a:ea typeface="맑은 고딕" charset="0"/>
+              </a:rPr>
+              <a:t>E</a:t>
+            </a:r>
+            <a:endParaRPr lang="ko-KR" altLang="en-US" sz="1800" cap="none" dirty="0" smtClean="0" b="0" strike="noStrike">
+              <a:latin typeface="맑은 고딕" charset="0"/>
+              <a:ea typeface="맑은 고딕" charset="0"/>
+            </a:endParaRPr>
+          </a:p>
+        </p:txBody>
+      </p:sp>
+      <p:sp>
+        <p:nvSpPr>
+          <p:cNvPr id="55" name="도형 54"/>
+          <p:cNvSpPr>
+            <a:spLocks/>
+          </p:cNvSpPr>
+          <p:nvPr/>
+        </p:nvSpPr>
+        <p:spPr>
+          <a:xfrm rot="0">
+            <a:off x="1797685" y="3715385"/>
+            <a:ext cx="387350" cy="387985"/>
+          </a:xfrm>
+          <a:prstGeom prst="ellipse"/>
+        </p:spPr>
+        <p:style>
+          <a:lnRef idx="2">
+            <a:schemeClr val="accent6">
+              <a:shade val="50000"/>
+            </a:schemeClr>
+          </a:lnRef>
+          <a:fillRef idx="1">
+            <a:schemeClr val="accent6"/>
+          </a:fillRef>
+          <a:effectRef idx="0">
+            <a:schemeClr val="accent6"/>
+          </a:effectRef>
+          <a:fontRef idx="minor">
+            <a:schemeClr val="lt1"/>
+          </a:fontRef>
+        </p:style>
+        <p:txBody>
+          <a:bodyPr wrap="square" lIns="91440" tIns="45720" rIns="91440" bIns="45720" vert="horz" anchor="ctr">
+            <a:noAutofit/>
+          </a:bodyPr>
+          <a:lstStyle/>
+          <a:p>
+            <a:pPr marL="0" indent="0" algn="ctr" fontAlgn="auto" defTabSz="508000" eaLnBrk="0">
+              <a:lnSpc>
+                <a:spcPct val="100000"/>
+              </a:lnSpc>
+              <a:spcBef>
+                <a:spcPts val="0"/>
+              </a:spcBef>
+              <a:spcAft>
+                <a:spcPts val="0"/>
+              </a:spcAft>
+              <a:buFontTx/>
+              <a:buNone/>
+            </a:pPr>
+            <a:r>
+              <a:rPr lang="en-US" altLang="ko-KR" sz="1800" cap="none" dirty="0" smtClean="0" b="0" strike="noStrike">
+                <a:latin typeface="맑은 고딕" charset="0"/>
+                <a:ea typeface="맑은 고딕" charset="0"/>
+              </a:rPr>
+              <a:t>F</a:t>
+            </a:r>
+            <a:endParaRPr lang="ko-KR" altLang="en-US" sz="1800" cap="none" dirty="0" smtClean="0" b="0" strike="noStrike">
+              <a:latin typeface="맑은 고딕" charset="0"/>
+              <a:ea typeface="맑은 고딕" charset="0"/>
+            </a:endParaRPr>
+          </a:p>
+        </p:txBody>
+      </p:sp>
+      <p:sp>
+        <p:nvSpPr>
+          <p:cNvPr id="56" name="도형 55"/>
+          <p:cNvSpPr>
+            <a:spLocks/>
+          </p:cNvSpPr>
+          <p:nvPr/>
+        </p:nvSpPr>
+        <p:spPr>
+          <a:xfrm rot="0">
+            <a:off x="2509520" y="3727450"/>
+            <a:ext cx="387350" cy="387985"/>
+          </a:xfrm>
+          <a:prstGeom prst="ellipse"/>
+        </p:spPr>
+        <p:style>
+          <a:lnRef idx="2">
+            <a:schemeClr val="accent1">
+              <a:shade val="50000"/>
+            </a:schemeClr>
+          </a:lnRef>
+          <a:fillRef idx="1">
+            <a:schemeClr val="accent1"/>
+          </a:fillRef>
+          <a:effectRef idx="0">
+            <a:schemeClr val="accent1"/>
+          </a:effectRef>
+          <a:fontRef idx="minor">
+            <a:schemeClr val="lt1"/>
+          </a:fontRef>
+        </p:style>
+        <p:txBody>
+          <a:bodyPr wrap="square" lIns="91440" tIns="45720" rIns="91440" bIns="45720" vert="horz" anchor="ctr">
+            <a:noAutofit/>
+          </a:bodyPr>
+          <a:lstStyle/>
+          <a:p>
+            <a:pPr marL="0" indent="0" algn="ctr" fontAlgn="auto" defTabSz="508000" eaLnBrk="0">
+              <a:lnSpc>
+                <a:spcPct val="100000"/>
+              </a:lnSpc>
+              <a:spcBef>
+                <a:spcPts val="0"/>
+              </a:spcBef>
+              <a:spcAft>
+                <a:spcPts val="0"/>
+              </a:spcAft>
+              <a:buFontTx/>
+              <a:buNone/>
+            </a:pPr>
+            <a:r>
+              <a:rPr lang="en-US" altLang="ko-KR" sz="1800" cap="none" dirty="0" smtClean="0" b="0" strike="noStrike">
+                <a:latin typeface="맑은 고딕" charset="0"/>
+                <a:ea typeface="맑은 고딕" charset="0"/>
+              </a:rPr>
+              <a:t>G</a:t>
+            </a:r>
+            <a:endParaRPr lang="ko-KR" altLang="en-US" sz="1800" cap="none" dirty="0" smtClean="0" b="0" strike="noStrike">
+              <a:latin typeface="맑은 고딕" charset="0"/>
+              <a:ea typeface="맑은 고딕" charset="0"/>
+            </a:endParaRPr>
+          </a:p>
+        </p:txBody>
+      </p:sp>
+      <p:cxnSp>
+        <p:nvCxnSpPr>
+          <p:cNvPr id="57" name="도형 56"/>
+          <p:cNvCxnSpPr>
+            <a:stCxn id="5" idx="4"/>
+            <a:endCxn id="54" idx="0"/>
+          </p:cNvCxnSpPr>
+          <p:nvPr/>
+        </p:nvCxnSpPr>
+        <p:spPr>
+          <a:xfrm rot="0" flipH="1">
+            <a:off x="1290955" y="3354705"/>
+            <a:ext cx="689610" cy="374015"/>
+          </a:xfrm>
+          <a:prstGeom prst="line"/>
+          <a:ln w="6350" cap="flat" cmpd="sng">
+            <a:solidFill>
+              <a:schemeClr val="accent1">
+                <a:alpha val="100000"/>
+              </a:schemeClr>
+            </a:solidFill>
+            <a:prstDash val="solid"/>
+          </a:ln>
+        </p:spPr>
+        <p:style>
+          <a:lnRef idx="1">
+            <a:schemeClr val="accent1"/>
+          </a:lnRef>
+          <a:fillRef idx="0">
+            <a:schemeClr val="accent1"/>
+          </a:fillRef>
+          <a:effectRef idx="0">
+            <a:schemeClr val="accent1"/>
+          </a:effectRef>
+          <a:fontRef idx="minor">
+            <a:schemeClr val="tx1"/>
+          </a:fontRef>
+        </p:style>
+      </p:cxnSp>
+      <p:cxnSp>
+        <p:nvCxnSpPr>
+          <p:cNvPr id="58" name="도형 57"/>
+          <p:cNvCxnSpPr>
+            <a:stCxn id="5" idx="4"/>
+            <a:endCxn id="55" idx="0"/>
+          </p:cNvCxnSpPr>
+          <p:nvPr/>
+        </p:nvCxnSpPr>
+        <p:spPr>
+          <a:xfrm rot="0">
+            <a:off x="1979295" y="3354705"/>
+            <a:ext cx="12700" cy="361950"/>
+          </a:xfrm>
+          <a:prstGeom prst="line"/>
+          <a:ln w="6350" cap="flat" cmpd="sng">
+            <a:solidFill>
+              <a:schemeClr val="accent1">
+                <a:alpha val="100000"/>
+              </a:schemeClr>
+            </a:solidFill>
+            <a:prstDash val="solid"/>
+          </a:ln>
+        </p:spPr>
+        <p:style>
+          <a:lnRef idx="1">
+            <a:schemeClr val="accent1"/>
+          </a:lnRef>
+          <a:fillRef idx="0">
+            <a:schemeClr val="accent1"/>
+          </a:fillRef>
+          <a:effectRef idx="0">
+            <a:schemeClr val="accent1"/>
+          </a:effectRef>
+          <a:fontRef idx="minor">
+            <a:schemeClr val="tx1"/>
+          </a:fontRef>
+        </p:style>
+      </p:cxnSp>
+      <p:cxnSp>
+        <p:nvCxnSpPr>
+          <p:cNvPr id="59" name="도형 58"/>
+          <p:cNvCxnSpPr>
+            <a:stCxn id="6" idx="4"/>
+            <a:endCxn id="56" idx="0"/>
+          </p:cNvCxnSpPr>
+          <p:nvPr/>
+        </p:nvCxnSpPr>
+        <p:spPr>
+          <a:xfrm rot="0">
+            <a:off x="2498090" y="3342640"/>
+            <a:ext cx="205740" cy="386080"/>
+          </a:xfrm>
+          <a:prstGeom prst="line"/>
+          <a:ln w="6350" cap="flat" cmpd="sng">
+            <a:solidFill>
+              <a:schemeClr val="accent1">
+                <a:alpha val="100000"/>
+              </a:schemeClr>
+            </a:solidFill>
+            <a:prstDash val="solid"/>
+          </a:ln>
+        </p:spPr>
+        <p:style>
+          <a:lnRef idx="1">
+            <a:schemeClr val="accent1"/>
+          </a:lnRef>
+          <a:fillRef idx="0">
+            <a:schemeClr val="accent1"/>
+          </a:fillRef>
+          <a:effectRef idx="0">
+            <a:schemeClr val="accent1"/>
+          </a:effectRef>
+          <a:fontRef idx="minor">
+            <a:schemeClr val="tx1"/>
+          </a:fontRef>
+        </p:style>
+      </p:cxnSp>
+      <p:cxnSp>
+        <p:nvCxnSpPr>
+          <p:cNvPr id="60" name="도형 59"/>
+          <p:cNvCxnSpPr>
+            <a:stCxn id="4" idx="4"/>
+            <a:endCxn id="5" idx="0"/>
+          </p:cNvCxnSpPr>
+          <p:nvPr/>
+        </p:nvCxnSpPr>
+        <p:spPr>
+          <a:xfrm rot="0" flipH="1">
+            <a:off x="1979295" y="2414270"/>
+            <a:ext cx="532765" cy="554990"/>
+          </a:xfrm>
+          <a:prstGeom prst="straightConnector1"/>
+          <a:ln w="6350" cap="flat" cmpd="sng">
+            <a:solidFill>
+              <a:schemeClr val="accent1">
+                <a:alpha val="100000"/>
+              </a:schemeClr>
+            </a:solidFill>
+            <a:prstDash val="solid"/>
+            <a:tailEnd type="triangle" w="med" len="med"/>
+          </a:ln>
+        </p:spPr>
+        <p:style>
+          <a:lnRef idx="1">
+            <a:schemeClr val="accent1"/>
+          </a:lnRef>
+          <a:fillRef idx="0">
+            <a:schemeClr val="accent1"/>
+          </a:fillRef>
+          <a:effectRef idx="0">
+            <a:schemeClr val="accent1"/>
+          </a:effectRef>
+          <a:fontRef idx="minor">
+            <a:schemeClr val="tx1"/>
+          </a:fontRef>
+        </p:style>
+      </p:cxnSp>
+      <p:cxnSp>
+        <p:nvCxnSpPr>
+          <p:cNvPr id="62" name="도형 61"/>
+          <p:cNvCxnSpPr>
+            <a:stCxn id="4" idx="4"/>
+            <a:endCxn id="7" idx="0"/>
+          </p:cNvCxnSpPr>
+          <p:nvPr/>
+        </p:nvCxnSpPr>
+        <p:spPr>
+          <a:xfrm rot="0">
+            <a:off x="2510790" y="2414270"/>
+            <a:ext cx="531495" cy="554990"/>
+          </a:xfrm>
+          <a:prstGeom prst="straightConnector1"/>
+          <a:ln w="6350" cap="flat" cmpd="sng">
+            <a:solidFill>
+              <a:schemeClr val="accent1">
+                <a:alpha val="100000"/>
+              </a:schemeClr>
+            </a:solidFill>
+            <a:prstDash val="solid"/>
+            <a:tailEnd type="triangle" w="med" len="med"/>
+          </a:ln>
+        </p:spPr>
+        <p:style>
+          <a:lnRef idx="1">
+            <a:schemeClr val="accent1"/>
+          </a:lnRef>
+          <a:fillRef idx="0">
+            <a:schemeClr val="accent1"/>
+          </a:fillRef>
+          <a:effectRef idx="0">
+            <a:schemeClr val="accent1"/>
+          </a:effectRef>
+          <a:fontRef idx="minor">
+            <a:schemeClr val="tx1"/>
+          </a:fontRef>
+        </p:style>
+      </p:cxnSp>
+      <p:cxnSp>
+        <p:nvCxnSpPr>
+          <p:cNvPr id="63" name="도형 62"/>
+          <p:cNvCxnSpPr>
+            <a:stCxn id="5" idx="4"/>
+            <a:endCxn id="54" idx="0"/>
+          </p:cNvCxnSpPr>
+          <p:nvPr/>
+        </p:nvCxnSpPr>
+        <p:spPr>
+          <a:xfrm rot="0" flipH="1">
+            <a:off x="1290955" y="3354705"/>
+            <a:ext cx="689610" cy="374015"/>
+          </a:xfrm>
+          <a:prstGeom prst="straightConnector1"/>
+          <a:ln w="6350" cap="flat" cmpd="sng">
+            <a:solidFill>
+              <a:schemeClr val="accent1">
+                <a:alpha val="100000"/>
+              </a:schemeClr>
+            </a:solidFill>
+            <a:prstDash val="solid"/>
+            <a:tailEnd type="triangle" w="med" len="med"/>
+          </a:ln>
+        </p:spPr>
+        <p:style>
+          <a:lnRef idx="1">
+            <a:schemeClr val="accent1"/>
+          </a:lnRef>
+          <a:fillRef idx="0">
+            <a:schemeClr val="accent1"/>
+          </a:fillRef>
+          <a:effectRef idx="0">
+            <a:schemeClr val="accent1"/>
+          </a:effectRef>
+          <a:fontRef idx="minor">
+            <a:schemeClr val="tx1"/>
+          </a:fontRef>
+        </p:style>
+      </p:cxnSp>
+      <p:cxnSp>
+        <p:nvCxnSpPr>
+          <p:cNvPr id="64" name="도형 63"/>
+          <p:cNvCxnSpPr>
+            <a:stCxn id="5" idx="4"/>
+            <a:endCxn id="55" idx="0"/>
+          </p:cNvCxnSpPr>
+          <p:nvPr/>
+        </p:nvCxnSpPr>
+        <p:spPr>
+          <a:xfrm rot="0">
+            <a:off x="1979295" y="3354705"/>
+            <a:ext cx="12700" cy="361950"/>
+          </a:xfrm>
+          <a:prstGeom prst="straightConnector1"/>
+          <a:ln w="6350" cap="flat" cmpd="sng">
+            <a:solidFill>
+              <a:schemeClr val="accent1">
+                <a:alpha val="100000"/>
+              </a:schemeClr>
+            </a:solidFill>
+            <a:prstDash val="solid"/>
+            <a:tailEnd type="triangle" w="med" len="med"/>
+          </a:ln>
+        </p:spPr>
+        <p:style>
+          <a:lnRef idx="1">
+            <a:schemeClr val="accent1"/>
+          </a:lnRef>
+          <a:fillRef idx="0">
+            <a:schemeClr val="accent1"/>
+          </a:fillRef>
+          <a:effectRef idx="0">
+            <a:schemeClr val="accent1"/>
+          </a:effectRef>
+          <a:fontRef idx="minor">
+            <a:schemeClr val="tx1"/>
+          </a:fontRef>
+        </p:style>
+      </p:cxnSp>
+      <p:cxnSp>
+        <p:nvCxnSpPr>
+          <p:cNvPr id="65" name="도형 64"/>
+          <p:cNvCxnSpPr>
+            <a:stCxn id="6" idx="4"/>
+            <a:endCxn id="56" idx="0"/>
+          </p:cNvCxnSpPr>
+          <p:nvPr/>
+        </p:nvCxnSpPr>
+        <p:spPr>
+          <a:xfrm rot="0">
+            <a:off x="2498090" y="3342640"/>
+            <a:ext cx="205740" cy="386080"/>
+          </a:xfrm>
+          <a:prstGeom prst="straightConnector1"/>
+          <a:ln w="6350" cap="flat" cmpd="sng">
+            <a:solidFill>
+              <a:schemeClr val="accent1">
+                <a:alpha val="100000"/>
+              </a:schemeClr>
+            </a:solidFill>
+            <a:prstDash val="solid"/>
+            <a:tailEnd type="triangle" w="med" len="med"/>
+          </a:ln>
+        </p:spPr>
+        <p:style>
+          <a:lnRef idx="1">
+            <a:schemeClr val="accent1"/>
+          </a:lnRef>
+          <a:fillRef idx="0">
+            <a:schemeClr val="accent1"/>
+          </a:fillRef>
+          <a:effectRef idx="0">
+            <a:schemeClr val="accent1"/>
+          </a:effectRef>
+          <a:fontRef idx="minor">
+            <a:schemeClr val="tx1"/>
+          </a:fontRef>
+        </p:style>
+      </p:cxnSp>
+      <p:cxnSp>
+        <p:nvCxnSpPr>
+          <p:cNvPr id="66" name="도형 65"/>
+          <p:cNvCxnSpPr>
+            <a:stCxn id="4" idx="4"/>
+            <a:endCxn id="6" idx="0"/>
+          </p:cNvCxnSpPr>
+          <p:nvPr/>
+        </p:nvCxnSpPr>
+        <p:spPr>
+          <a:xfrm rot="0" flipH="1">
+            <a:off x="2498090" y="2414270"/>
+            <a:ext cx="13970" cy="542925"/>
+          </a:xfrm>
+          <a:prstGeom prst="straightConnector1"/>
+          <a:ln w="6350" cap="flat" cmpd="sng">
+            <a:solidFill>
+              <a:schemeClr val="accent1">
+                <a:alpha val="100000"/>
+              </a:schemeClr>
+            </a:solidFill>
+            <a:prstDash val="solid"/>
+            <a:tailEnd type="triangle" w="med" len="med"/>
+          </a:ln>
+        </p:spPr>
+        <p:style>
+          <a:lnRef idx="1">
+            <a:schemeClr val="accent1"/>
+          </a:lnRef>
+          <a:fillRef idx="0">
+            <a:schemeClr val="accent1"/>
+          </a:fillRef>
+          <a:effectRef idx="0">
+            <a:schemeClr val="accent1"/>
+          </a:effectRef>
+          <a:fontRef idx="minor">
+            <a:schemeClr val="tx1"/>
+          </a:fontRef>
+        </p:style>
+      </p:cxnSp>
+      <p:graphicFrame>
+        <p:nvGraphicFramePr>
+          <p:cNvPr id="67" name="표 66"/>
+          <p:cNvGraphicFramePr>
+            <a:graphicFrameLocks noGrp="1"/>
+          </p:cNvGraphicFramePr>
+          <p:nvPr/>
+        </p:nvGraphicFramePr>
+        <p:xfrm>
+          <a:off x="4832350" y="2361565"/>
+          <a:ext cx="4191635" cy="752475"/>
+        </p:xfrm>
+        <a:graphic>
+          <a:graphicData uri="http://schemas.openxmlformats.org/drawingml/2006/table">
+            <a:tbl>
+              <a:tblPr firstRow="1" bandRow="1">
+                <a:tableStyleId>{5C22544A-7EE6-4342-B048-85BDC9FD1C3A}</a:tableStyleId>
+              </a:tblPr>
+              <a:tblGrid>
+                <a:gridCol w="4191635"/>
+              </a:tblGrid>
+              <a:tr h="752475">
+                <a:tc>
+                  <a:txBody>
+                    <a:bodyPr/>
+                    <a:lstStyle/>
+                    <a:p>
+                      <a:pPr marL="0" indent="0" algn="l" fontAlgn="auto" defTabSz="508000" eaLnBrk="0">
+                        <a:lnSpc>
+                          <a:spcPct val="100000"/>
+                        </a:lnSpc>
+                        <a:spcBef>
+                          <a:spcPts val="0"/>
+                        </a:spcBef>
+                        <a:spcAft>
+                          <a:spcPts val="0"/>
+                        </a:spcAft>
+                        <a:buFontTx/>
+                        <a:buNone/>
+                      </a:pPr>
+                      <a:endParaRPr lang="ko-KR" altLang="en-US" sz="4000" kern="1200" dirty="0" smtClean="0" cap="none" b="1" strike="noStrike">
+                        <a:solidFill>
+                          <a:schemeClr val="tx1"/>
+                        </a:solidFill>
+                        <a:latin typeface="맑은 고딕" charset="0"/>
+                        <a:ea typeface="맑은 고딕" charset="0"/>
+                      </a:endParaRPr>
+                    </a:p>
+                  </a:txBody>
+                  <a:tcPr marL="90170" marR="90170" marT="46990" marB="46990" anchor="t">
+                    <a:lnL w="0" cap="flat" cmpd="sng" algn="ctr">
+                      <a:noFill/>
+                      <a:prstDash/>
+                      <a:round/>
+                      <a:headEnd type="none" w="med" len="med"/>
+                      <a:tailEnd type="none" w="med" len="med"/>
+                    </a:lnL>
+                    <a:lnR w="0" cap="flat" cmpd="sng" algn="ctr">
+                      <a:noFill/>
+                      <a:prstDash/>
+                      <a:round/>
+                      <a:headEnd type="none" w="med" len="med"/>
+                      <a:tailEnd type="none" w="med" len="med"/>
+                    </a:lnR>
+                    <a:lnT w="12700" cap="flat" cmpd="sng" algn="ctr">
+                      <a:solidFill>
+                        <a:srgbClr val="000000">
+                          <a:alpha val="100000"/>
+                        </a:srgbClr>
+                      </a:solidFill>
+                      <a:prstDash val="solid"/>
+                      <a:round/>
+                      <a:headEnd type="none" w="med" len="med"/>
+                      <a:tailEnd type="none" w="med" len="med"/>
+                    </a:lnT>
+                    <a:lnB w="12700" cap="flat" cmpd="sng" algn="ctr">
+                      <a:solidFill>
+                        <a:srgbClr val="000000">
+                          <a:alpha val="100000"/>
+                        </a:srgbClr>
+                      </a:solidFill>
+                      <a:prstDash val="solid"/>
+                      <a:round/>
+                      <a:headEnd type="none" w="med" len="med"/>
+                      <a:tailEnd type="none" w="med" len="med"/>
+                    </a:lnB>
+                    <a:lnTlToBr w="0" cap="flat" cmpd="sng" algn="ctr">
+                      <a:noFill/>
+                      <a:prstDash/>
+                      <a:round/>
+                      <a:headEnd type="none" w="med" len="med"/>
+                      <a:tailEnd type="none" w="med" len="med"/>
+                    </a:lnTlToBr>
+                    <a:lnBlToTr w="0" cap="flat" cmpd="sng" algn="ctr">
+                      <a:noFill/>
+                      <a:prstDash/>
+                      <a:round/>
+                      <a:headEnd type="none" w="med" len="med"/>
+                      <a:tailEnd type="none" w="med" len="med"/>
+                    </a:lnBlToTr>
+                    <a:noFill/>
+                  </a:tcPr>
+                </a:tc>
+              </a:tr>
+            </a:tbl>
+          </a:graphicData>
+        </a:graphic>
+      </p:graphicFrame>
+      <p:sp>
+        <p:nvSpPr>
+          <p:cNvPr id="68" name="텍스트 상자 67"/>
+          <p:cNvSpPr txBox="1">
+            <a:spLocks/>
+          </p:cNvSpPr>
+          <p:nvPr/>
+        </p:nvSpPr>
+        <p:spPr>
+          <a:xfrm rot="0">
+            <a:off x="4827270" y="2018030"/>
+            <a:ext cx="4383405" cy="370840"/>
+          </a:xfrm>
+          <a:prstGeom prst="rect"/>
+          <a:noFill/>
+          <a:ln w="0">
+            <a:noFill/>
+            <a:prstDash/>
+          </a:ln>
+        </p:spPr>
+        <p:txBody>
+          <a:bodyPr wrap="square" lIns="89535" tIns="46355" rIns="89535" bIns="46355" vert="horz" anchor="t">
+            <a:noAutofit/>
+          </a:bodyPr>
+          <a:lstStyle/>
+          <a:p>
+            <a:pPr marL="0" indent="0" algn="l" fontAlgn="auto" defTabSz="508000" eaLnBrk="0">
+              <a:lnSpc>
+                <a:spcPct val="100000"/>
+              </a:lnSpc>
+              <a:spcBef>
+                <a:spcPts val="0"/>
+              </a:spcBef>
+              <a:spcAft>
+                <a:spcPts val="0"/>
+              </a:spcAft>
+              <a:buFontTx/>
+              <a:buNone/>
+            </a:pPr>
+            <a:r>
+              <a:rPr lang="en-US" altLang="ko-KR" sz="1800" cap="none" dirty="0" smtClean="0" b="0" strike="noStrike">
+                <a:latin typeface="맑은 고딕" charset="0"/>
+                <a:ea typeface="맑은 고딕" charset="0"/>
+              </a:rPr>
+              <a:t>Front						back</a:t>
+            </a:r>
+            <a:endParaRPr lang="ko-KR" altLang="en-US" sz="1800" cap="none" dirty="0" smtClean="0" b="0" strike="noStrike">
+              <a:latin typeface="맑은 고딕" charset="0"/>
+              <a:ea typeface="맑은 고딕" charset="0"/>
+            </a:endParaRPr>
+          </a:p>
+        </p:txBody>
+      </p:sp>
+      <p:sp>
+        <p:nvSpPr>
+          <p:cNvPr id="69" name="텍스트 상자 68"/>
+          <p:cNvSpPr txBox="1">
+            <a:spLocks/>
+          </p:cNvSpPr>
+          <p:nvPr/>
+        </p:nvSpPr>
+        <p:spPr>
+          <a:xfrm rot="0">
+            <a:off x="4939030" y="2414270"/>
+            <a:ext cx="1957705" cy="709295"/>
+          </a:xfrm>
+          <a:prstGeom prst="rect"/>
+          <a:noFill/>
+          <a:ln w="0">
+            <a:noFill/>
+            <a:prstDash/>
+          </a:ln>
+        </p:spPr>
+        <p:txBody>
+          <a:bodyPr wrap="none" lIns="89535" tIns="46355" rIns="89535" bIns="46355" vert="horz" anchor="t">
+            <a:noAutofit/>
+          </a:bodyPr>
+          <a:lstStyle/>
+          <a:p>
+            <a:pPr marL="0" indent="0" algn="l" fontAlgn="auto" defTabSz="508000" eaLnBrk="0">
+              <a:lnSpc>
+                <a:spcPct val="100000"/>
+              </a:lnSpc>
+              <a:spcBef>
+                <a:spcPts val="0"/>
+              </a:spcBef>
+              <a:spcAft>
+                <a:spcPts val="0"/>
+              </a:spcAft>
+              <a:buFontTx/>
+              <a:buNone/>
+            </a:pPr>
+            <a:r>
+              <a:rPr lang="en-US" altLang="ko-KR" sz="4000" cap="none" dirty="0" smtClean="0" b="0" strike="noStrike">
+                <a:latin typeface="맑은 고딕" charset="0"/>
+                <a:ea typeface="맑은 고딕" charset="0"/>
+              </a:rPr>
+              <a:t>C	D	E	F</a:t>
+            </a:r>
+            <a:endParaRPr lang="ko-KR" altLang="en-US" sz="4000" cap="none" dirty="0" smtClean="0" b="0" strike="noStrike">
+              <a:latin typeface="맑은 고딕" charset="0"/>
+              <a:ea typeface="맑은 고딕" charset="0"/>
+            </a:endParaRPr>
+          </a:p>
+        </p:txBody>
+      </p:sp>
+      <p:sp>
+        <p:nvSpPr>
+          <p:cNvPr id="70" name="텍스트 상자 69"/>
+          <p:cNvSpPr txBox="1">
+            <a:spLocks/>
+          </p:cNvSpPr>
+          <p:nvPr/>
+        </p:nvSpPr>
+        <p:spPr>
+          <a:xfrm rot="0">
+            <a:off x="4815205" y="3242945"/>
+            <a:ext cx="544830" cy="370840"/>
+          </a:xfrm>
+          <a:prstGeom prst="rect"/>
+          <a:noFill/>
+          <a:ln w="0">
+            <a:noFill/>
+            <a:prstDash/>
+          </a:ln>
+        </p:spPr>
+        <p:txBody>
+          <a:bodyPr wrap="none" lIns="89535" tIns="46355" rIns="89535" bIns="46355" vert="horz" anchor="t">
+            <a:noAutofit/>
+          </a:bodyPr>
+          <a:lstStyle/>
+          <a:p>
+            <a:pPr marL="0" indent="0" algn="l" fontAlgn="auto" defTabSz="508000" eaLnBrk="0">
+              <a:lnSpc>
+                <a:spcPct val="100000"/>
+              </a:lnSpc>
+              <a:spcBef>
+                <a:spcPts val="0"/>
+              </a:spcBef>
+              <a:spcAft>
+                <a:spcPts val="0"/>
+              </a:spcAft>
+              <a:buFontTx/>
+              <a:buNone/>
+            </a:pPr>
+            <a:r>
+              <a:rPr lang="en-US" altLang="ko-KR" sz="1800" cap="none" dirty="0" smtClean="0" b="0" strike="noStrike">
+                <a:latin typeface="맑은 고딕" charset="0"/>
+                <a:ea typeface="맑은 고딕" charset="0"/>
+              </a:rPr>
+              <a:t>A B</a:t>
+            </a:r>
+            <a:endParaRPr lang="ko-KR" altLang="en-US" sz="1800" cap="none" dirty="0" smtClean="0" b="0" strike="noStrike">
+              <a:latin typeface="맑은 고딕" charset="0"/>
+              <a:ea typeface="맑은 고딕" charset="0"/>
+            </a:endParaRPr>
+          </a:p>
+        </p:txBody>
+      </p:sp>
+    </p:spTree>
+  </p:cSld>
+  <p:clrMapOvr>
+    <a:masterClrMapping/>
+  </p:clrMapOvr>
+  <mc:AlternateContent xmlns:mc="http://schemas.openxmlformats.org/markup-compatibility/2006">
+    <mc:Choice xmlns:p14="http://schemas.microsoft.com/office/powerpoint/2010/main" Requires="p14">
+      <p:transition spd="slow" p14:dur="1000"/>
+    </mc:Choice>
+    <mc:Fallback>
+      <p:transition spd="slow"/>
+    </mc:Fallback>
+  </mc:AlternateContent>
+  <p:timing>
+    <p:tnLst>
+      <p:par>
+        <p:cTn id="1" dur="indefinite" restart="never" nodeType="tmRoot">
+          <p:childTnLst>
+            <p:seq concurrent="1" nextAc="seek">
+              <p:cTn id="2" dur="indefinite" nodeType="mainSeq"/>
+              <p:prevCondLst>
+                <p:cond evt="onPrev" delay="0">
+                  <p:tgtEl>
+                    <p:sldTgt/>
+                  </p:tgtEl>
+                </p:cond>
+              </p:prevCondLst>
+              <p:nextCondLst>
+                <p:cond evt="onNext" delay="0">
+                  <p:tgtEl>
+                    <p:sldTgt/>
+                  </p:tgtEl>
+                </p:cond>
+              </p:nextCondLst>
+            </p:seq>
+          </p:childTnLst>
+        </p:cTn>
+      </p:par>
+    </p:tnLst>
+  </p:timing>
+</p:sld>
+</file>
+
+<file path=ppt/slides/slide13.xml><?xml version="1.0" encoding="utf-8"?>
 <p:sld xmlns:a="http://schemas.openxmlformats.org/drawingml/2006/main" xmlns:r="http://schemas.openxmlformats.org/officeDocument/2006/relationships" xmlns:p="http://schemas.openxmlformats.org/presentationml/2006/main" xmlns:p14="http://schemas.microsoft.com/office/powerpoint/2010/main">
   <p:cSld>
     <p:spTree>
@@ -10734,6 +19179,408 @@
       <p:bldP spid="34" grpId="1" animBg="1"/>
     </p:bldLst>
   </p:timing>
+</p:sld>
+</file>
+
+<file path=ppt/slides/slide14.xml><?xml version="1.0" encoding="utf-8"?>
+<p:sld xmlns:a="http://schemas.openxmlformats.org/drawingml/2006/main" xmlns:r="http://schemas.openxmlformats.org/officeDocument/2006/relationships" xmlns:p="http://schemas.openxmlformats.org/presentationml/2006/main">
+  <p:cSld>
+    <p:spTree>
+      <p:nvGrpSpPr>
+        <p:cNvPr id="1" name=""/>
+        <p:cNvGrpSpPr/>
+        <p:nvPr/>
+      </p:nvGrpSpPr>
+      <p:grpSpPr>
+        <a:xfrm>
+          <a:off x="0" y="0"/>
+          <a:ext cx="0" cy="0"/>
+          <a:chOff x="0" y="0"/>
+          <a:chExt cx="0" cy="0"/>
+        </a:xfrm>
+      </p:grpSpPr>
+      <p:sp>
+        <p:nvSpPr>
+          <p:cNvPr id="2" name="텍스트 개체 틀 1"/>
+          <p:cNvSpPr txBox="1">
+            <a:spLocks/>
+          </p:cNvSpPr>
+          <p:nvPr>
+            <p:ph type="title"/>
+          </p:nvPr>
+        </p:nvSpPr>
+        <p:spPr>
+          <a:xfrm rot="0">
+            <a:off x="838200" y="365125"/>
+            <a:ext cx="10516870" cy="1327150"/>
+          </a:xfrm>
+          <a:prstGeom prst="rect"/>
+        </p:spPr>
+        <p:txBody>
+          <a:bodyPr wrap="square" lIns="91440" tIns="45720" rIns="91440" bIns="45720" vert="horz" anchor="ctr">
+            <a:normAutofit fontScale="100000" lnSpcReduction="0"/>
+          </a:bodyPr>
+          <a:lstStyle/>
+          <a:p>
+            <a:pPr marL="0" indent="0" algn="l" fontAlgn="auto" defTabSz="914400" eaLnBrk="0">
+              <a:lnSpc>
+                <a:spcPct val="90000"/>
+              </a:lnSpc>
+              <a:spcBef>
+                <a:spcPts val="0"/>
+              </a:spcBef>
+              <a:spcAft>
+                <a:spcPts val="0"/>
+              </a:spcAft>
+              <a:buFontTx/>
+              <a:buNone/>
+            </a:pPr>
+            <a:endParaRPr lang="ko-KR" altLang="en-US" sz="4400" cap="none" dirty="0" smtClean="0" b="0" strike="noStrike">
+              <a:latin typeface="맑은 고딕" charset="0"/>
+              <a:ea typeface="맑은 고딕" charset="0"/>
+            </a:endParaRPr>
+          </a:p>
+        </p:txBody>
+      </p:sp>
+      <p:pic>
+        <p:nvPicPr>
+          <p:cNvPr id="3" name="내용 개체 틀 2" descr="C:/Users/Yeom Seoung Yun/AppData/Roaming/PolarisOffice/ETemp/5292_7955504/fImage514812096334.jpeg"/>
+          <p:cNvPicPr>
+            <a:picLocks noChangeAspect="1"/>
+          </p:cNvPicPr>
+          <p:nvPr>
+            <p:ph type="obj" idx="1"/>
+          </p:nvPr>
+        </p:nvPicPr>
+        <p:blipFill rotWithShape="1">
+          <a:blip r:embed="rId2">
+            <a:extLst>
+              <a:ext uri="{28A0092B-C50C-407E-A947-70E740481C1C}">
+                <a14:useLocalDpi xmlns:a14="http://schemas.microsoft.com/office/drawing/2010/main" val="0"/>
+              </a:ext>
+            </a:extLst>
+          </a:blip>
+          <a:srcRect/>
+          <a:stretch>
+            <a:fillRect/>
+          </a:stretch>
+        </p:blipFill>
+        <p:spPr>
+          <a:xfrm rot="0">
+            <a:off x="-12065" y="-24765"/>
+            <a:ext cx="6932295" cy="6710045"/>
+          </a:xfrm>
+          <a:prstGeom prst="rect"/>
+          <a:noFill/>
+        </p:spPr>
+      </p:pic>
+      <p:pic>
+        <p:nvPicPr>
+          <p:cNvPr id="4" name="그림 3" descr="C:/Users/Yeom Seoung Yun/AppData/Roaming/PolarisOffice/ETemp/5292_7955504/fImage411512106500.jpeg"/>
+          <p:cNvPicPr>
+            <a:picLocks noChangeAspect="1"/>
+          </p:cNvPicPr>
+          <p:nvPr/>
+        </p:nvPicPr>
+        <p:blipFill rotWithShape="1">
+          <a:blip r:embed="rId3">
+            <a:extLst>
+              <a:ext uri="{28A0092B-C50C-407E-A947-70E740481C1C}">
+                <a14:useLocalDpi xmlns:a14="http://schemas.microsoft.com/office/drawing/2010/main" val="0"/>
+              </a:ext>
+            </a:extLst>
+          </a:blip>
+          <a:stretch>
+            <a:fillRect/>
+          </a:stretch>
+        </p:blipFill>
+        <p:spPr>
+          <a:xfrm rot="0">
+            <a:off x="5879465" y="-4445"/>
+            <a:ext cx="6356350" cy="6689725"/>
+          </a:xfrm>
+          <a:prstGeom prst="rect"/>
+          <a:noFill/>
+        </p:spPr>
+      </p:pic>
+    </p:spTree>
+  </p:cSld>
+  <p:clrMapOvr>
+    <a:masterClrMapping/>
+  </p:clrMapOvr>
+  <mc:AlternateContent xmlns:mc="http://schemas.openxmlformats.org/markup-compatibility/2006">
+    <mc:Choice xmlns:p14="http://schemas.microsoft.com/office/powerpoint/2010/main" Requires="p14">
+      <p:transition spd="slow" p14:dur="1000"/>
+    </mc:Choice>
+    <mc:Fallback>
+      <p:transition spd="slow"/>
+    </mc:Fallback>
+  </mc:AlternateContent>
+</p:sld>
+</file>
+
+<file path=ppt/slides/slide15.xml><?xml version="1.0" encoding="utf-8"?>
+<p:sld xmlns:a="http://schemas.openxmlformats.org/drawingml/2006/main" xmlns:r="http://schemas.openxmlformats.org/officeDocument/2006/relationships" xmlns:p="http://schemas.openxmlformats.org/presentationml/2006/main">
+  <p:cSld>
+    <p:spTree>
+      <p:nvGrpSpPr>
+        <p:cNvPr id="1" name=""/>
+        <p:cNvGrpSpPr/>
+        <p:nvPr/>
+      </p:nvGrpSpPr>
+      <p:grpSpPr>
+        <a:xfrm>
+          <a:off x="0" y="0"/>
+          <a:ext cx="0" cy="0"/>
+          <a:chOff x="0" y="0"/>
+          <a:chExt cx="0" cy="0"/>
+        </a:xfrm>
+      </p:grpSpPr>
+      <p:sp>
+        <p:nvSpPr>
+          <p:cNvPr id="2" name="텍스트 개체 틀 1"/>
+          <p:cNvSpPr txBox="1">
+            <a:spLocks/>
+          </p:cNvSpPr>
+          <p:nvPr>
+            <p:ph type="title"/>
+          </p:nvPr>
+        </p:nvSpPr>
+        <p:spPr>
+          <a:xfrm rot="0">
+            <a:off x="838200" y="365125"/>
+            <a:ext cx="10516870" cy="1327150"/>
+          </a:xfrm>
+          <a:prstGeom prst="rect"/>
+        </p:spPr>
+        <p:txBody>
+          <a:bodyPr wrap="square" lIns="91440" tIns="45720" rIns="91440" bIns="45720" vert="horz" anchor="ctr">
+            <a:normAutofit fontScale="100000" lnSpcReduction="0"/>
+          </a:bodyPr>
+          <a:lstStyle/>
+          <a:p>
+            <a:pPr marL="0" indent="0" algn="l" fontAlgn="auto" defTabSz="914400" eaLnBrk="0">
+              <a:lnSpc>
+                <a:spcPct val="90000"/>
+              </a:lnSpc>
+              <a:spcBef>
+                <a:spcPts val="0"/>
+              </a:spcBef>
+              <a:spcAft>
+                <a:spcPts val="0"/>
+              </a:spcAft>
+              <a:buFontTx/>
+              <a:buNone/>
+            </a:pPr>
+            <a:endParaRPr lang="ko-KR" altLang="en-US" sz="4400" cap="none" dirty="0" smtClean="0" b="0" strike="noStrike">
+              <a:latin typeface="맑은 고딕" charset="0"/>
+              <a:ea typeface="맑은 고딕" charset="0"/>
+            </a:endParaRPr>
+          </a:p>
+        </p:txBody>
+      </p:sp>
+      <p:pic>
+        <p:nvPicPr>
+          <p:cNvPr id="3" name="내용 개체 틀 2" descr="C:/Users/Yeom Seoung Yun/AppData/Roaming/PolarisOffice/ETemp/5292_7955504/fImage1138622159169.jpeg"/>
+          <p:cNvPicPr>
+            <a:picLocks noChangeAspect="1"/>
+          </p:cNvPicPr>
+          <p:nvPr>
+            <p:ph type="obj" idx="1"/>
+          </p:nvPr>
+        </p:nvPicPr>
+        <p:blipFill rotWithShape="1">
+          <a:blip r:embed="rId2">
+            <a:extLst>
+              <a:ext uri="{28A0092B-C50C-407E-A947-70E740481C1C}">
+                <a14:useLocalDpi xmlns:a14="http://schemas.microsoft.com/office/drawing/2010/main" val="0"/>
+              </a:ext>
+            </a:extLst>
+          </a:blip>
+          <a:srcRect/>
+          <a:stretch>
+            <a:fillRect/>
+          </a:stretch>
+        </p:blipFill>
+        <p:spPr>
+          <a:xfrm rot="0">
+            <a:off x="445770" y="4134485"/>
+            <a:ext cx="11475085" cy="2764790"/>
+          </a:xfrm>
+          <a:prstGeom prst="rect"/>
+          <a:noFill/>
+        </p:spPr>
+      </p:pic>
+      <p:pic>
+        <p:nvPicPr>
+          <p:cNvPr id="4" name="그림 3" descr="C:/Users/Yeom Seoung Yun/AppData/Roaming/PolarisOffice/ETemp/5292_7955504/fImage357072165724.jpeg"/>
+          <p:cNvPicPr>
+            <a:picLocks noChangeAspect="1"/>
+          </p:cNvPicPr>
+          <p:nvPr/>
+        </p:nvPicPr>
+        <p:blipFill rotWithShape="1">
+          <a:blip r:embed="rId3">
+            <a:extLst>
+              <a:ext uri="{28A0092B-C50C-407E-A947-70E740481C1C}">
+                <a14:useLocalDpi xmlns:a14="http://schemas.microsoft.com/office/drawing/2010/main" val="0"/>
+              </a:ext>
+            </a:extLst>
+          </a:blip>
+          <a:stretch>
+            <a:fillRect/>
+          </a:stretch>
+        </p:blipFill>
+        <p:spPr>
+          <a:xfrm rot="0">
+            <a:off x="0" y="-635"/>
+            <a:ext cx="6771640" cy="4296410"/>
+          </a:xfrm>
+          <a:prstGeom prst="rect"/>
+          <a:noFill/>
+        </p:spPr>
+      </p:pic>
+    </p:spTree>
+  </p:cSld>
+  <p:clrMapOvr>
+    <a:masterClrMapping/>
+  </p:clrMapOvr>
+  <mc:AlternateContent xmlns:mc="http://schemas.openxmlformats.org/markup-compatibility/2006">
+    <mc:Choice xmlns:p14="http://schemas.microsoft.com/office/powerpoint/2010/main" Requires="p14">
+      <p:transition spd="slow" p14:dur="1000"/>
+    </mc:Choice>
+    <mc:Fallback>
+      <p:transition spd="slow"/>
+    </mc:Fallback>
+  </mc:AlternateContent>
+</p:sld>
+</file>
+
+<file path=ppt/slides/slide16.xml><?xml version="1.0" encoding="utf-8"?>
+<p:sld xmlns:a="http://schemas.openxmlformats.org/drawingml/2006/main" xmlns:r="http://schemas.openxmlformats.org/officeDocument/2006/relationships" xmlns:p="http://schemas.openxmlformats.org/presentationml/2006/main">
+  <p:cSld>
+    <p:spTree>
+      <p:nvGrpSpPr>
+        <p:cNvPr id="1" name=""/>
+        <p:cNvGrpSpPr/>
+        <p:nvPr/>
+      </p:nvGrpSpPr>
+      <p:grpSpPr>
+        <a:xfrm>
+          <a:off x="0" y="0"/>
+          <a:ext cx="0" cy="0"/>
+          <a:chOff x="0" y="0"/>
+          <a:chExt cx="0" cy="0"/>
+        </a:xfrm>
+      </p:grpSpPr>
+      <p:sp>
+        <p:nvSpPr>
+          <p:cNvPr id="2" name="텍스트 개체 틀 1"/>
+          <p:cNvSpPr txBox="1">
+            <a:spLocks/>
+          </p:cNvSpPr>
+          <p:nvPr>
+            <p:ph type="title"/>
+          </p:nvPr>
+        </p:nvSpPr>
+        <p:spPr>
+          <a:xfrm rot="0">
+            <a:off x="838200" y="365125"/>
+            <a:ext cx="10516870" cy="1327150"/>
+          </a:xfrm>
+          <a:prstGeom prst="rect"/>
+        </p:spPr>
+        <p:txBody>
+          <a:bodyPr wrap="square" lIns="91440" tIns="45720" rIns="91440" bIns="45720" vert="horz" anchor="ctr">
+            <a:normAutofit fontScale="100000" lnSpcReduction="0"/>
+          </a:bodyPr>
+          <a:lstStyle/>
+          <a:p>
+            <a:pPr marL="0" indent="0" algn="l" fontAlgn="auto" defTabSz="914400" eaLnBrk="0">
+              <a:lnSpc>
+                <a:spcPct val="90000"/>
+              </a:lnSpc>
+              <a:spcBef>
+                <a:spcPts val="0"/>
+              </a:spcBef>
+              <a:spcAft>
+                <a:spcPts val="0"/>
+              </a:spcAft>
+              <a:buFontTx/>
+              <a:buNone/>
+            </a:pPr>
+            <a:endParaRPr lang="ko-KR" altLang="en-US" sz="4400" cap="none" dirty="0" smtClean="0" b="0" strike="noStrike">
+              <a:latin typeface="맑은 고딕" charset="0"/>
+              <a:ea typeface="맑은 고딕" charset="0"/>
+            </a:endParaRPr>
+          </a:p>
+        </p:txBody>
+      </p:sp>
+      <p:sp>
+        <p:nvSpPr>
+          <p:cNvPr id="3" name="내용 개체 틀 2"/>
+          <p:cNvSpPr txBox="1">
+            <a:spLocks/>
+          </p:cNvSpPr>
+          <p:nvPr>
+            <p:ph type="obj" idx="1"/>
+          </p:nvPr>
+        </p:nvSpPr>
+        <p:spPr>
+          <a:xfrm rot="0">
+            <a:off x="838200" y="1825625"/>
+            <a:ext cx="10516870" cy="4352925"/>
+          </a:xfrm>
+          <a:prstGeom prst="rect"/>
+        </p:spPr>
+        <p:txBody>
+          <a:bodyPr wrap="square" lIns="91440" tIns="45720" rIns="91440" bIns="45720" vert="horz" anchor="t">
+            <a:normAutofit fontScale="100000" lnSpcReduction="0"/>
+          </a:bodyPr>
+          <a:lstStyle/>
+          <a:p>
+            <a:pPr marL="228600" indent="-228600" algn="l" fontAlgn="auto" defTabSz="914400" eaLnBrk="0">
+              <a:lnSpc>
+                <a:spcPct val="90000"/>
+              </a:lnSpc>
+              <a:spcBef>
+                <a:spcPts val="1000"/>
+              </a:spcBef>
+              <a:spcAft>
+                <a:spcPts val="0"/>
+              </a:spcAft>
+              <a:buClr>
+                <a:srgbClr val="404040"/>
+              </a:buClr>
+              <a:buFont typeface="Arial"/>
+              <a:buChar char="•"/>
+            </a:pPr>
+            <a:endParaRPr lang="ko-KR" altLang="en-US" sz="2800" cap="none" dirty="0" smtClean="0" b="0" strike="noStrike">
+              <a:solidFill>
+                <a:schemeClr val="tx1">
+                  <a:lumMod val="75000"/>
+                  <a:lumOff val="25000"/>
+                </a:schemeClr>
+              </a:solidFill>
+              <a:latin typeface="맑은 고딕" charset="0"/>
+              <a:ea typeface="맑은 고딕" charset="0"/>
+            </a:endParaRPr>
+          </a:p>
+        </p:txBody>
+      </p:sp>
+    </p:spTree>
+  </p:cSld>
+  <p:clrMapOvr>
+    <a:masterClrMapping/>
+  </p:clrMapOvr>
+  <mc:AlternateContent xmlns:mc="http://schemas.openxmlformats.org/markup-compatibility/2006">
+    <mc:Choice xmlns:p14="http://schemas.microsoft.com/office/powerpoint/2010/main" Requires="p14">
+      <p:transition spd="slow" p14:dur="1000"/>
+    </mc:Choice>
+    <mc:Fallback>
+      <p:transition spd="slow"/>
+    </mc:Fallback>
+  </mc:AlternateContent>
 </p:sld>
 </file>
 
@@ -16871,4 +25718,265 @@
     </a:ext>
   </a:extLst>
 </a:theme>
+</file>
+
+<file path=ppt/theme/theme3.xml><?xml version="1.0" encoding="utf-8"?>
+<a:theme xmlns:a="http://schemas.openxmlformats.org/drawingml/2006/main" name="Office theme">
+  <a:themeElements>
+    <a:clrScheme name="Office">
+      <a:dk1>
+        <a:sysClr val="windowText" lastClr="000000"/>
+      </a:dk1>
+      <a:lt1>
+        <a:sysClr val="window" lastClr="FFFFFF"/>
+      </a:lt1>
+      <a:dk2>
+        <a:srgbClr val="44546A"/>
+      </a:dk2>
+      <a:lt2>
+        <a:srgbClr val="E7E6E6"/>
+      </a:lt2>
+      <a:accent1>
+        <a:srgbClr val="5B9BD5"/>
+      </a:accent1>
+      <a:accent2>
+        <a:srgbClr val="ED7D31"/>
+      </a:accent2>
+      <a:accent3>
+        <a:srgbClr val="A5A5A5"/>
+      </a:accent3>
+      <a:accent4>
+        <a:srgbClr val="FFC000"/>
+      </a:accent4>
+      <a:accent5>
+        <a:srgbClr val="4472C4"/>
+      </a:accent5>
+      <a:accent6>
+        <a:srgbClr val="70AD47"/>
+      </a:accent6>
+      <a:hlink>
+        <a:srgbClr val="0563C1"/>
+      </a:hlink>
+      <a:folHlink>
+        <a:srgbClr val="954F72"/>
+      </a:folHlink>
+    </a:clrScheme>
+    <a:fontScheme name="Office">
+      <a:majorFont>
+        <a:latin typeface="맑은 고딕" panose="020F0302020204030204"/>
+        <a:ea typeface=""/>
+        <a:cs typeface=""/>
+        <a:font script="Jpan" typeface="ＭＳ Ｐゴシック"/>
+        <a:font script="Hang" typeface="맑은 고딕"/>
+        <a:font script="Hans" typeface="宋体"/>
+        <a:font script="Hant" typeface="新細明體"/>
+        <a:font script="Arab" typeface="Times New Roman"/>
+        <a:font script="Hebr" typeface="Times New Roman"/>
+        <a:font script="Thai" typeface="Angsana New"/>
+        <a:font script="Ethi" typeface="Nyala"/>
+        <a:font script="Beng" typeface="Vrinda"/>
+        <a:font script="Gujr" typeface="Shruti"/>
+        <a:font script="Khmr" typeface="MoolBoran"/>
+        <a:font script="Knda" typeface="Tunga"/>
+        <a:font script="Guru" typeface="Raavi"/>
+        <a:font script="Cans" typeface="Euphemia"/>
+        <a:font script="Cher" typeface="Plantagenet Cherokee"/>
+        <a:font script="Yiii" typeface="Microsoft Yi Baiti"/>
+        <a:font script="Tibt" typeface="Microsoft Himalaya"/>
+        <a:font script="Thaa" typeface="MV Boli"/>
+        <a:font script="Deva" typeface="Mangal"/>
+        <a:font script="Telu" typeface="Gautami"/>
+        <a:font script="Taml" typeface="Latha"/>
+        <a:font script="Syrc" typeface="Estrangelo Edessa"/>
+        <a:font script="Orya" typeface="Kalinga"/>
+        <a:font script="Mlym" typeface="Kartika"/>
+        <a:font script="Laoo" typeface="DokChampa"/>
+        <a:font script="Sinh" typeface="Iskoola Pota"/>
+        <a:font script="Mong" typeface="Mongolian Baiti"/>
+        <a:font script="Viet" typeface="Times New Roman"/>
+        <a:font script="Uigh" typeface="Microsoft Uighur"/>
+        <a:font script="Geor" typeface="Sylfaen"/>
+      </a:majorFont>
+      <a:minorFont>
+        <a:latin typeface="맑은 고딕" panose="020F0502020204030204"/>
+        <a:ea typeface=""/>
+        <a:cs typeface=""/>
+        <a:font script="Jpan" typeface="ＭＳ Ｐゴシック"/>
+        <a:font script="Hang" typeface="맑은 고딕"/>
+        <a:font script="Hans" typeface="宋体"/>
+        <a:font script="Hant" typeface="新細明體"/>
+        <a:font script="Arab" typeface="Arial"/>
+        <a:font script="Hebr" typeface="Arial"/>
+        <a:font script="Thai" typeface="Cordia New"/>
+        <a:font script="Ethi" typeface="Nyala"/>
+        <a:font script="Beng" typeface="Vrinda"/>
+        <a:font script="Gujr" typeface="Shruti"/>
+        <a:font script="Khmr" typeface="DaunPenh"/>
+        <a:font script="Knda" typeface="Tunga"/>
+        <a:font script="Guru" typeface="Raavi"/>
+        <a:font script="Cans" typeface="Euphemia"/>
+        <a:font script="Cher" typeface="Plantagenet Cherokee"/>
+        <a:font script="Yiii" typeface="Microsoft Yi Baiti"/>
+        <a:font script="Tibt" typeface="Microsoft Himalaya"/>
+        <a:font script="Thaa" typeface="MV Boli"/>
+        <a:font script="Deva" typeface="Mangal"/>
+        <a:font script="Telu" typeface="Gautami"/>
+        <a:font script="Taml" typeface="Latha"/>
+        <a:font script="Syrc" typeface="Estrangelo Edessa"/>
+        <a:font script="Orya" typeface="Kalinga"/>
+        <a:font script="Mlym" typeface="Kartika"/>
+        <a:font script="Laoo" typeface="DokChampa"/>
+        <a:font script="Sinh" typeface="Iskoola Pota"/>
+        <a:font script="Mong" typeface="Mongolian Baiti"/>
+        <a:font script="Viet" typeface="Arial"/>
+        <a:font script="Uigh" typeface="Microsoft Uighur"/>
+        <a:font script="Geor" typeface="Sylfaen"/>
+      </a:minorFont>
+    </a:fontScheme>
+    <a:fmtScheme name="Office">
+      <a:fillStyleLst>
+        <a:solidFill>
+          <a:schemeClr val="phClr"/>
+        </a:solidFill>
+        <a:gradFill rotWithShape="1">
+          <a:gsLst>
+            <a:gs pos="0">
+              <a:schemeClr val="phClr">
+                <a:lumMod val="110000"/>
+                <a:satMod val="105000"/>
+                <a:tint val="67000"/>
+              </a:schemeClr>
+            </a:gs>
+            <a:gs pos="50000">
+              <a:schemeClr val="phClr">
+                <a:lumMod val="105000"/>
+                <a:satMod val="103000"/>
+                <a:tint val="73000"/>
+              </a:schemeClr>
+            </a:gs>
+            <a:gs pos="100000">
+              <a:schemeClr val="phClr">
+                <a:lumMod val="105000"/>
+                <a:satMod val="109000"/>
+                <a:tint val="81000"/>
+              </a:schemeClr>
+            </a:gs>
+          </a:gsLst>
+          <a:lin ang="5400000" scaled="0"/>
+        </a:gradFill>
+        <a:gradFill rotWithShape="1">
+          <a:gsLst>
+            <a:gs pos="0">
+              <a:schemeClr val="phClr">
+                <a:satMod val="103000"/>
+                <a:lumMod val="102000"/>
+                <a:tint val="94000"/>
+              </a:schemeClr>
+            </a:gs>
+            <a:gs pos="50000">
+              <a:schemeClr val="phClr">
+                <a:satMod val="110000"/>
+                <a:lumMod val="100000"/>
+                <a:shade val="100000"/>
+              </a:schemeClr>
+            </a:gs>
+            <a:gs pos="100000">
+              <a:schemeClr val="phClr">
+                <a:lumMod val="99000"/>
+                <a:satMod val="120000"/>
+                <a:shade val="78000"/>
+              </a:schemeClr>
+            </a:gs>
+          </a:gsLst>
+          <a:lin ang="5400000" scaled="0"/>
+        </a:gradFill>
+      </a:fillStyleLst>
+      <a:lnStyleLst>
+        <a:ln w="6350" cap="flat" cmpd="sng" algn="ctr">
+          <a:solidFill>
+            <a:schemeClr val="phClr"/>
+          </a:solidFill>
+          <a:prstDash val="solid"/>
+          <a:miter lim="800000"/>
+        </a:ln>
+        <a:ln w="12700" cap="flat" cmpd="sng" algn="ctr">
+          <a:solidFill>
+            <a:schemeClr val="phClr"/>
+          </a:solidFill>
+          <a:prstDash val="solid"/>
+          <a:miter lim="800000"/>
+        </a:ln>
+        <a:ln w="19050" cap="flat" cmpd="sng" algn="ctr">
+          <a:solidFill>
+            <a:schemeClr val="phClr"/>
+          </a:solidFill>
+          <a:prstDash val="solid"/>
+          <a:miter lim="800000"/>
+        </a:ln>
+      </a:lnStyleLst>
+      <a:effectStyleLst>
+        <a:effectStyle>
+          <a:effectLst/>
+        </a:effectStyle>
+        <a:effectStyle>
+          <a:effectLst/>
+        </a:effectStyle>
+        <a:effectStyle>
+          <a:effectLst>
+            <a:outerShdw blurRad="57150" dist="19050" dir="5400000" algn="ctr" rotWithShape="0">
+              <a:srgbClr val="000000">
+                <a:alpha val="63000"/>
+              </a:srgbClr>
+            </a:outerShdw>
+          </a:effectLst>
+        </a:effectStyle>
+      </a:effectStyleLst>
+      <a:bgFillStyleLst>
+        <a:solidFill>
+          <a:schemeClr val="phClr"/>
+        </a:solidFill>
+        <a:solidFill>
+          <a:schemeClr val="phClr">
+            <a:tint val="95000"/>
+            <a:satMod val="170000"/>
+          </a:schemeClr>
+        </a:solidFill>
+        <a:gradFill rotWithShape="1">
+          <a:gsLst>
+            <a:gs pos="0">
+              <a:schemeClr val="phClr">
+                <a:tint val="93000"/>
+                <a:satMod val="150000"/>
+                <a:shade val="98000"/>
+                <a:lumMod val="102000"/>
+              </a:schemeClr>
+            </a:gs>
+            <a:gs pos="50000">
+              <a:schemeClr val="phClr">
+                <a:tint val="98000"/>
+                <a:satMod val="130000"/>
+                <a:shade val="90000"/>
+                <a:lumMod val="103000"/>
+              </a:schemeClr>
+            </a:gs>
+            <a:gs pos="100000">
+              <a:schemeClr val="phClr">
+                <a:shade val="63000"/>
+                <a:satMod val="120000"/>
+              </a:schemeClr>
+            </a:gs>
+          </a:gsLst>
+          <a:lin ang="5400000" scaled="0"/>
+        </a:gradFill>
+      </a:bgFillStyleLst>
+    </a:fmtScheme>
+  </a:themeElements>
+  <a:objectDefaults/>
+  <a:extraClrSchemeLst/>
+  <a:extLst>
+    <a:ext uri="{05A4C25C-085E-4340-85A3-A5531E510DB2}">
+      <thm15:themeFamily xmlns:thm15="http://schemas.microsoft.com/office/thememl/2012/main" name="Office Theme" id="{62F939B6-93AF-4DB8-9C6B-D6C7DFDC589F}" vid="{4A3C46E8-61CC-4603-A589-7422A47A8E4A}"/>
+    </a:ext>
+  </a:extLst>
+</a:theme>
 </file>